--- a/TimeManagementAndProjectPlanning.pptx
+++ b/TimeManagementAndProjectPlanning.pptx
@@ -26,11 +26,11 @@
     <p:sldId id="275" r:id="rId14"/>
     <p:sldId id="276" r:id="rId15"/>
     <p:sldId id="277" r:id="rId16"/>
-    <p:sldId id="278" r:id="rId17"/>
-    <p:sldId id="264" r:id="rId18"/>
-    <p:sldId id="263" r:id="rId19"/>
-    <p:sldId id="268" r:id="rId20"/>
-    <p:sldId id="262" r:id="rId21"/>
+    <p:sldId id="264" r:id="rId17"/>
+    <p:sldId id="263" r:id="rId18"/>
+    <p:sldId id="268" r:id="rId19"/>
+    <p:sldId id="262" r:id="rId20"/>
+    <p:sldId id="278" r:id="rId21"/>
   </p:sldIdLst>
   <p:sldSz cx="9144000" cy="6858000" type="screen4x3"/>
   <p:notesSz cx="6735763" cy="9866313"/>
@@ -4551,7 +4551,11 @@
             <a:pPr algn="r"/>
             <a:r>
               <a:rPr lang="en-AU" sz="2000" dirty="0" smtClean="0"/>
-              <a:t>Lead Consultant, Readify</a:t>
+              <a:t>Principal Consultant</a:t>
+            </a:r>
+            <a:r>
+              <a:rPr lang="en-AU" sz="2000" dirty="0" smtClean="0"/>
+              <a:t>, Readify</a:t>
             </a:r>
           </a:p>
           <a:p>
@@ -4713,13 +4717,8 @@
           <a:p>
             <a:r>
               <a:rPr lang="en-AU" dirty="0" smtClean="0"/>
-              <a:t>Each day review the activities you planned to refresh your </a:t>
-            </a:r>
-            <a:r>
-              <a:rPr lang="en-AU" dirty="0" smtClean="0"/>
-              <a:t>memory</a:t>
-            </a:r>
-            <a:endParaRPr lang="en-AU" dirty="0" smtClean="0"/>
+              <a:t>Each day review the activities you planned to refresh your memory</a:t>
+            </a:r>
           </a:p>
         </p:txBody>
       </p:sp>
@@ -4847,11 +4846,7 @@
             </a:r>
             <a:r>
               <a:rPr lang="en-AU" dirty="0" smtClean="0"/>
-              <a:t>actual </a:t>
-            </a:r>
-            <a:r>
-              <a:rPr lang="en-AU" dirty="0" smtClean="0"/>
-              <a:t>work</a:t>
+              <a:t>actual work</a:t>
             </a:r>
           </a:p>
           <a:p>
@@ -4865,15 +4860,7 @@
             <a:pPr lvl="1"/>
             <a:r>
               <a:rPr lang="en-AU" dirty="0" smtClean="0"/>
-              <a:t>Consider </a:t>
-            </a:r>
-            <a:r>
-              <a:rPr lang="en-AU" dirty="0" smtClean="0"/>
-              <a:t>what new things you have </a:t>
-            </a:r>
-            <a:r>
-              <a:rPr lang="en-AU" dirty="0" smtClean="0"/>
-              <a:t>learnt</a:t>
+              <a:t>Consider what new things you have learnt</a:t>
             </a:r>
           </a:p>
           <a:p>
@@ -5767,70 +5754,11 @@
           <a:p>
             <a:r>
               <a:rPr lang="en-AU" dirty="0" smtClean="0"/>
-              <a:t>Thankyou</a:t>
-            </a:r>
-            <a:br>
+              <a:t>Useful </a:t>
+            </a:r>
+            <a:r>
               <a:rPr lang="en-AU" dirty="0" smtClean="0"/>
-            </a:br>
-            <a:r>
-              <a:rPr lang="en-AU" dirty="0"/>
-              <a:t/>
-            </a:r>
-            <a:br>
-              <a:rPr lang="en-AU" dirty="0"/>
-            </a:br>
-            <a:r>
-              <a:rPr lang="en-AU" sz="2400" dirty="0" smtClean="0"/>
-              <a:t>See slides for bonus content</a:t>
-            </a:r>
-            <a:endParaRPr lang="en-AU" dirty="0"/>
-          </a:p>
-        </p:txBody>
-      </p:sp>
-      <p:sp>
-        <p:nvSpPr>
-          <p:cNvPr id="3" name="Text Placeholder 2"/>
-          <p:cNvSpPr>
-            <a:spLocks noGrp="1"/>
-          </p:cNvSpPr>
-          <p:nvPr>
-            <p:ph type="body" idx="1"/>
-          </p:nvPr>
-        </p:nvSpPr>
-        <p:spPr/>
-        <p:txBody>
-          <a:bodyPr/>
-          <a:lstStyle/>
-          <a:p>
-            <a:pPr algn="r"/>
-            <a:r>
-              <a:rPr lang="en-AU" dirty="0" smtClean="0"/>
-              <a:t>Rob Moore</a:t>
-            </a:r>
-          </a:p>
-          <a:p>
-            <a:pPr algn="r"/>
-            <a:r>
-              <a:rPr lang="en-AU" dirty="0" smtClean="0"/>
-              <a:t>Lead Consultant, Readify</a:t>
-            </a:r>
-          </a:p>
-          <a:p>
-            <a:pPr algn="r"/>
-            <a:r>
-              <a:rPr lang="en-AU" dirty="0" smtClean="0"/>
-              <a:t>rob.moore@readify.net</a:t>
-            </a:r>
-          </a:p>
-          <a:p>
-            <a:pPr algn="r"/>
-            <a:r>
-              <a:rPr lang="en-AU" dirty="0" smtClean="0"/>
-              <a:t>@</a:t>
-            </a:r>
-            <a:r>
-              <a:rPr lang="en-AU" dirty="0" err="1" smtClean="0"/>
-              <a:t>robdmoore</a:t>
+              <a:t>tips/techniques</a:t>
             </a:r>
             <a:endParaRPr lang="en-AU" dirty="0"/>
           </a:p>
@@ -5868,7 +5796,7 @@
     </p:spTree>
     <p:extLst>
       <p:ext uri="{BB962C8B-B14F-4D97-AF65-F5344CB8AC3E}">
-        <p14:creationId xmlns:p14="http://schemas.microsoft.com/office/powerpoint/2010/main" val="3789521454"/>
+        <p14:creationId xmlns:p14="http://schemas.microsoft.com/office/powerpoint/2010/main" val="579918609"/>
       </p:ext>
     </p:extLst>
   </p:cSld>
@@ -5919,11 +5847,67 @@
           <a:p>
             <a:r>
               <a:rPr lang="en-AU" dirty="0" smtClean="0"/>
-              <a:t>Useful </a:t>
-            </a:r>
+              <a:t>Sustainable pace</a:t>
+            </a:r>
+            <a:endParaRPr lang="en-AU" dirty="0"/>
+          </a:p>
+        </p:txBody>
+      </p:sp>
+      <p:sp>
+        <p:nvSpPr>
+          <p:cNvPr id="3" name="Content Placeholder 2"/>
+          <p:cNvSpPr>
+            <a:spLocks noGrp="1"/>
+          </p:cNvSpPr>
+          <p:nvPr>
+            <p:ph idx="1"/>
+          </p:nvPr>
+        </p:nvSpPr>
+        <p:spPr/>
+        <p:txBody>
+          <a:bodyPr/>
+          <a:lstStyle/>
+          <a:p>
             <a:r>
               <a:rPr lang="en-AU" dirty="0" smtClean="0"/>
-              <a:t>techniques (bonus content)</a:t>
+              <a:t>Consistently sacrificing sleep and weekends </a:t>
+            </a:r>
+            <a:r>
+              <a:rPr lang="en-AU" sz="4400" dirty="0" smtClean="0"/>
+              <a:t>isn’t sustainable</a:t>
+            </a:r>
+            <a:endParaRPr lang="en-AU" dirty="0" smtClean="0"/>
+          </a:p>
+          <a:p>
+            <a:r>
+              <a:rPr lang="en-AU" dirty="0" smtClean="0"/>
+              <a:t>The quality and efficiency of your work drops and you </a:t>
+            </a:r>
+            <a:r>
+              <a:rPr lang="en-AU" sz="4400" dirty="0" smtClean="0"/>
+              <a:t>get less done</a:t>
+            </a:r>
+            <a:endParaRPr lang="en-AU" dirty="0" smtClean="0"/>
+          </a:p>
+          <a:p>
+            <a:endParaRPr lang="en-AU" dirty="0" smtClean="0"/>
+          </a:p>
+          <a:p>
+            <a:r>
+              <a:rPr lang="en-AU" dirty="0" smtClean="0"/>
+              <a:t>Get </a:t>
+            </a:r>
+            <a:r>
+              <a:rPr lang="en-AU" b="1" dirty="0" smtClean="0"/>
+              <a:t>help</a:t>
+            </a:r>
+            <a:r>
+              <a:rPr lang="en-AU" sz="1800" dirty="0" smtClean="0"/>
+              <a:t> </a:t>
+            </a:r>
+            <a:r>
+              <a:rPr lang="en-AU" dirty="0" smtClean="0"/>
+              <a:t>if you need an unsustainable pace to get everything done!</a:t>
             </a:r>
             <a:endParaRPr lang="en-AU" dirty="0"/>
           </a:p>
@@ -5961,20 +5945,13 @@
     </p:spTree>
     <p:extLst>
       <p:ext uri="{BB962C8B-B14F-4D97-AF65-F5344CB8AC3E}">
-        <p14:creationId xmlns:p14="http://schemas.microsoft.com/office/powerpoint/2010/main" val="579918609"/>
+        <p14:creationId xmlns:p14="http://schemas.microsoft.com/office/powerpoint/2010/main" val="2636639351"/>
       </p:ext>
     </p:extLst>
   </p:cSld>
   <p:clrMapOvr>
     <a:masterClrMapping/>
   </p:clrMapOvr>
-  <p:timing>
-    <p:tnLst>
-      <p:par>
-        <p:cTn id="1" dur="indefinite" restart="never" nodeType="tmRoot"/>
-      </p:par>
-    </p:tnLst>
-  </p:timing>
 </p:sld>
 </file>
 
@@ -6012,7 +5989,7 @@
           <a:p>
             <a:r>
               <a:rPr lang="en-AU" dirty="0" smtClean="0"/>
-              <a:t>Sustainable pace</a:t>
+              <a:t>Task visualisation</a:t>
             </a:r>
             <a:endParaRPr lang="en-AU" dirty="0"/>
           </a:p>
@@ -6035,46 +6012,48 @@
           <a:p>
             <a:r>
               <a:rPr lang="en-AU" dirty="0" smtClean="0"/>
-              <a:t>Consistently sacrificing sleep and weekends </a:t>
-            </a:r>
-            <a:r>
-              <a:rPr lang="en-AU" sz="4400" dirty="0" smtClean="0"/>
-              <a:t>isn’t sustainable</a:t>
+              <a:t>Visualising your prioritised </a:t>
+            </a:r>
+            <a:r>
+              <a:rPr lang="en-AU" dirty="0" err="1" smtClean="0"/>
+              <a:t>todo</a:t>
+            </a:r>
+            <a:r>
+              <a:rPr lang="en-AU" dirty="0" smtClean="0"/>
+              <a:t> list helps you </a:t>
+            </a:r>
+            <a:r>
+              <a:rPr lang="en-AU" sz="4800" dirty="0" smtClean="0"/>
+              <a:t>focus</a:t>
             </a:r>
             <a:endParaRPr lang="en-AU" dirty="0" smtClean="0"/>
           </a:p>
           <a:p>
             <a:r>
               <a:rPr lang="en-AU" dirty="0" smtClean="0"/>
-              <a:t>The quality and efficiency of your work drops and you </a:t>
-            </a:r>
-            <a:r>
-              <a:rPr lang="en-AU" sz="4400" dirty="0" smtClean="0"/>
-              <a:t>get less done</a:t>
-            </a:r>
+              <a:t>It makes you more </a:t>
+            </a:r>
+            <a:r>
+              <a:rPr lang="en-AU" sz="4800" dirty="0" smtClean="0"/>
+              <a:t>efficient</a:t>
+            </a:r>
+            <a:r>
+              <a:rPr lang="en-AU" dirty="0" smtClean="0"/>
+              <a:t> and helps stop context switching</a:t>
+            </a:r>
+          </a:p>
+          <a:p>
             <a:endParaRPr lang="en-AU" dirty="0" smtClean="0"/>
           </a:p>
           <a:p>
-            <a:endParaRPr lang="en-AU" dirty="0" smtClean="0"/>
-          </a:p>
-          <a:p>
-            <a:r>
-              <a:rPr lang="en-AU" dirty="0" smtClean="0"/>
-              <a:t>Get </a:t>
-            </a:r>
-            <a:r>
-              <a:rPr lang="en-AU" b="1" dirty="0" smtClean="0"/>
-              <a:t>help</a:t>
-            </a:r>
-            <a:r>
-              <a:rPr lang="en-AU" sz="1800" dirty="0" smtClean="0"/>
-              <a:t> </a:t>
-            </a:r>
-            <a:r>
-              <a:rPr lang="en-AU" dirty="0" smtClean="0"/>
-              <a:t>if you need an unsustainable pace to get everything done!</a:t>
-            </a:r>
-            <a:endParaRPr lang="en-AU" dirty="0"/>
+            <a:pPr marL="0" indent="0">
+              <a:buNone/>
+            </a:pPr>
+            <a:r>
+              <a:rPr lang="en-AU" sz="2800" dirty="0" smtClean="0"/>
+              <a:t>					trello.com</a:t>
+            </a:r>
+            <a:endParaRPr lang="en-AU" sz="2800" dirty="0"/>
           </a:p>
         </p:txBody>
       </p:sp>
@@ -6102,150 +6081,6 @@
                 <a:defRPr/>
               </a:pPr>
               <a:t>18</a:t>
-            </a:fld>
-            <a:endParaRPr lang="en-GB" dirty="0"/>
-          </a:p>
-        </p:txBody>
-      </p:sp>
-    </p:spTree>
-    <p:extLst>
-      <p:ext uri="{BB962C8B-B14F-4D97-AF65-F5344CB8AC3E}">
-        <p14:creationId xmlns:p14="http://schemas.microsoft.com/office/powerpoint/2010/main" val="2636639351"/>
-      </p:ext>
-    </p:extLst>
-  </p:cSld>
-  <p:clrMapOvr>
-    <a:masterClrMapping/>
-  </p:clrMapOvr>
-</p:sld>
-</file>
-
-<file path=ppt/slides/slide19.xml><?xml version="1.0" encoding="utf-8"?>
-<p:sld xmlns:a="http://schemas.openxmlformats.org/drawingml/2006/main" xmlns:r="http://schemas.openxmlformats.org/officeDocument/2006/relationships" xmlns:p="http://schemas.openxmlformats.org/presentationml/2006/main">
-  <p:cSld>
-    <p:spTree>
-      <p:nvGrpSpPr>
-        <p:cNvPr id="1" name=""/>
-        <p:cNvGrpSpPr/>
-        <p:nvPr/>
-      </p:nvGrpSpPr>
-      <p:grpSpPr>
-        <a:xfrm>
-          <a:off x="0" y="0"/>
-          <a:ext cx="0" cy="0"/>
-          <a:chOff x="0" y="0"/>
-          <a:chExt cx="0" cy="0"/>
-        </a:xfrm>
-      </p:grpSpPr>
-      <p:sp>
-        <p:nvSpPr>
-          <p:cNvPr id="2" name="Title 1"/>
-          <p:cNvSpPr>
-            <a:spLocks noGrp="1"/>
-          </p:cNvSpPr>
-          <p:nvPr>
-            <p:ph type="title"/>
-          </p:nvPr>
-        </p:nvSpPr>
-        <p:spPr/>
-        <p:txBody>
-          <a:bodyPr/>
-          <a:lstStyle/>
-          <a:p>
-            <a:r>
-              <a:rPr lang="en-AU" dirty="0" smtClean="0"/>
-              <a:t>Task visualisation</a:t>
-            </a:r>
-            <a:endParaRPr lang="en-AU" dirty="0"/>
-          </a:p>
-        </p:txBody>
-      </p:sp>
-      <p:sp>
-        <p:nvSpPr>
-          <p:cNvPr id="3" name="Content Placeholder 2"/>
-          <p:cNvSpPr>
-            <a:spLocks noGrp="1"/>
-          </p:cNvSpPr>
-          <p:nvPr>
-            <p:ph idx="1"/>
-          </p:nvPr>
-        </p:nvSpPr>
-        <p:spPr/>
-        <p:txBody>
-          <a:bodyPr/>
-          <a:lstStyle/>
-          <a:p>
-            <a:r>
-              <a:rPr lang="en-AU" dirty="0" smtClean="0"/>
-              <a:t>Visualising your prioritised </a:t>
-            </a:r>
-            <a:r>
-              <a:rPr lang="en-AU" dirty="0" err="1" smtClean="0"/>
-              <a:t>todo</a:t>
-            </a:r>
-            <a:r>
-              <a:rPr lang="en-AU" dirty="0" smtClean="0"/>
-              <a:t> list helps you </a:t>
-            </a:r>
-            <a:r>
-              <a:rPr lang="en-AU" sz="4800" dirty="0" smtClean="0"/>
-              <a:t>focus</a:t>
-            </a:r>
-            <a:endParaRPr lang="en-AU" dirty="0" smtClean="0"/>
-          </a:p>
-          <a:p>
-            <a:r>
-              <a:rPr lang="en-AU" dirty="0" smtClean="0"/>
-              <a:t>It makes you more </a:t>
-            </a:r>
-            <a:r>
-              <a:rPr lang="en-AU" sz="4800" dirty="0" smtClean="0"/>
-              <a:t>efficient</a:t>
-            </a:r>
-            <a:r>
-              <a:rPr lang="en-AU" dirty="0" smtClean="0"/>
-              <a:t> and helps stop context switching</a:t>
-            </a:r>
-          </a:p>
-          <a:p>
-            <a:endParaRPr lang="en-AU" dirty="0" smtClean="0"/>
-          </a:p>
-          <a:p>
-            <a:pPr marL="0" indent="0">
-              <a:buNone/>
-            </a:pPr>
-            <a:r>
-              <a:rPr lang="en-AU" sz="2800" dirty="0" smtClean="0"/>
-              <a:t>					trello.com</a:t>
-            </a:r>
-            <a:endParaRPr lang="en-AU" sz="2800" dirty="0"/>
-          </a:p>
-        </p:txBody>
-      </p:sp>
-      <p:sp>
-        <p:nvSpPr>
-          <p:cNvPr id="4" name="Slide Number Placeholder 3"/>
-          <p:cNvSpPr>
-            <a:spLocks noGrp="1"/>
-          </p:cNvSpPr>
-          <p:nvPr>
-            <p:ph type="sldNum" sz="quarter" idx="4"/>
-          </p:nvPr>
-        </p:nvSpPr>
-        <p:spPr/>
-        <p:txBody>
-          <a:bodyPr/>
-          <a:lstStyle/>
-          <a:p>
-            <a:pPr>
-              <a:defRPr/>
-            </a:pPr>
-            <a:fld id="{92185B65-240A-465E-998D-9B43C073AEB9}" type="slidenum">
-              <a:rPr lang="en-GB" smtClean="0"/>
-              <a:pPr>
-                <a:defRPr/>
-              </a:pPr>
-              <a:t>19</a:t>
             </a:fld>
             <a:endParaRPr lang="en-GB" dirty="0"/>
           </a:p>
@@ -6305,7 +6140,7 @@
 </p:sld>
 </file>
 
-<file path=ppt/slides/slide2.xml><?xml version="1.0" encoding="utf-8"?>
+<file path=ppt/slides/slide19.xml><?xml version="1.0" encoding="utf-8"?>
 <p:sld xmlns:a="http://schemas.openxmlformats.org/drawingml/2006/main" xmlns:r="http://schemas.openxmlformats.org/officeDocument/2006/relationships" xmlns:p="http://schemas.openxmlformats.org/presentationml/2006/main">
   <p:cSld>
     <p:spTree>
@@ -6338,10 +6173,18 @@
           <a:lstStyle/>
           <a:p>
             <a:r>
-              <a:rPr lang="en-GB" dirty="0" smtClean="0"/>
-              <a:t>Why is it important?</a:t>
-            </a:r>
-            <a:endParaRPr lang="en-GB" dirty="0"/>
+              <a:rPr lang="en-AU" dirty="0" err="1" smtClean="0"/>
+              <a:t>Pomodoro</a:t>
+            </a:r>
+            <a:r>
+              <a:rPr lang="en-AU" dirty="0" smtClean="0"/>
+              <a:t> / </a:t>
+            </a:r>
+            <a:r>
+              <a:rPr lang="en-AU" dirty="0" err="1" smtClean="0"/>
+              <a:t>Timeboxing</a:t>
+            </a:r>
+            <a:endParaRPr lang="en-AU" dirty="0"/>
           </a:p>
         </p:txBody>
       </p:sp>
@@ -6355,107 +6198,60 @@
             <p:ph idx="1"/>
           </p:nvPr>
         </p:nvSpPr>
-        <p:spPr>
-          <a:xfrm>
-            <a:off x="457200" y="1340768"/>
-            <a:ext cx="8229600" cy="3810000"/>
-          </a:xfrm>
-        </p:spPr>
+        <p:spPr/>
         <p:txBody>
           <a:bodyPr/>
           <a:lstStyle/>
           <a:p>
             <a:r>
-              <a:rPr lang="en-GB" sz="2800" dirty="0" smtClean="0"/>
-              <a:t>Do you ever feel </a:t>
-            </a:r>
-            <a:r>
-              <a:rPr lang="en-GB" sz="4400" dirty="0" smtClean="0"/>
-              <a:t>overwhelmed</a:t>
-            </a:r>
-            <a:r>
-              <a:rPr lang="en-GB" sz="2800" dirty="0" smtClean="0"/>
-              <a:t> with:</a:t>
-            </a:r>
-          </a:p>
-          <a:p>
-            <a:pPr lvl="1"/>
-            <a:r>
-              <a:rPr lang="en-GB" sz="2400" dirty="0" err="1" smtClean="0"/>
-              <a:t>Uni</a:t>
-            </a:r>
-            <a:r>
-              <a:rPr lang="en-GB" sz="2400" dirty="0" smtClean="0"/>
-              <a:t> classes</a:t>
-            </a:r>
-          </a:p>
-          <a:p>
-            <a:pPr lvl="1"/>
-            <a:r>
-              <a:rPr lang="en-GB" sz="2400" dirty="0" err="1" smtClean="0"/>
-              <a:t>Uni</a:t>
-            </a:r>
-            <a:r>
-              <a:rPr lang="en-GB" sz="2400" dirty="0" smtClean="0"/>
-              <a:t> assignments and tests</a:t>
-            </a:r>
-          </a:p>
-          <a:p>
-            <a:pPr lvl="1"/>
-            <a:r>
-              <a:rPr lang="en-GB" sz="2400" dirty="0" smtClean="0"/>
-              <a:t>Work (multiple jobs?)</a:t>
-            </a:r>
-          </a:p>
-          <a:p>
-            <a:pPr lvl="1"/>
-            <a:r>
-              <a:rPr lang="en-GB" sz="2400" b="1" dirty="0" smtClean="0"/>
-              <a:t>Extracurricular activities</a:t>
-            </a:r>
-          </a:p>
-          <a:p>
-            <a:pPr lvl="1"/>
-            <a:r>
-              <a:rPr lang="en-GB" sz="2400" dirty="0" smtClean="0"/>
-              <a:t>Maintaining relationships (friends, family, lovers)</a:t>
-            </a:r>
-          </a:p>
-          <a:p>
-            <a:pPr lvl="1"/>
-            <a:r>
-              <a:rPr lang="en-GB" sz="2400" dirty="0" smtClean="0"/>
-              <a:t>Housework</a:t>
-            </a:r>
-          </a:p>
-          <a:p>
-            <a:pPr lvl="1"/>
-            <a:r>
-              <a:rPr lang="en-GB" sz="2400" dirty="0" smtClean="0"/>
-              <a:t>Leisure, quiet time, exercising, reading, etc.)</a:t>
-            </a:r>
-          </a:p>
-          <a:p>
-            <a:r>
-              <a:rPr lang="en-GB" sz="2800" dirty="0" smtClean="0"/>
-              <a:t>Do you have </a:t>
-            </a:r>
-            <a:r>
-              <a:rPr lang="en-GB" sz="2800" i="1" dirty="0" smtClean="0"/>
-              <a:t>competing</a:t>
-            </a:r>
-            <a:r>
-              <a:rPr lang="en-GB" sz="2800" dirty="0" smtClean="0"/>
-              <a:t> </a:t>
-            </a:r>
-            <a:r>
-              <a:rPr lang="en-GB" sz="4400" dirty="0" smtClean="0"/>
-              <a:t>deadlines</a:t>
-            </a:r>
-            <a:r>
-              <a:rPr lang="en-GB" sz="2800" dirty="0" smtClean="0"/>
-              <a:t>?</a:t>
-            </a:r>
+              <a:rPr lang="en-AU" dirty="0" smtClean="0"/>
+              <a:t>Procrastination is damaging to efficiency</a:t>
+            </a:r>
+          </a:p>
+          <a:p>
+            <a:r>
+              <a:rPr lang="en-AU" dirty="0" smtClean="0"/>
+              <a:t>Ensure focus by setting aside a specific amount of time</a:t>
+            </a:r>
+          </a:p>
+          <a:p>
+            <a:r>
+              <a:rPr lang="en-AU" dirty="0" smtClean="0"/>
+              <a:t>Take a small break after that time and reflect on what you did</a:t>
+            </a:r>
+          </a:p>
+          <a:p>
+            <a:endParaRPr lang="en-AU" dirty="0" smtClean="0"/>
+          </a:p>
+          <a:p>
+            <a:pPr marL="0" indent="0">
+              <a:buNone/>
+            </a:pPr>
+            <a:r>
+              <a:rPr lang="en-AU" sz="2800" dirty="0" smtClean="0"/>
+              <a:t>				pomodorotechnique.com</a:t>
+            </a:r>
+          </a:p>
+          <a:p>
+            <a:pPr marL="0" indent="0">
+              <a:buNone/>
+            </a:pPr>
+            <a:r>
+              <a:rPr lang="en-AU" sz="2800" dirty="0" smtClean="0"/>
+              <a:t>			</a:t>
+            </a:r>
+            <a:r>
+              <a:rPr lang="en-AU" sz="2400" dirty="0" smtClean="0"/>
+              <a:t>	workawesome.com/productivity/</a:t>
+            </a:r>
+            <a:r>
+              <a:rPr lang="en-AU" sz="2400" dirty="0" err="1" smtClean="0"/>
+              <a:t>timeboxing</a:t>
+            </a:r>
+            <a:endParaRPr lang="en-AU" dirty="0" smtClean="0"/>
+          </a:p>
+          <a:p>
+            <a:endParaRPr lang="en-AU" dirty="0"/>
           </a:p>
         </p:txBody>
       </p:sp>
@@ -6482,171 +6278,7 @@
               <a:pPr>
                 <a:defRPr/>
               </a:pPr>
-              <a:t>2</a:t>
-            </a:fld>
-            <a:endParaRPr lang="en-GB" dirty="0"/>
-          </a:p>
-        </p:txBody>
-      </p:sp>
-    </p:spTree>
-    <p:extLst>
-      <p:ext uri="{BB962C8B-B14F-4D97-AF65-F5344CB8AC3E}">
-        <p14:creationId xmlns:p14="http://schemas.microsoft.com/office/powerpoint/2010/main" val="1137752938"/>
-      </p:ext>
-    </p:extLst>
-  </p:cSld>
-  <p:clrMapOvr>
-    <a:masterClrMapping/>
-  </p:clrMapOvr>
-  <p:timing>
-    <p:tnLst>
-      <p:par>
-        <p:cTn id="1" dur="indefinite" restart="never" nodeType="tmRoot"/>
-      </p:par>
-    </p:tnLst>
-  </p:timing>
-</p:sld>
-</file>
-
-<file path=ppt/slides/slide20.xml><?xml version="1.0" encoding="utf-8"?>
-<p:sld xmlns:a="http://schemas.openxmlformats.org/drawingml/2006/main" xmlns:r="http://schemas.openxmlformats.org/officeDocument/2006/relationships" xmlns:p="http://schemas.openxmlformats.org/presentationml/2006/main">
-  <p:cSld>
-    <p:spTree>
-      <p:nvGrpSpPr>
-        <p:cNvPr id="1" name=""/>
-        <p:cNvGrpSpPr/>
-        <p:nvPr/>
-      </p:nvGrpSpPr>
-      <p:grpSpPr>
-        <a:xfrm>
-          <a:off x="0" y="0"/>
-          <a:ext cx="0" cy="0"/>
-          <a:chOff x="0" y="0"/>
-          <a:chExt cx="0" cy="0"/>
-        </a:xfrm>
-      </p:grpSpPr>
-      <p:sp>
-        <p:nvSpPr>
-          <p:cNvPr id="2" name="Title 1"/>
-          <p:cNvSpPr>
-            <a:spLocks noGrp="1"/>
-          </p:cNvSpPr>
-          <p:nvPr>
-            <p:ph type="title"/>
-          </p:nvPr>
-        </p:nvSpPr>
-        <p:spPr/>
-        <p:txBody>
-          <a:bodyPr/>
-          <a:lstStyle/>
-          <a:p>
-            <a:r>
-              <a:rPr lang="en-AU" dirty="0" err="1" smtClean="0"/>
-              <a:t>Pomodoro</a:t>
-            </a:r>
-            <a:r>
-              <a:rPr lang="en-AU" dirty="0" smtClean="0"/>
-              <a:t> / </a:t>
-            </a:r>
-            <a:r>
-              <a:rPr lang="en-AU" dirty="0" err="1" smtClean="0"/>
-              <a:t>Timeboxing</a:t>
-            </a:r>
-            <a:endParaRPr lang="en-AU" dirty="0"/>
-          </a:p>
-        </p:txBody>
-      </p:sp>
-      <p:sp>
-        <p:nvSpPr>
-          <p:cNvPr id="3" name="Content Placeholder 2"/>
-          <p:cNvSpPr>
-            <a:spLocks noGrp="1"/>
-          </p:cNvSpPr>
-          <p:nvPr>
-            <p:ph idx="1"/>
-          </p:nvPr>
-        </p:nvSpPr>
-        <p:spPr/>
-        <p:txBody>
-          <a:bodyPr/>
-          <a:lstStyle/>
-          <a:p>
-            <a:r>
-              <a:rPr lang="en-AU" dirty="0" smtClean="0"/>
-              <a:t>Procrastination is damaging to efficiency</a:t>
-            </a:r>
-          </a:p>
-          <a:p>
-            <a:r>
-              <a:rPr lang="en-AU" dirty="0" smtClean="0"/>
-              <a:t>Ensure focus by setting aside a specific amount of time</a:t>
-            </a:r>
-          </a:p>
-          <a:p>
-            <a:r>
-              <a:rPr lang="en-AU" dirty="0" smtClean="0"/>
-              <a:t>Take a small break after that time and reflect on what you did</a:t>
-            </a:r>
-          </a:p>
-          <a:p>
-            <a:endParaRPr lang="en-AU" dirty="0" smtClean="0"/>
-          </a:p>
-          <a:p>
-            <a:pPr marL="0" indent="0">
-              <a:buNone/>
-            </a:pPr>
-            <a:r>
-              <a:rPr lang="en-AU" sz="2800" dirty="0" smtClean="0"/>
-              <a:t>				pomodorotechnique.com</a:t>
-            </a:r>
-          </a:p>
-          <a:p>
-            <a:pPr marL="0" indent="0">
-              <a:buNone/>
-            </a:pPr>
-            <a:r>
-              <a:rPr lang="en-AU" sz="2800" dirty="0" smtClean="0"/>
-              <a:t>			</a:t>
-            </a:r>
-            <a:r>
-              <a:rPr lang="en-AU" sz="2400" dirty="0" smtClean="0"/>
-              <a:t>	workawesome.com/productivity/</a:t>
-            </a:r>
-            <a:r>
-              <a:rPr lang="en-AU" sz="2400" dirty="0" err="1" smtClean="0"/>
-              <a:t>timeboxing</a:t>
-            </a:r>
-            <a:endParaRPr lang="en-AU" dirty="0" smtClean="0"/>
-          </a:p>
-          <a:p>
-            <a:endParaRPr lang="en-AU" dirty="0"/>
-          </a:p>
-        </p:txBody>
-      </p:sp>
-      <p:sp>
-        <p:nvSpPr>
-          <p:cNvPr id="4" name="Slide Number Placeholder 3"/>
-          <p:cNvSpPr>
-            <a:spLocks noGrp="1"/>
-          </p:cNvSpPr>
-          <p:nvPr>
-            <p:ph type="sldNum" sz="quarter" idx="4"/>
-          </p:nvPr>
-        </p:nvSpPr>
-        <p:spPr/>
-        <p:txBody>
-          <a:bodyPr/>
-          <a:lstStyle/>
-          <a:p>
-            <a:pPr>
-              <a:defRPr/>
-            </a:pPr>
-            <a:fld id="{92185B65-240A-465E-998D-9B43C073AEB9}" type="slidenum">
-              <a:rPr lang="en-GB" smtClean="0"/>
-              <a:pPr>
-                <a:defRPr/>
-              </a:pPr>
-              <a:t>20</a:t>
+              <a:t>19</a:t>
             </a:fld>
             <a:endParaRPr lang="en-GB" dirty="0"/>
           </a:p>
@@ -6703,6 +6335,351 @@
   <p:clrMapOvr>
     <a:masterClrMapping/>
   </p:clrMapOvr>
+</p:sld>
+</file>
+
+<file path=ppt/slides/slide2.xml><?xml version="1.0" encoding="utf-8"?>
+<p:sld xmlns:a="http://schemas.openxmlformats.org/drawingml/2006/main" xmlns:r="http://schemas.openxmlformats.org/officeDocument/2006/relationships" xmlns:p="http://schemas.openxmlformats.org/presentationml/2006/main">
+  <p:cSld>
+    <p:spTree>
+      <p:nvGrpSpPr>
+        <p:cNvPr id="1" name=""/>
+        <p:cNvGrpSpPr/>
+        <p:nvPr/>
+      </p:nvGrpSpPr>
+      <p:grpSpPr>
+        <a:xfrm>
+          <a:off x="0" y="0"/>
+          <a:ext cx="0" cy="0"/>
+          <a:chOff x="0" y="0"/>
+          <a:chExt cx="0" cy="0"/>
+        </a:xfrm>
+      </p:grpSpPr>
+      <p:sp>
+        <p:nvSpPr>
+          <p:cNvPr id="2" name="Title 1"/>
+          <p:cNvSpPr>
+            <a:spLocks noGrp="1"/>
+          </p:cNvSpPr>
+          <p:nvPr>
+            <p:ph type="title"/>
+          </p:nvPr>
+        </p:nvSpPr>
+        <p:spPr/>
+        <p:txBody>
+          <a:bodyPr/>
+          <a:lstStyle/>
+          <a:p>
+            <a:r>
+              <a:rPr lang="en-GB" dirty="0" smtClean="0"/>
+              <a:t>Why is it important?</a:t>
+            </a:r>
+            <a:endParaRPr lang="en-GB" dirty="0"/>
+          </a:p>
+        </p:txBody>
+      </p:sp>
+      <p:sp>
+        <p:nvSpPr>
+          <p:cNvPr id="3" name="Content Placeholder 2"/>
+          <p:cNvSpPr>
+            <a:spLocks noGrp="1"/>
+          </p:cNvSpPr>
+          <p:nvPr>
+            <p:ph idx="1"/>
+          </p:nvPr>
+        </p:nvSpPr>
+        <p:spPr>
+          <a:xfrm>
+            <a:off x="457200" y="1340768"/>
+            <a:ext cx="8229600" cy="3810000"/>
+          </a:xfrm>
+        </p:spPr>
+        <p:txBody>
+          <a:bodyPr/>
+          <a:lstStyle/>
+          <a:p>
+            <a:r>
+              <a:rPr lang="en-GB" sz="2800" dirty="0" smtClean="0"/>
+              <a:t>Do you ever feel </a:t>
+            </a:r>
+            <a:r>
+              <a:rPr lang="en-GB" sz="4400" dirty="0" smtClean="0"/>
+              <a:t>overwhelmed</a:t>
+            </a:r>
+            <a:r>
+              <a:rPr lang="en-GB" sz="2800" dirty="0" smtClean="0"/>
+              <a:t> with:</a:t>
+            </a:r>
+          </a:p>
+          <a:p>
+            <a:pPr lvl="1"/>
+            <a:r>
+              <a:rPr lang="en-GB" sz="2400" dirty="0" err="1" smtClean="0"/>
+              <a:t>Uni</a:t>
+            </a:r>
+            <a:r>
+              <a:rPr lang="en-GB" sz="2400" dirty="0" smtClean="0"/>
+              <a:t> classes</a:t>
+            </a:r>
+          </a:p>
+          <a:p>
+            <a:pPr lvl="1"/>
+            <a:r>
+              <a:rPr lang="en-GB" sz="2400" dirty="0" err="1" smtClean="0"/>
+              <a:t>Uni</a:t>
+            </a:r>
+            <a:r>
+              <a:rPr lang="en-GB" sz="2400" dirty="0" smtClean="0"/>
+              <a:t> assignments and tests</a:t>
+            </a:r>
+          </a:p>
+          <a:p>
+            <a:pPr lvl="1"/>
+            <a:r>
+              <a:rPr lang="en-GB" sz="2400" dirty="0" smtClean="0"/>
+              <a:t>Work (multiple jobs?)</a:t>
+            </a:r>
+          </a:p>
+          <a:p>
+            <a:pPr lvl="1"/>
+            <a:r>
+              <a:rPr lang="en-GB" sz="2400" b="1" dirty="0" smtClean="0"/>
+              <a:t>Extracurricular activities</a:t>
+            </a:r>
+          </a:p>
+          <a:p>
+            <a:pPr lvl="1"/>
+            <a:r>
+              <a:rPr lang="en-GB" sz="2400" dirty="0" smtClean="0"/>
+              <a:t>Maintaining relationships (friends, family, lovers)</a:t>
+            </a:r>
+          </a:p>
+          <a:p>
+            <a:pPr lvl="1"/>
+            <a:r>
+              <a:rPr lang="en-GB" sz="2400" dirty="0" smtClean="0"/>
+              <a:t>Housework</a:t>
+            </a:r>
+          </a:p>
+          <a:p>
+            <a:pPr lvl="1"/>
+            <a:r>
+              <a:rPr lang="en-GB" sz="2400" dirty="0" smtClean="0"/>
+              <a:t>Leisure, quiet time, exercising, reading, etc.)</a:t>
+            </a:r>
+          </a:p>
+          <a:p>
+            <a:r>
+              <a:rPr lang="en-GB" sz="2800" dirty="0" smtClean="0"/>
+              <a:t>Do you have </a:t>
+            </a:r>
+            <a:r>
+              <a:rPr lang="en-GB" sz="2800" i="1" dirty="0" smtClean="0"/>
+              <a:t>competing</a:t>
+            </a:r>
+            <a:r>
+              <a:rPr lang="en-GB" sz="2800" dirty="0" smtClean="0"/>
+              <a:t> </a:t>
+            </a:r>
+            <a:r>
+              <a:rPr lang="en-GB" sz="4400" dirty="0" smtClean="0"/>
+              <a:t>deadlines</a:t>
+            </a:r>
+            <a:r>
+              <a:rPr lang="en-GB" sz="2800" dirty="0" smtClean="0"/>
+              <a:t>?</a:t>
+            </a:r>
+          </a:p>
+        </p:txBody>
+      </p:sp>
+      <p:sp>
+        <p:nvSpPr>
+          <p:cNvPr id="4" name="Slide Number Placeholder 3"/>
+          <p:cNvSpPr>
+            <a:spLocks noGrp="1"/>
+          </p:cNvSpPr>
+          <p:nvPr>
+            <p:ph type="sldNum" sz="quarter" idx="4"/>
+          </p:nvPr>
+        </p:nvSpPr>
+        <p:spPr/>
+        <p:txBody>
+          <a:bodyPr/>
+          <a:lstStyle/>
+          <a:p>
+            <a:pPr>
+              <a:defRPr/>
+            </a:pPr>
+            <a:fld id="{92185B65-240A-465E-998D-9B43C073AEB9}" type="slidenum">
+              <a:rPr lang="en-GB" smtClean="0"/>
+              <a:pPr>
+                <a:defRPr/>
+              </a:pPr>
+              <a:t>2</a:t>
+            </a:fld>
+            <a:endParaRPr lang="en-GB" dirty="0"/>
+          </a:p>
+        </p:txBody>
+      </p:sp>
+    </p:spTree>
+    <p:extLst>
+      <p:ext uri="{BB962C8B-B14F-4D97-AF65-F5344CB8AC3E}">
+        <p14:creationId xmlns:p14="http://schemas.microsoft.com/office/powerpoint/2010/main" val="1137752938"/>
+      </p:ext>
+    </p:extLst>
+  </p:cSld>
+  <p:clrMapOvr>
+    <a:masterClrMapping/>
+  </p:clrMapOvr>
+  <p:timing>
+    <p:tnLst>
+      <p:par>
+        <p:cTn id="1" dur="indefinite" restart="never" nodeType="tmRoot"/>
+      </p:par>
+    </p:tnLst>
+  </p:timing>
+</p:sld>
+</file>
+
+<file path=ppt/slides/slide20.xml><?xml version="1.0" encoding="utf-8"?>
+<p:sld xmlns:a="http://schemas.openxmlformats.org/drawingml/2006/main" xmlns:r="http://schemas.openxmlformats.org/officeDocument/2006/relationships" xmlns:p="http://schemas.openxmlformats.org/presentationml/2006/main">
+  <p:cSld>
+    <p:spTree>
+      <p:nvGrpSpPr>
+        <p:cNvPr id="1" name=""/>
+        <p:cNvGrpSpPr/>
+        <p:nvPr/>
+      </p:nvGrpSpPr>
+      <p:grpSpPr>
+        <a:xfrm>
+          <a:off x="0" y="0"/>
+          <a:ext cx="0" cy="0"/>
+          <a:chOff x="0" y="0"/>
+          <a:chExt cx="0" cy="0"/>
+        </a:xfrm>
+      </p:grpSpPr>
+      <p:sp>
+        <p:nvSpPr>
+          <p:cNvPr id="2" name="Title 1"/>
+          <p:cNvSpPr>
+            <a:spLocks noGrp="1"/>
+          </p:cNvSpPr>
+          <p:nvPr>
+            <p:ph type="title"/>
+          </p:nvPr>
+        </p:nvSpPr>
+        <p:spPr/>
+        <p:txBody>
+          <a:bodyPr/>
+          <a:lstStyle/>
+          <a:p>
+            <a:r>
+              <a:rPr lang="en-AU" dirty="0" smtClean="0"/>
+              <a:t>Thankyou</a:t>
+            </a:r>
+            <a:endParaRPr lang="en-AU" dirty="0"/>
+          </a:p>
+        </p:txBody>
+      </p:sp>
+      <p:sp>
+        <p:nvSpPr>
+          <p:cNvPr id="3" name="Text Placeholder 2"/>
+          <p:cNvSpPr>
+            <a:spLocks noGrp="1"/>
+          </p:cNvSpPr>
+          <p:nvPr>
+            <p:ph type="body" idx="1"/>
+          </p:nvPr>
+        </p:nvSpPr>
+        <p:spPr/>
+        <p:txBody>
+          <a:bodyPr/>
+          <a:lstStyle/>
+          <a:p>
+            <a:pPr algn="r"/>
+            <a:r>
+              <a:rPr lang="en-AU" dirty="0" smtClean="0"/>
+              <a:t>Rob Moore</a:t>
+            </a:r>
+          </a:p>
+          <a:p>
+            <a:pPr algn="r"/>
+            <a:r>
+              <a:rPr lang="en-AU" dirty="0" smtClean="0"/>
+              <a:t>Principal Consultant</a:t>
+            </a:r>
+            <a:r>
+              <a:rPr lang="en-AU" dirty="0" smtClean="0"/>
+              <a:t>, Readify</a:t>
+            </a:r>
+          </a:p>
+          <a:p>
+            <a:pPr algn="r"/>
+            <a:r>
+              <a:rPr lang="en-AU" dirty="0" smtClean="0"/>
+              <a:t>rob.moore@readify.net</a:t>
+            </a:r>
+          </a:p>
+          <a:p>
+            <a:pPr algn="r"/>
+            <a:r>
+              <a:rPr lang="en-AU" dirty="0" smtClean="0"/>
+              <a:t>@</a:t>
+            </a:r>
+            <a:r>
+              <a:rPr lang="en-AU" dirty="0" err="1" smtClean="0"/>
+              <a:t>robdmoore</a:t>
+            </a:r>
+            <a:endParaRPr lang="en-AU" dirty="0"/>
+          </a:p>
+        </p:txBody>
+      </p:sp>
+      <p:sp>
+        <p:nvSpPr>
+          <p:cNvPr id="4" name="Slide Number Placeholder 3"/>
+          <p:cNvSpPr>
+            <a:spLocks noGrp="1"/>
+          </p:cNvSpPr>
+          <p:nvPr>
+            <p:ph type="sldNum" sz="quarter" idx="4"/>
+          </p:nvPr>
+        </p:nvSpPr>
+        <p:spPr/>
+        <p:txBody>
+          <a:bodyPr/>
+          <a:lstStyle/>
+          <a:p>
+            <a:pPr>
+              <a:defRPr/>
+            </a:pPr>
+            <a:fld id="{92185B65-240A-465E-998D-9B43C073AEB9}" type="slidenum">
+              <a:rPr lang="en-GB" smtClean="0"/>
+              <a:pPr>
+                <a:defRPr/>
+              </a:pPr>
+              <a:t>20</a:t>
+            </a:fld>
+            <a:endParaRPr lang="en-GB" dirty="0"/>
+          </a:p>
+        </p:txBody>
+      </p:sp>
+    </p:spTree>
+    <p:extLst>
+      <p:ext uri="{BB962C8B-B14F-4D97-AF65-F5344CB8AC3E}">
+        <p14:creationId xmlns:p14="http://schemas.microsoft.com/office/powerpoint/2010/main" val="3789521454"/>
+      </p:ext>
+    </p:extLst>
+  </p:cSld>
+  <p:clrMapOvr>
+    <a:masterClrMapping/>
+  </p:clrMapOvr>
+  <p:timing>
+    <p:tnLst>
+      <p:par>
+        <p:cTn id="1" dur="indefinite" restart="never" nodeType="tmRoot"/>
+      </p:par>
+    </p:tnLst>
+  </p:timing>
 </p:sld>
 </file>
 
@@ -7625,7 +7602,6 @@
               <a:rPr lang="en-AU" dirty="0" smtClean="0"/>
               <a:t>Estimate tasks:</a:t>
             </a:r>
-            <a:endParaRPr lang="en-AU" dirty="0" smtClean="0"/>
           </a:p>
           <a:p>
             <a:pPr lvl="1"/>
@@ -7648,11 +7624,7 @@
           <a:p>
             <a:r>
               <a:rPr lang="en-AU" dirty="0" smtClean="0"/>
-              <a:t>Schedule </a:t>
-            </a:r>
-            <a:r>
-              <a:rPr lang="en-AU" dirty="0" smtClean="0"/>
-              <a:t>and assign tasks; consider:</a:t>
+              <a:t>Schedule and assign tasks; consider:</a:t>
             </a:r>
           </a:p>
           <a:p>

--- a/TimeManagementAndProjectPlanning.pptx
+++ b/TimeManagementAndProjectPlanning.pptx
@@ -5,10 +5,10 @@
     <p:sldMasterId id="2147483649" r:id="rId1"/>
   </p:sldMasterIdLst>
   <p:notesMasterIdLst>
-    <p:notesMasterId r:id="rId22"/>
+    <p:notesMasterId r:id="rId23"/>
   </p:notesMasterIdLst>
   <p:handoutMasterIdLst>
-    <p:handoutMasterId r:id="rId23"/>
+    <p:handoutMasterId r:id="rId24"/>
   </p:handoutMasterIdLst>
   <p:sldIdLst>
     <p:sldId id="258" r:id="rId2"/>
@@ -27,10 +27,11 @@
     <p:sldId id="276" r:id="rId15"/>
     <p:sldId id="277" r:id="rId16"/>
     <p:sldId id="264" r:id="rId17"/>
-    <p:sldId id="263" r:id="rId18"/>
-    <p:sldId id="268" r:id="rId19"/>
-    <p:sldId id="262" r:id="rId20"/>
-    <p:sldId id="278" r:id="rId21"/>
+    <p:sldId id="280" r:id="rId18"/>
+    <p:sldId id="263" r:id="rId19"/>
+    <p:sldId id="268" r:id="rId20"/>
+    <p:sldId id="262" r:id="rId21"/>
+    <p:sldId id="278" r:id="rId22"/>
   </p:sldIdLst>
   <p:sldSz cx="9144000" cy="6858000" type="screen4x3"/>
   <p:notesSz cx="6735763" cy="9866313"/>
@@ -4551,11 +4552,7 @@
             <a:pPr algn="r"/>
             <a:r>
               <a:rPr lang="en-AU" sz="2000" dirty="0" smtClean="0"/>
-              <a:t>Principal Consultant</a:t>
-            </a:r>
-            <a:r>
-              <a:rPr lang="en-AU" sz="2000" dirty="0" smtClean="0"/>
-              <a:t>, Readify</a:t>
+              <a:t>Principal Consultant, Readify</a:t>
             </a:r>
           </a:p>
           <a:p>
@@ -4717,8 +4714,23 @@
           <a:p>
             <a:r>
               <a:rPr lang="en-AU" dirty="0" smtClean="0"/>
-              <a:t>Each day review the activities you planned to refresh your memory</a:t>
-            </a:r>
+              <a:t>Each day review the activities you planned to refresh your </a:t>
+            </a:r>
+            <a:r>
+              <a:rPr lang="en-AU" dirty="0" smtClean="0"/>
+              <a:t>memory</a:t>
+            </a:r>
+          </a:p>
+          <a:p>
+            <a:r>
+              <a:rPr lang="en-US" dirty="0" smtClean="0"/>
+              <a:t>Keep revisiting the goals you are trying to achieve; make sure activity is </a:t>
+            </a:r>
+            <a:r>
+              <a:rPr lang="en-US" dirty="0" err="1" smtClean="0"/>
+              <a:t>focussed</a:t>
+            </a:r>
+            <a:endParaRPr lang="en-AU" dirty="0" smtClean="0"/>
           </a:p>
         </p:txBody>
       </p:sp>
@@ -5628,15 +5640,25 @@
             <a:pPr lvl="1"/>
             <a:r>
               <a:rPr lang="en-AU" sz="1800" dirty="0" smtClean="0"/>
-              <a:t>get bio from speaker (X-4)?</a:t>
-            </a:r>
+              <a:t>get bio from speaker (</a:t>
+            </a:r>
+            <a:r>
+              <a:rPr lang="en-AU" sz="1800" dirty="0" smtClean="0"/>
+              <a:t>X-4?)</a:t>
+            </a:r>
+            <a:endParaRPr lang="en-AU" sz="1800" dirty="0" smtClean="0"/>
           </a:p>
           <a:p>
             <a:pPr lvl="1"/>
             <a:r>
               <a:rPr lang="en-AU" sz="1800" dirty="0" smtClean="0"/>
-              <a:t>get slides from speaker (X-2)?</a:t>
-            </a:r>
+              <a:t>get slides from speaker (</a:t>
+            </a:r>
+            <a:r>
+              <a:rPr lang="en-AU" sz="1800" dirty="0" smtClean="0"/>
+              <a:t>X-2?)</a:t>
+            </a:r>
+            <a:endParaRPr lang="en-AU" sz="1800" dirty="0" smtClean="0"/>
           </a:p>
           <a:p>
             <a:pPr lvl="1"/>
@@ -5650,7 +5672,11 @@
             </a:r>
             <a:r>
               <a:rPr lang="en-AU" sz="1800" dirty="0" smtClean="0"/>
-              <a:t>slides and confirm with MC (X-1)?</a:t>
+              <a:t>slides and confirm with MC (</a:t>
+            </a:r>
+            <a:r>
+              <a:rPr lang="en-AU" sz="1800" dirty="0" smtClean="0"/>
+              <a:t>X-1?)</a:t>
             </a:r>
             <a:endParaRPr lang="en-AU" sz="1800" dirty="0"/>
           </a:p>
@@ -5658,14 +5684,23 @@
             <a:pPr lvl="1"/>
             <a:r>
               <a:rPr lang="en-AU" sz="1800" dirty="0" smtClean="0"/>
-              <a:t>confirm with speaker (X-1)?</a:t>
-            </a:r>
+              <a:t>confirm with speaker (</a:t>
+            </a:r>
+            <a:r>
+              <a:rPr lang="en-AU" sz="1800" dirty="0" smtClean="0"/>
+              <a:t>X-1?)</a:t>
+            </a:r>
+            <a:endParaRPr lang="en-AU" sz="1800" dirty="0" smtClean="0"/>
           </a:p>
           <a:p>
             <a:pPr lvl="1"/>
             <a:r>
               <a:rPr lang="en-AU" sz="1800" dirty="0" smtClean="0"/>
-              <a:t>send thankyou note and bottle of wine (X+1)?</a:t>
+              <a:t>send thankyou note and bottle of wine (</a:t>
+            </a:r>
+            <a:r>
+              <a:rPr lang="en-AU" sz="1800" dirty="0" smtClean="0"/>
+              <a:t>X+1?)</a:t>
             </a:r>
             <a:endParaRPr lang="en-AU" sz="1800" dirty="0"/>
           </a:p>
@@ -5754,11 +5789,7 @@
           <a:p>
             <a:r>
               <a:rPr lang="en-AU" dirty="0" smtClean="0"/>
-              <a:t>Useful </a:t>
-            </a:r>
-            <a:r>
-              <a:rPr lang="en-AU" dirty="0" smtClean="0"/>
-              <a:t>tips/techniques</a:t>
+              <a:t>Useful tips/techniques</a:t>
             </a:r>
             <a:endParaRPr lang="en-AU" dirty="0"/>
           </a:p>
@@ -5846,8 +5877,12 @@
           <a:lstStyle/>
           <a:p>
             <a:r>
-              <a:rPr lang="en-AU" dirty="0" smtClean="0"/>
-              <a:t>Sustainable pace</a:t>
+              <a:rPr lang="en-US" dirty="0" smtClean="0"/>
+              <a:t>Effective </a:t>
+            </a:r>
+            <a:r>
+              <a:rPr lang="en-US" dirty="0" err="1" smtClean="0"/>
+              <a:t>behaviours</a:t>
             </a:r>
             <a:endParaRPr lang="en-AU" dirty="0"/>
           </a:p>
@@ -5869,47 +5904,37 @@
           <a:lstStyle/>
           <a:p>
             <a:r>
-              <a:rPr lang="en-AU" dirty="0" smtClean="0"/>
-              <a:t>Consistently sacrificing sleep and weekends </a:t>
-            </a:r>
-            <a:r>
-              <a:rPr lang="en-AU" sz="4400" dirty="0" smtClean="0"/>
-              <a:t>isn’t sustainable</a:t>
-            </a:r>
-            <a:endParaRPr lang="en-AU" dirty="0" smtClean="0"/>
-          </a:p>
-          <a:p>
-            <a:r>
-              <a:rPr lang="en-AU" dirty="0" smtClean="0"/>
-              <a:t>The quality and efficiency of your work drops and you </a:t>
-            </a:r>
-            <a:r>
-              <a:rPr lang="en-AU" sz="4400" dirty="0" smtClean="0"/>
-              <a:t>get less done</a:t>
-            </a:r>
-            <a:endParaRPr lang="en-AU" dirty="0" smtClean="0"/>
-          </a:p>
-          <a:p>
-            <a:endParaRPr lang="en-AU" dirty="0" smtClean="0"/>
-          </a:p>
-          <a:p>
-            <a:r>
-              <a:rPr lang="en-AU" dirty="0" smtClean="0"/>
-              <a:t>Get </a:t>
-            </a:r>
-            <a:r>
-              <a:rPr lang="en-AU" b="1" dirty="0" smtClean="0"/>
-              <a:t>help</a:t>
-            </a:r>
-            <a:r>
-              <a:rPr lang="en-AU" sz="1800" dirty="0" smtClean="0"/>
+              <a:rPr lang="en-US" dirty="0"/>
+              <a:t>Strive for continuous improvement</a:t>
+            </a:r>
+            <a:endParaRPr lang="en-AU" dirty="0"/>
+          </a:p>
+          <a:p>
+            <a:r>
+              <a:rPr lang="en-US" dirty="0" smtClean="0"/>
+              <a:t>Break down complexity</a:t>
+            </a:r>
+          </a:p>
+          <a:p>
+            <a:r>
+              <a:rPr lang="en-US" dirty="0" err="1" smtClean="0"/>
+              <a:t>Visualise</a:t>
+            </a:r>
+            <a:r>
+              <a:rPr lang="en-US" dirty="0" smtClean="0"/>
               <a:t> </a:t>
             </a:r>
             <a:r>
-              <a:rPr lang="en-AU" dirty="0" smtClean="0"/>
-              <a:t>if you need an unsustainable pace to get everything done!</a:t>
-            </a:r>
-            <a:endParaRPr lang="en-AU" dirty="0"/>
+              <a:rPr lang="en-US" dirty="0"/>
+              <a:t>work in progress</a:t>
+            </a:r>
+            <a:endParaRPr lang="en-US" dirty="0" smtClean="0"/>
+          </a:p>
+          <a:p>
+            <a:r>
+              <a:rPr lang="en-US" dirty="0" smtClean="0"/>
+              <a:t>Pragmatically detail-oriented</a:t>
+            </a:r>
           </a:p>
         </p:txBody>
       </p:sp>
@@ -5945,7 +5970,7 @@
     </p:spTree>
     <p:extLst>
       <p:ext uri="{BB962C8B-B14F-4D97-AF65-F5344CB8AC3E}">
-        <p14:creationId xmlns:p14="http://schemas.microsoft.com/office/powerpoint/2010/main" val="2636639351"/>
+        <p14:creationId xmlns:p14="http://schemas.microsoft.com/office/powerpoint/2010/main" val="1211727965"/>
       </p:ext>
     </p:extLst>
   </p:cSld>
@@ -5989,7 +6014,7 @@
           <a:p>
             <a:r>
               <a:rPr lang="en-AU" dirty="0" smtClean="0"/>
-              <a:t>Task visualisation</a:t>
+              <a:t>Sustainable pace</a:t>
             </a:r>
             <a:endParaRPr lang="en-AU" dirty="0"/>
           </a:p>
@@ -6012,48 +6037,46 @@
           <a:p>
             <a:r>
               <a:rPr lang="en-AU" dirty="0" smtClean="0"/>
-              <a:t>Visualising your prioritised </a:t>
-            </a:r>
-            <a:r>
-              <a:rPr lang="en-AU" dirty="0" err="1" smtClean="0"/>
-              <a:t>todo</a:t>
-            </a:r>
+              <a:t>Consistently sacrificing sleep and weekends </a:t>
+            </a:r>
+            <a:r>
+              <a:rPr lang="en-AU" sz="4400" dirty="0" smtClean="0"/>
+              <a:t>isn’t sustainable</a:t>
+            </a:r>
+            <a:endParaRPr lang="en-AU" dirty="0" smtClean="0"/>
+          </a:p>
+          <a:p>
             <a:r>
               <a:rPr lang="en-AU" dirty="0" smtClean="0"/>
-              <a:t> list helps you </a:t>
-            </a:r>
-            <a:r>
-              <a:rPr lang="en-AU" sz="4800" dirty="0" smtClean="0"/>
-              <a:t>focus</a:t>
+              <a:t>The quality and efficiency of your work drops and you </a:t>
+            </a:r>
+            <a:r>
+              <a:rPr lang="en-AU" sz="4400" dirty="0" smtClean="0"/>
+              <a:t>get less done</a:t>
             </a:r>
             <a:endParaRPr lang="en-AU" dirty="0" smtClean="0"/>
           </a:p>
           <a:p>
+            <a:endParaRPr lang="en-AU" dirty="0" smtClean="0"/>
+          </a:p>
+          <a:p>
             <a:r>
               <a:rPr lang="en-AU" dirty="0" smtClean="0"/>
-              <a:t>It makes you more </a:t>
-            </a:r>
-            <a:r>
-              <a:rPr lang="en-AU" sz="4800" dirty="0" smtClean="0"/>
-              <a:t>efficient</a:t>
+              <a:t>Get </a:t>
+            </a:r>
+            <a:r>
+              <a:rPr lang="en-AU" b="1" dirty="0" smtClean="0"/>
+              <a:t>help</a:t>
+            </a:r>
+            <a:r>
+              <a:rPr lang="en-AU" sz="1800" dirty="0" smtClean="0"/>
+              <a:t> </a:t>
             </a:r>
             <a:r>
               <a:rPr lang="en-AU" dirty="0" smtClean="0"/>
-              <a:t> and helps stop context switching</a:t>
-            </a:r>
-          </a:p>
-          <a:p>
-            <a:endParaRPr lang="en-AU" dirty="0" smtClean="0"/>
-          </a:p>
-          <a:p>
-            <a:pPr marL="0" indent="0">
-              <a:buNone/>
-            </a:pPr>
-            <a:r>
-              <a:rPr lang="en-AU" sz="2800" dirty="0" smtClean="0"/>
-              <a:t>					trello.com</a:t>
-            </a:r>
-            <a:endParaRPr lang="en-AU" sz="2800" dirty="0"/>
+              <a:t>if you need an unsustainable pace to get everything done!</a:t>
+            </a:r>
+            <a:endParaRPr lang="en-AU" dirty="0"/>
           </a:p>
         </p:txBody>
       </p:sp>
@@ -6081,6 +6104,172 @@
                 <a:defRPr/>
               </a:pPr>
               <a:t>18</a:t>
+            </a:fld>
+            <a:endParaRPr lang="en-GB" dirty="0"/>
+          </a:p>
+        </p:txBody>
+      </p:sp>
+    </p:spTree>
+    <p:extLst>
+      <p:ext uri="{BB962C8B-B14F-4D97-AF65-F5344CB8AC3E}">
+        <p14:creationId xmlns:p14="http://schemas.microsoft.com/office/powerpoint/2010/main" val="2636639351"/>
+      </p:ext>
+    </p:extLst>
+  </p:cSld>
+  <p:clrMapOvr>
+    <a:masterClrMapping/>
+  </p:clrMapOvr>
+</p:sld>
+</file>
+
+<file path=ppt/slides/slide19.xml><?xml version="1.0" encoding="utf-8"?>
+<p:sld xmlns:a="http://schemas.openxmlformats.org/drawingml/2006/main" xmlns:r="http://schemas.openxmlformats.org/officeDocument/2006/relationships" xmlns:p="http://schemas.openxmlformats.org/presentationml/2006/main">
+  <p:cSld>
+    <p:spTree>
+      <p:nvGrpSpPr>
+        <p:cNvPr id="1" name=""/>
+        <p:cNvGrpSpPr/>
+        <p:nvPr/>
+      </p:nvGrpSpPr>
+      <p:grpSpPr>
+        <a:xfrm>
+          <a:off x="0" y="0"/>
+          <a:ext cx="0" cy="0"/>
+          <a:chOff x="0" y="0"/>
+          <a:chExt cx="0" cy="0"/>
+        </a:xfrm>
+      </p:grpSpPr>
+      <p:sp>
+        <p:nvSpPr>
+          <p:cNvPr id="2" name="Title 1"/>
+          <p:cNvSpPr>
+            <a:spLocks noGrp="1"/>
+          </p:cNvSpPr>
+          <p:nvPr>
+            <p:ph type="title"/>
+          </p:nvPr>
+        </p:nvSpPr>
+        <p:spPr/>
+        <p:txBody>
+          <a:bodyPr/>
+          <a:lstStyle/>
+          <a:p>
+            <a:r>
+              <a:rPr lang="en-AU" dirty="0" smtClean="0"/>
+              <a:t>Task visualisation</a:t>
+            </a:r>
+            <a:endParaRPr lang="en-AU" dirty="0"/>
+          </a:p>
+        </p:txBody>
+      </p:sp>
+      <p:sp>
+        <p:nvSpPr>
+          <p:cNvPr id="3" name="Content Placeholder 2"/>
+          <p:cNvSpPr>
+            <a:spLocks noGrp="1"/>
+          </p:cNvSpPr>
+          <p:nvPr>
+            <p:ph idx="1"/>
+          </p:nvPr>
+        </p:nvSpPr>
+        <p:spPr/>
+        <p:txBody>
+          <a:bodyPr/>
+          <a:lstStyle/>
+          <a:p>
+            <a:r>
+              <a:rPr lang="en-AU" dirty="0" smtClean="0"/>
+              <a:t>Visualising your prioritised </a:t>
+            </a:r>
+            <a:r>
+              <a:rPr lang="en-AU" dirty="0" err="1" smtClean="0"/>
+              <a:t>todo</a:t>
+            </a:r>
+            <a:r>
+              <a:rPr lang="en-AU" dirty="0" smtClean="0"/>
+              <a:t> list helps you </a:t>
+            </a:r>
+            <a:r>
+              <a:rPr lang="en-AU" sz="4800" dirty="0" smtClean="0"/>
+              <a:t>focus</a:t>
+            </a:r>
+            <a:endParaRPr lang="en-AU" dirty="0" smtClean="0"/>
+          </a:p>
+          <a:p>
+            <a:r>
+              <a:rPr lang="en-AU" dirty="0" smtClean="0"/>
+              <a:t>It </a:t>
+            </a:r>
+            <a:r>
+              <a:rPr lang="en-AU" dirty="0" smtClean="0"/>
+              <a:t>helps you and your team be more </a:t>
+            </a:r>
+            <a:r>
+              <a:rPr lang="en-AU" sz="4800" dirty="0" smtClean="0"/>
+              <a:t>efficient</a:t>
+            </a:r>
+            <a:r>
+              <a:rPr lang="en-AU" dirty="0" smtClean="0"/>
+              <a:t> and helps </a:t>
+            </a:r>
+            <a:r>
+              <a:rPr lang="en-AU" dirty="0" smtClean="0"/>
+              <a:t>context </a:t>
+            </a:r>
+            <a:r>
+              <a:rPr lang="en-AU" dirty="0" smtClean="0"/>
+              <a:t>switching</a:t>
+            </a:r>
+          </a:p>
+          <a:p>
+            <a:endParaRPr lang="en-AU" dirty="0" smtClean="0"/>
+          </a:p>
+          <a:p>
+            <a:pPr marL="0" indent="0">
+              <a:buNone/>
+            </a:pPr>
+            <a:r>
+              <a:rPr lang="en-AU" sz="2800" dirty="0" smtClean="0"/>
+              <a:t>					</a:t>
+            </a:r>
+            <a:endParaRPr lang="en-AU" sz="2800" dirty="0" smtClean="0"/>
+          </a:p>
+          <a:p>
+            <a:pPr marL="0" indent="0">
+              <a:buNone/>
+            </a:pPr>
+            <a:r>
+              <a:rPr lang="en-AU" sz="2800" dirty="0" smtClean="0"/>
+              <a:t>trello.com</a:t>
+            </a:r>
+            <a:endParaRPr lang="en-AU" sz="2800" dirty="0"/>
+          </a:p>
+        </p:txBody>
+      </p:sp>
+      <p:sp>
+        <p:nvSpPr>
+          <p:cNvPr id="4" name="Slide Number Placeholder 3"/>
+          <p:cNvSpPr>
+            <a:spLocks noGrp="1"/>
+          </p:cNvSpPr>
+          <p:nvPr>
+            <p:ph type="sldNum" sz="quarter" idx="4"/>
+          </p:nvPr>
+        </p:nvSpPr>
+        <p:spPr/>
+        <p:txBody>
+          <a:bodyPr/>
+          <a:lstStyle/>
+          <a:p>
+            <a:pPr>
+              <a:defRPr/>
+            </a:pPr>
+            <a:fld id="{92185B65-240A-465E-998D-9B43C073AEB9}" type="slidenum">
+              <a:rPr lang="en-GB" smtClean="0"/>
+              <a:pPr>
+                <a:defRPr/>
+              </a:pPr>
+              <a:t>19</a:t>
             </a:fld>
             <a:endParaRPr lang="en-GB" dirty="0"/>
           </a:p>
@@ -6109,7 +6298,7 @@
         </p:blipFill>
         <p:spPr bwMode="auto">
           <a:xfrm>
-            <a:off x="179512" y="4720471"/>
+            <a:off x="179512" y="4581128"/>
             <a:ext cx="2267744" cy="722843"/>
           </a:xfrm>
           <a:prstGeom prst="rect">
@@ -6140,7 +6329,7 @@
 </p:sld>
 </file>
 
-<file path=ppt/slides/slide19.xml><?xml version="1.0" encoding="utf-8"?>
+<file path=ppt/slides/slide2.xml><?xml version="1.0" encoding="utf-8"?>
 <p:sld xmlns:a="http://schemas.openxmlformats.org/drawingml/2006/main" xmlns:r="http://schemas.openxmlformats.org/officeDocument/2006/relationships" xmlns:p="http://schemas.openxmlformats.org/presentationml/2006/main">
   <p:cSld>
     <p:spTree>
@@ -6173,18 +6362,10 @@
           <a:lstStyle/>
           <a:p>
             <a:r>
-              <a:rPr lang="en-AU" dirty="0" err="1" smtClean="0"/>
-              <a:t>Pomodoro</a:t>
-            </a:r>
-            <a:r>
-              <a:rPr lang="en-AU" dirty="0" smtClean="0"/>
-              <a:t> / </a:t>
-            </a:r>
-            <a:r>
-              <a:rPr lang="en-AU" dirty="0" err="1" smtClean="0"/>
-              <a:t>Timeboxing</a:t>
-            </a:r>
-            <a:endParaRPr lang="en-AU" dirty="0"/>
+              <a:rPr lang="en-GB" dirty="0" smtClean="0"/>
+              <a:t>Why is it important?</a:t>
+            </a:r>
+            <a:endParaRPr lang="en-GB" dirty="0"/>
           </a:p>
         </p:txBody>
       </p:sp>
@@ -6198,60 +6379,107 @@
             <p:ph idx="1"/>
           </p:nvPr>
         </p:nvSpPr>
-        <p:spPr/>
+        <p:spPr>
+          <a:xfrm>
+            <a:off x="457200" y="1340768"/>
+            <a:ext cx="8229600" cy="3810000"/>
+          </a:xfrm>
+        </p:spPr>
         <p:txBody>
           <a:bodyPr/>
           <a:lstStyle/>
           <a:p>
             <a:r>
-              <a:rPr lang="en-AU" dirty="0" smtClean="0"/>
-              <a:t>Procrastination is damaging to efficiency</a:t>
-            </a:r>
-          </a:p>
-          <a:p>
-            <a:r>
-              <a:rPr lang="en-AU" dirty="0" smtClean="0"/>
-              <a:t>Ensure focus by setting aside a specific amount of time</a:t>
-            </a:r>
-          </a:p>
-          <a:p>
-            <a:r>
-              <a:rPr lang="en-AU" dirty="0" smtClean="0"/>
-              <a:t>Take a small break after that time and reflect on what you did</a:t>
-            </a:r>
-          </a:p>
-          <a:p>
-            <a:endParaRPr lang="en-AU" dirty="0" smtClean="0"/>
-          </a:p>
-          <a:p>
-            <a:pPr marL="0" indent="0">
-              <a:buNone/>
-            </a:pPr>
-            <a:r>
-              <a:rPr lang="en-AU" sz="2800" dirty="0" smtClean="0"/>
-              <a:t>				pomodorotechnique.com</a:t>
-            </a:r>
-          </a:p>
-          <a:p>
-            <a:pPr marL="0" indent="0">
-              <a:buNone/>
-            </a:pPr>
-            <a:r>
-              <a:rPr lang="en-AU" sz="2800" dirty="0" smtClean="0"/>
-              <a:t>			</a:t>
-            </a:r>
-            <a:r>
-              <a:rPr lang="en-AU" sz="2400" dirty="0" smtClean="0"/>
-              <a:t>	workawesome.com/productivity/</a:t>
-            </a:r>
-            <a:r>
-              <a:rPr lang="en-AU" sz="2400" dirty="0" err="1" smtClean="0"/>
-              <a:t>timeboxing</a:t>
-            </a:r>
-            <a:endParaRPr lang="en-AU" dirty="0" smtClean="0"/>
-          </a:p>
-          <a:p>
-            <a:endParaRPr lang="en-AU" dirty="0"/>
+              <a:rPr lang="en-GB" sz="2800" dirty="0" smtClean="0"/>
+              <a:t>Do you ever feel </a:t>
+            </a:r>
+            <a:r>
+              <a:rPr lang="en-GB" sz="4400" dirty="0" smtClean="0"/>
+              <a:t>overwhelmed</a:t>
+            </a:r>
+            <a:r>
+              <a:rPr lang="en-GB" sz="2800" dirty="0" smtClean="0"/>
+              <a:t> with:</a:t>
+            </a:r>
+          </a:p>
+          <a:p>
+            <a:pPr lvl="1"/>
+            <a:r>
+              <a:rPr lang="en-GB" sz="2400" dirty="0" err="1" smtClean="0"/>
+              <a:t>Uni</a:t>
+            </a:r>
+            <a:r>
+              <a:rPr lang="en-GB" sz="2400" dirty="0" smtClean="0"/>
+              <a:t> classes</a:t>
+            </a:r>
+          </a:p>
+          <a:p>
+            <a:pPr lvl="1"/>
+            <a:r>
+              <a:rPr lang="en-GB" sz="2400" dirty="0" err="1" smtClean="0"/>
+              <a:t>Uni</a:t>
+            </a:r>
+            <a:r>
+              <a:rPr lang="en-GB" sz="2400" dirty="0" smtClean="0"/>
+              <a:t> assignments and tests</a:t>
+            </a:r>
+          </a:p>
+          <a:p>
+            <a:pPr lvl="1"/>
+            <a:r>
+              <a:rPr lang="en-GB" sz="2400" dirty="0" smtClean="0"/>
+              <a:t>Work (multiple jobs?)</a:t>
+            </a:r>
+          </a:p>
+          <a:p>
+            <a:pPr lvl="1"/>
+            <a:r>
+              <a:rPr lang="en-GB" sz="2400" b="1" dirty="0" smtClean="0"/>
+              <a:t>Extracurricular activities</a:t>
+            </a:r>
+          </a:p>
+          <a:p>
+            <a:pPr lvl="1"/>
+            <a:r>
+              <a:rPr lang="en-GB" sz="2400" dirty="0" smtClean="0"/>
+              <a:t>Maintaining relationships (friends, family, lovers)</a:t>
+            </a:r>
+          </a:p>
+          <a:p>
+            <a:pPr lvl="1"/>
+            <a:r>
+              <a:rPr lang="en-GB" sz="2400" dirty="0" smtClean="0"/>
+              <a:t>Housework</a:t>
+            </a:r>
+          </a:p>
+          <a:p>
+            <a:pPr lvl="1"/>
+            <a:r>
+              <a:rPr lang="en-GB" sz="2400" dirty="0" smtClean="0"/>
+              <a:t>Leisure, quiet time, exercising, reading, etc.)</a:t>
+            </a:r>
+          </a:p>
+          <a:p>
+            <a:r>
+              <a:rPr lang="en-GB" sz="2800" dirty="0" smtClean="0"/>
+              <a:t>Do you have </a:t>
+            </a:r>
+            <a:r>
+              <a:rPr lang="en-GB" sz="2800" i="1" dirty="0" smtClean="0"/>
+              <a:t>competing</a:t>
+            </a:r>
+            <a:r>
+              <a:rPr lang="en-GB" sz="2800" dirty="0" smtClean="0"/>
+              <a:t> </a:t>
+            </a:r>
+            <a:r>
+              <a:rPr lang="en-GB" sz="4400" dirty="0" smtClean="0"/>
+              <a:t>deadlines</a:t>
+            </a:r>
+            <a:r>
+              <a:rPr lang="en-GB" sz="2800" dirty="0" smtClean="0"/>
+              <a:t>?</a:t>
+            </a:r>
           </a:p>
         </p:txBody>
       </p:sp>
@@ -6278,7 +6506,171 @@
               <a:pPr>
                 <a:defRPr/>
               </a:pPr>
-              <a:t>19</a:t>
+              <a:t>2</a:t>
+            </a:fld>
+            <a:endParaRPr lang="en-GB" dirty="0"/>
+          </a:p>
+        </p:txBody>
+      </p:sp>
+    </p:spTree>
+    <p:extLst>
+      <p:ext uri="{BB962C8B-B14F-4D97-AF65-F5344CB8AC3E}">
+        <p14:creationId xmlns:p14="http://schemas.microsoft.com/office/powerpoint/2010/main" val="1137752938"/>
+      </p:ext>
+    </p:extLst>
+  </p:cSld>
+  <p:clrMapOvr>
+    <a:masterClrMapping/>
+  </p:clrMapOvr>
+  <p:timing>
+    <p:tnLst>
+      <p:par>
+        <p:cTn id="1" dur="indefinite" restart="never" nodeType="tmRoot"/>
+      </p:par>
+    </p:tnLst>
+  </p:timing>
+</p:sld>
+</file>
+
+<file path=ppt/slides/slide20.xml><?xml version="1.0" encoding="utf-8"?>
+<p:sld xmlns:a="http://schemas.openxmlformats.org/drawingml/2006/main" xmlns:r="http://schemas.openxmlformats.org/officeDocument/2006/relationships" xmlns:p="http://schemas.openxmlformats.org/presentationml/2006/main">
+  <p:cSld>
+    <p:spTree>
+      <p:nvGrpSpPr>
+        <p:cNvPr id="1" name=""/>
+        <p:cNvGrpSpPr/>
+        <p:nvPr/>
+      </p:nvGrpSpPr>
+      <p:grpSpPr>
+        <a:xfrm>
+          <a:off x="0" y="0"/>
+          <a:ext cx="0" cy="0"/>
+          <a:chOff x="0" y="0"/>
+          <a:chExt cx="0" cy="0"/>
+        </a:xfrm>
+      </p:grpSpPr>
+      <p:sp>
+        <p:nvSpPr>
+          <p:cNvPr id="2" name="Title 1"/>
+          <p:cNvSpPr>
+            <a:spLocks noGrp="1"/>
+          </p:cNvSpPr>
+          <p:nvPr>
+            <p:ph type="title"/>
+          </p:nvPr>
+        </p:nvSpPr>
+        <p:spPr/>
+        <p:txBody>
+          <a:bodyPr/>
+          <a:lstStyle/>
+          <a:p>
+            <a:r>
+              <a:rPr lang="en-AU" dirty="0" err="1" smtClean="0"/>
+              <a:t>Pomodoro</a:t>
+            </a:r>
+            <a:r>
+              <a:rPr lang="en-AU" dirty="0" smtClean="0"/>
+              <a:t> / </a:t>
+            </a:r>
+            <a:r>
+              <a:rPr lang="en-AU" dirty="0" err="1" smtClean="0"/>
+              <a:t>Timeboxing</a:t>
+            </a:r>
+            <a:endParaRPr lang="en-AU" dirty="0"/>
+          </a:p>
+        </p:txBody>
+      </p:sp>
+      <p:sp>
+        <p:nvSpPr>
+          <p:cNvPr id="3" name="Content Placeholder 2"/>
+          <p:cNvSpPr>
+            <a:spLocks noGrp="1"/>
+          </p:cNvSpPr>
+          <p:nvPr>
+            <p:ph idx="1"/>
+          </p:nvPr>
+        </p:nvSpPr>
+        <p:spPr/>
+        <p:txBody>
+          <a:bodyPr/>
+          <a:lstStyle/>
+          <a:p>
+            <a:r>
+              <a:rPr lang="en-AU" dirty="0" smtClean="0"/>
+              <a:t>Procrastination is damaging to efficiency</a:t>
+            </a:r>
+          </a:p>
+          <a:p>
+            <a:r>
+              <a:rPr lang="en-AU" dirty="0" smtClean="0"/>
+              <a:t>Ensure focus by setting aside a specific amount of time</a:t>
+            </a:r>
+          </a:p>
+          <a:p>
+            <a:r>
+              <a:rPr lang="en-AU" dirty="0" smtClean="0"/>
+              <a:t>Take a small break after that time and reflect on what you did</a:t>
+            </a:r>
+          </a:p>
+          <a:p>
+            <a:endParaRPr lang="en-AU" dirty="0" smtClean="0"/>
+          </a:p>
+          <a:p>
+            <a:pPr marL="0" indent="0">
+              <a:buNone/>
+            </a:pPr>
+            <a:r>
+              <a:rPr lang="en-AU" sz="2800" dirty="0" smtClean="0"/>
+              <a:t>				pomodorotechnique.com</a:t>
+            </a:r>
+          </a:p>
+          <a:p>
+            <a:pPr marL="0" indent="0">
+              <a:buNone/>
+            </a:pPr>
+            <a:r>
+              <a:rPr lang="en-AU" sz="2800" dirty="0" smtClean="0"/>
+              <a:t>			</a:t>
+            </a:r>
+            <a:r>
+              <a:rPr lang="en-AU" sz="2400" dirty="0" smtClean="0"/>
+              <a:t>	workawesome.com/productivity/</a:t>
+            </a:r>
+            <a:r>
+              <a:rPr lang="en-AU" sz="2400" dirty="0" err="1" smtClean="0"/>
+              <a:t>timeboxing</a:t>
+            </a:r>
+            <a:endParaRPr lang="en-AU" dirty="0" smtClean="0"/>
+          </a:p>
+          <a:p>
+            <a:endParaRPr lang="en-AU" dirty="0"/>
+          </a:p>
+        </p:txBody>
+      </p:sp>
+      <p:sp>
+        <p:nvSpPr>
+          <p:cNvPr id="4" name="Slide Number Placeholder 3"/>
+          <p:cNvSpPr>
+            <a:spLocks noGrp="1"/>
+          </p:cNvSpPr>
+          <p:nvPr>
+            <p:ph type="sldNum" sz="quarter" idx="4"/>
+          </p:nvPr>
+        </p:nvSpPr>
+        <p:spPr/>
+        <p:txBody>
+          <a:bodyPr/>
+          <a:lstStyle/>
+          <a:p>
+            <a:pPr>
+              <a:defRPr/>
+            </a:pPr>
+            <a:fld id="{92185B65-240A-465E-998D-9B43C073AEB9}" type="slidenum">
+              <a:rPr lang="en-GB" smtClean="0"/>
+              <a:pPr>
+                <a:defRPr/>
+              </a:pPr>
+              <a:t>20</a:t>
             </a:fld>
             <a:endParaRPr lang="en-GB" dirty="0"/>
           </a:p>
@@ -6338,7 +6730,7 @@
 </p:sld>
 </file>
 
-<file path=ppt/slides/slide2.xml><?xml version="1.0" encoding="utf-8"?>
+<file path=ppt/slides/slide21.xml><?xml version="1.0" encoding="utf-8"?>
 <p:sld xmlns:a="http://schemas.openxmlformats.org/drawingml/2006/main" xmlns:r="http://schemas.openxmlformats.org/officeDocument/2006/relationships" xmlns:p="http://schemas.openxmlformats.org/presentationml/2006/main">
   <p:cSld>
     <p:spTree>
@@ -6371,124 +6763,59 @@
           <a:lstStyle/>
           <a:p>
             <a:r>
-              <a:rPr lang="en-GB" dirty="0" smtClean="0"/>
-              <a:t>Why is it important?</a:t>
-            </a:r>
-            <a:endParaRPr lang="en-GB" dirty="0"/>
-          </a:p>
-        </p:txBody>
-      </p:sp>
-      <p:sp>
-        <p:nvSpPr>
-          <p:cNvPr id="3" name="Content Placeholder 2"/>
-          <p:cNvSpPr>
-            <a:spLocks noGrp="1"/>
-          </p:cNvSpPr>
-          <p:nvPr>
-            <p:ph idx="1"/>
-          </p:nvPr>
-        </p:nvSpPr>
-        <p:spPr>
-          <a:xfrm>
-            <a:off x="457200" y="1340768"/>
-            <a:ext cx="8229600" cy="3810000"/>
-          </a:xfrm>
-        </p:spPr>
+              <a:rPr lang="en-AU" dirty="0" smtClean="0"/>
+              <a:t>Thankyou</a:t>
+            </a:r>
+            <a:endParaRPr lang="en-AU" dirty="0"/>
+          </a:p>
+        </p:txBody>
+      </p:sp>
+      <p:sp>
+        <p:nvSpPr>
+          <p:cNvPr id="3" name="Text Placeholder 2"/>
+          <p:cNvSpPr>
+            <a:spLocks noGrp="1"/>
+          </p:cNvSpPr>
+          <p:nvPr>
+            <p:ph type="body" idx="1"/>
+          </p:nvPr>
+        </p:nvSpPr>
+        <p:spPr/>
         <p:txBody>
           <a:bodyPr/>
           <a:lstStyle/>
           <a:p>
-            <a:r>
-              <a:rPr lang="en-GB" sz="2800" dirty="0" smtClean="0"/>
-              <a:t>Do you ever feel </a:t>
-            </a:r>
-            <a:r>
-              <a:rPr lang="en-GB" sz="4400" dirty="0" smtClean="0"/>
-              <a:t>overwhelmed</a:t>
-            </a:r>
-            <a:r>
-              <a:rPr lang="en-GB" sz="2800" dirty="0" smtClean="0"/>
-              <a:t> with:</a:t>
-            </a:r>
-          </a:p>
-          <a:p>
-            <a:pPr lvl="1"/>
-            <a:r>
-              <a:rPr lang="en-GB" sz="2400" dirty="0" err="1" smtClean="0"/>
-              <a:t>Uni</a:t>
-            </a:r>
-            <a:r>
-              <a:rPr lang="en-GB" sz="2400" dirty="0" smtClean="0"/>
-              <a:t> classes</a:t>
-            </a:r>
-          </a:p>
-          <a:p>
-            <a:pPr lvl="1"/>
-            <a:r>
-              <a:rPr lang="en-GB" sz="2400" dirty="0" err="1" smtClean="0"/>
-              <a:t>Uni</a:t>
-            </a:r>
-            <a:r>
-              <a:rPr lang="en-GB" sz="2400" dirty="0" smtClean="0"/>
-              <a:t> assignments and tests</a:t>
-            </a:r>
-          </a:p>
-          <a:p>
-            <a:pPr lvl="1"/>
-            <a:r>
-              <a:rPr lang="en-GB" sz="2400" dirty="0" smtClean="0"/>
-              <a:t>Work (multiple jobs?)</a:t>
-            </a:r>
-          </a:p>
-          <a:p>
-            <a:pPr lvl="1"/>
-            <a:r>
-              <a:rPr lang="en-GB" sz="2400" b="1" dirty="0" smtClean="0"/>
-              <a:t>Extracurricular activities</a:t>
-            </a:r>
-          </a:p>
-          <a:p>
-            <a:pPr lvl="1"/>
-            <a:r>
-              <a:rPr lang="en-GB" sz="2400" dirty="0" smtClean="0"/>
-              <a:t>Maintaining relationships (friends, family, lovers)</a:t>
-            </a:r>
-          </a:p>
-          <a:p>
-            <a:pPr lvl="1"/>
-            <a:r>
-              <a:rPr lang="en-GB" sz="2400" dirty="0" smtClean="0"/>
-              <a:t>Housework</a:t>
-            </a:r>
-          </a:p>
-          <a:p>
-            <a:pPr lvl="1"/>
-            <a:r>
-              <a:rPr lang="en-GB" sz="2400" dirty="0" smtClean="0"/>
-              <a:t>Leisure, quiet time, exercising, reading, etc.)</a:t>
-            </a:r>
-          </a:p>
-          <a:p>
-            <a:r>
-              <a:rPr lang="en-GB" sz="2800" dirty="0" smtClean="0"/>
-              <a:t>Do you have </a:t>
-            </a:r>
-            <a:r>
-              <a:rPr lang="en-GB" sz="2800" i="1" dirty="0" smtClean="0"/>
-              <a:t>competing</a:t>
-            </a:r>
-            <a:r>
-              <a:rPr lang="en-GB" sz="2800" dirty="0" smtClean="0"/>
-              <a:t> </a:t>
-            </a:r>
-            <a:r>
-              <a:rPr lang="en-GB" sz="4400" dirty="0" smtClean="0"/>
-              <a:t>deadlines</a:t>
-            </a:r>
-            <a:r>
-              <a:rPr lang="en-GB" sz="2800" dirty="0" smtClean="0"/>
-              <a:t>?</a:t>
-            </a:r>
+            <a:pPr algn="r"/>
+            <a:r>
+              <a:rPr lang="en-AU" dirty="0" smtClean="0"/>
+              <a:t>Rob Moore</a:t>
+            </a:r>
+          </a:p>
+          <a:p>
+            <a:pPr algn="r"/>
+            <a:r>
+              <a:rPr lang="en-AU" dirty="0" smtClean="0"/>
+              <a:t>Principal Consultant, Readify</a:t>
+            </a:r>
+          </a:p>
+          <a:p>
+            <a:pPr algn="r"/>
+            <a:r>
+              <a:rPr lang="en-AU" dirty="0" smtClean="0"/>
+              <a:t>rob.moore@readify.net</a:t>
+            </a:r>
+          </a:p>
+          <a:p>
+            <a:pPr algn="r"/>
+            <a:r>
+              <a:rPr lang="en-AU" dirty="0" smtClean="0"/>
+              <a:t>@</a:t>
+            </a:r>
+            <a:r>
+              <a:rPr lang="en-AU" dirty="0" err="1" smtClean="0"/>
+              <a:t>robdmoore</a:t>
+            </a:r>
+            <a:endParaRPr lang="en-AU" dirty="0"/>
           </a:p>
         </p:txBody>
       </p:sp>
@@ -6515,149 +6842,7 @@
               <a:pPr>
                 <a:defRPr/>
               </a:pPr>
-              <a:t>2</a:t>
-            </a:fld>
-            <a:endParaRPr lang="en-GB" dirty="0"/>
-          </a:p>
-        </p:txBody>
-      </p:sp>
-    </p:spTree>
-    <p:extLst>
-      <p:ext uri="{BB962C8B-B14F-4D97-AF65-F5344CB8AC3E}">
-        <p14:creationId xmlns:p14="http://schemas.microsoft.com/office/powerpoint/2010/main" val="1137752938"/>
-      </p:ext>
-    </p:extLst>
-  </p:cSld>
-  <p:clrMapOvr>
-    <a:masterClrMapping/>
-  </p:clrMapOvr>
-  <p:timing>
-    <p:tnLst>
-      <p:par>
-        <p:cTn id="1" dur="indefinite" restart="never" nodeType="tmRoot"/>
-      </p:par>
-    </p:tnLst>
-  </p:timing>
-</p:sld>
-</file>
-
-<file path=ppt/slides/slide20.xml><?xml version="1.0" encoding="utf-8"?>
-<p:sld xmlns:a="http://schemas.openxmlformats.org/drawingml/2006/main" xmlns:r="http://schemas.openxmlformats.org/officeDocument/2006/relationships" xmlns:p="http://schemas.openxmlformats.org/presentationml/2006/main">
-  <p:cSld>
-    <p:spTree>
-      <p:nvGrpSpPr>
-        <p:cNvPr id="1" name=""/>
-        <p:cNvGrpSpPr/>
-        <p:nvPr/>
-      </p:nvGrpSpPr>
-      <p:grpSpPr>
-        <a:xfrm>
-          <a:off x="0" y="0"/>
-          <a:ext cx="0" cy="0"/>
-          <a:chOff x="0" y="0"/>
-          <a:chExt cx="0" cy="0"/>
-        </a:xfrm>
-      </p:grpSpPr>
-      <p:sp>
-        <p:nvSpPr>
-          <p:cNvPr id="2" name="Title 1"/>
-          <p:cNvSpPr>
-            <a:spLocks noGrp="1"/>
-          </p:cNvSpPr>
-          <p:nvPr>
-            <p:ph type="title"/>
-          </p:nvPr>
-        </p:nvSpPr>
-        <p:spPr/>
-        <p:txBody>
-          <a:bodyPr/>
-          <a:lstStyle/>
-          <a:p>
-            <a:r>
-              <a:rPr lang="en-AU" dirty="0" smtClean="0"/>
-              <a:t>Thankyou</a:t>
-            </a:r>
-            <a:endParaRPr lang="en-AU" dirty="0"/>
-          </a:p>
-        </p:txBody>
-      </p:sp>
-      <p:sp>
-        <p:nvSpPr>
-          <p:cNvPr id="3" name="Text Placeholder 2"/>
-          <p:cNvSpPr>
-            <a:spLocks noGrp="1"/>
-          </p:cNvSpPr>
-          <p:nvPr>
-            <p:ph type="body" idx="1"/>
-          </p:nvPr>
-        </p:nvSpPr>
-        <p:spPr/>
-        <p:txBody>
-          <a:bodyPr/>
-          <a:lstStyle/>
-          <a:p>
-            <a:pPr algn="r"/>
-            <a:r>
-              <a:rPr lang="en-AU" dirty="0" smtClean="0"/>
-              <a:t>Rob Moore</a:t>
-            </a:r>
-          </a:p>
-          <a:p>
-            <a:pPr algn="r"/>
-            <a:r>
-              <a:rPr lang="en-AU" dirty="0" smtClean="0"/>
-              <a:t>Principal Consultant</a:t>
-            </a:r>
-            <a:r>
-              <a:rPr lang="en-AU" dirty="0" smtClean="0"/>
-              <a:t>, Readify</a:t>
-            </a:r>
-          </a:p>
-          <a:p>
-            <a:pPr algn="r"/>
-            <a:r>
-              <a:rPr lang="en-AU" dirty="0" smtClean="0"/>
-              <a:t>rob.moore@readify.net</a:t>
-            </a:r>
-          </a:p>
-          <a:p>
-            <a:pPr algn="r"/>
-            <a:r>
-              <a:rPr lang="en-AU" dirty="0" smtClean="0"/>
-              <a:t>@</a:t>
-            </a:r>
-            <a:r>
-              <a:rPr lang="en-AU" dirty="0" err="1" smtClean="0"/>
-              <a:t>robdmoore</a:t>
-            </a:r>
-            <a:endParaRPr lang="en-AU" dirty="0"/>
-          </a:p>
-        </p:txBody>
-      </p:sp>
-      <p:sp>
-        <p:nvSpPr>
-          <p:cNvPr id="4" name="Slide Number Placeholder 3"/>
-          <p:cNvSpPr>
-            <a:spLocks noGrp="1"/>
-          </p:cNvSpPr>
-          <p:nvPr>
-            <p:ph type="sldNum" sz="quarter" idx="4"/>
-          </p:nvPr>
-        </p:nvSpPr>
-        <p:spPr/>
-        <p:txBody>
-          <a:bodyPr/>
-          <a:lstStyle/>
-          <a:p>
-            <a:pPr>
-              <a:defRPr/>
-            </a:pPr>
-            <a:fld id="{92185B65-240A-465E-998D-9B43C073AEB9}" type="slidenum">
-              <a:rPr lang="en-GB" smtClean="0"/>
-              <a:pPr>
-                <a:defRPr/>
-              </a:pPr>
-              <a:t>20</a:t>
+              <a:t>21</a:t>
             </a:fld>
             <a:endParaRPr lang="en-GB" dirty="0"/>
           </a:p>
@@ -7305,8 +7490,13 @@
           <a:p>
             <a:r>
               <a:rPr lang="en-AU" dirty="0" smtClean="0"/>
-              <a:t>What are the goal(s)?</a:t>
-            </a:r>
+              <a:t>What are the goal(s</a:t>
+            </a:r>
+            <a:r>
+              <a:rPr lang="en-AU" dirty="0" smtClean="0"/>
+              <a:t>)?</a:t>
+            </a:r>
+            <a:endParaRPr lang="en-AU" dirty="0" smtClean="0"/>
           </a:p>
           <a:p>
             <a:r>

--- a/TimeManagementAndProjectPlanning.pptx
+++ b/TimeManagementAndProjectPlanning.pptx
@@ -5,10 +5,10 @@
     <p:sldMasterId id="2147483649" r:id="rId1"/>
   </p:sldMasterIdLst>
   <p:notesMasterIdLst>
-    <p:notesMasterId r:id="rId23"/>
+    <p:notesMasterId r:id="rId27"/>
   </p:notesMasterIdLst>
   <p:handoutMasterIdLst>
-    <p:handoutMasterId r:id="rId24"/>
+    <p:handoutMasterId r:id="rId28"/>
   </p:handoutMasterIdLst>
   <p:sldIdLst>
     <p:sldId id="258" r:id="rId2"/>
@@ -28,10 +28,14 @@
     <p:sldId id="277" r:id="rId16"/>
     <p:sldId id="264" r:id="rId17"/>
     <p:sldId id="280" r:id="rId18"/>
-    <p:sldId id="263" r:id="rId19"/>
-    <p:sldId id="268" r:id="rId20"/>
-    <p:sldId id="262" r:id="rId21"/>
-    <p:sldId id="278" r:id="rId22"/>
+    <p:sldId id="281" r:id="rId19"/>
+    <p:sldId id="282" r:id="rId20"/>
+    <p:sldId id="283" r:id="rId21"/>
+    <p:sldId id="263" r:id="rId22"/>
+    <p:sldId id="268" r:id="rId23"/>
+    <p:sldId id="262" r:id="rId24"/>
+    <p:sldId id="284" r:id="rId25"/>
+    <p:sldId id="278" r:id="rId26"/>
   </p:sldIdLst>
   <p:sldSz cx="9144000" cy="6858000" type="screen4x3"/>
   <p:notesSz cx="6735763" cy="9866313"/>
@@ -798,35 +802,35 @@
           <a:p>
             <a:pPr lvl="0"/>
             <a:r>
-              <a:rPr lang="en-GB" noProof="0" smtClean="0"/>
+              <a:rPr lang="en-GB" noProof="0"/>
               <a:t>Click to edit Master text styles</a:t>
             </a:r>
           </a:p>
           <a:p>
             <a:pPr lvl="1"/>
             <a:r>
-              <a:rPr lang="en-GB" noProof="0" smtClean="0"/>
+              <a:rPr lang="en-GB" noProof="0"/>
               <a:t>Second level</a:t>
             </a:r>
           </a:p>
           <a:p>
             <a:pPr lvl="2"/>
             <a:r>
-              <a:rPr lang="en-GB" noProof="0" smtClean="0"/>
+              <a:rPr lang="en-GB" noProof="0"/>
               <a:t>Third level</a:t>
             </a:r>
           </a:p>
           <a:p>
             <a:pPr lvl="3"/>
             <a:r>
-              <a:rPr lang="en-GB" noProof="0" smtClean="0"/>
+              <a:rPr lang="en-GB" noProof="0"/>
               <a:t>Fourth level</a:t>
             </a:r>
           </a:p>
           <a:p>
             <a:pPr lvl="4"/>
             <a:r>
-              <a:rPr lang="en-GB" noProof="0" smtClean="0"/>
+              <a:rPr lang="en-GB" noProof="0"/>
               <a:t>Fifth level</a:t>
             </a:r>
           </a:p>
@@ -1156,7 +1160,7 @@
           <a:lstStyle/>
           <a:p>
             <a:r>
-              <a:rPr lang="en-US" dirty="0" smtClean="0"/>
+              <a:rPr lang="en-US" dirty="0"/>
               <a:t>Click to edit Master title style</a:t>
             </a:r>
             <a:endParaRPr lang="en-GB" dirty="0"/>
@@ -1221,7 +1225,7 @@
           </a:lstStyle>
           <a:p>
             <a:r>
-              <a:rPr lang="en-US" dirty="0" smtClean="0"/>
+              <a:rPr lang="en-US" dirty="0"/>
               <a:t>Click to edit Master subtitle style</a:t>
             </a:r>
             <a:endParaRPr lang="en-GB" dirty="0"/>
@@ -1320,7 +1324,7 @@
           <a:lstStyle/>
           <a:p>
             <a:r>
-              <a:rPr lang="en-US" smtClean="0"/>
+              <a:rPr lang="en-US"/>
               <a:t>Click to edit Master title style</a:t>
             </a:r>
             <a:endParaRPr lang="en-GB"/>
@@ -1344,35 +1348,35 @@
           <a:p>
             <a:pPr lvl="0"/>
             <a:r>
-              <a:rPr lang="en-US" dirty="0" smtClean="0"/>
+              <a:rPr lang="en-US" dirty="0"/>
               <a:t>Click to edit Master text styles</a:t>
             </a:r>
           </a:p>
           <a:p>
             <a:pPr lvl="1"/>
             <a:r>
-              <a:rPr lang="en-US" dirty="0" smtClean="0"/>
+              <a:rPr lang="en-US" dirty="0"/>
               <a:t>Second level</a:t>
             </a:r>
           </a:p>
           <a:p>
             <a:pPr lvl="2"/>
             <a:r>
-              <a:rPr lang="en-US" dirty="0" smtClean="0"/>
+              <a:rPr lang="en-US" dirty="0"/>
               <a:t>Third level</a:t>
             </a:r>
           </a:p>
           <a:p>
             <a:pPr lvl="3"/>
             <a:r>
-              <a:rPr lang="en-US" dirty="0" smtClean="0"/>
+              <a:rPr lang="en-US" dirty="0"/>
               <a:t>Fourth level</a:t>
             </a:r>
           </a:p>
           <a:p>
             <a:pPr lvl="4"/>
             <a:r>
-              <a:rPr lang="en-US" dirty="0" smtClean="0"/>
+              <a:rPr lang="en-US" dirty="0"/>
               <a:t>Fifth level</a:t>
             </a:r>
             <a:endParaRPr lang="en-GB" dirty="0"/>
@@ -1476,7 +1480,7 @@
           <a:lstStyle/>
           <a:p>
             <a:r>
-              <a:rPr lang="en-US" dirty="0" smtClean="0"/>
+              <a:rPr lang="en-US" dirty="0"/>
               <a:t>Click to edit Master title style</a:t>
             </a:r>
             <a:endParaRPr lang="en-GB" dirty="0"/>
@@ -1505,35 +1509,35 @@
           <a:p>
             <a:pPr lvl="0"/>
             <a:r>
-              <a:rPr lang="en-US" dirty="0" smtClean="0"/>
+              <a:rPr lang="en-US" dirty="0"/>
               <a:t>Click to edit Master text styles</a:t>
             </a:r>
           </a:p>
           <a:p>
             <a:pPr lvl="1"/>
             <a:r>
-              <a:rPr lang="en-US" dirty="0" smtClean="0"/>
+              <a:rPr lang="en-US" dirty="0"/>
               <a:t>Second level</a:t>
             </a:r>
           </a:p>
           <a:p>
             <a:pPr lvl="2"/>
             <a:r>
-              <a:rPr lang="en-US" dirty="0" smtClean="0"/>
+              <a:rPr lang="en-US" dirty="0"/>
               <a:t>Third level</a:t>
             </a:r>
           </a:p>
           <a:p>
             <a:pPr lvl="3"/>
             <a:r>
-              <a:rPr lang="en-US" dirty="0" smtClean="0"/>
+              <a:rPr lang="en-US" dirty="0"/>
               <a:t>Fourth level</a:t>
             </a:r>
           </a:p>
           <a:p>
             <a:pPr lvl="4"/>
             <a:r>
-              <a:rPr lang="en-US" dirty="0" smtClean="0"/>
+              <a:rPr lang="en-US" dirty="0"/>
               <a:t>Fifth level</a:t>
             </a:r>
             <a:endParaRPr lang="en-GB" dirty="0"/>
@@ -1637,7 +1641,7 @@
           <a:lstStyle/>
           <a:p>
             <a:r>
-              <a:rPr lang="en-US" smtClean="0"/>
+              <a:rPr lang="en-US"/>
               <a:t>Click to edit Master title style</a:t>
             </a:r>
             <a:endParaRPr lang="en-GB"/>
@@ -1666,35 +1670,35 @@
           <a:p>
             <a:pPr lvl="0"/>
             <a:r>
-              <a:rPr lang="en-US" dirty="0" smtClean="0"/>
+              <a:rPr lang="en-US" dirty="0"/>
               <a:t>Click to edit Master text styles</a:t>
             </a:r>
           </a:p>
           <a:p>
             <a:pPr lvl="1"/>
             <a:r>
-              <a:rPr lang="en-US" dirty="0" smtClean="0"/>
+              <a:rPr lang="en-US" dirty="0"/>
               <a:t>Second level</a:t>
             </a:r>
           </a:p>
           <a:p>
             <a:pPr lvl="2"/>
             <a:r>
-              <a:rPr lang="en-US" dirty="0" smtClean="0"/>
+              <a:rPr lang="en-US" dirty="0"/>
               <a:t>Third level</a:t>
             </a:r>
           </a:p>
           <a:p>
             <a:pPr lvl="3"/>
             <a:r>
-              <a:rPr lang="en-US" dirty="0" smtClean="0"/>
+              <a:rPr lang="en-US" dirty="0"/>
               <a:t>Fourth level</a:t>
             </a:r>
           </a:p>
           <a:p>
             <a:pPr lvl="4"/>
             <a:r>
-              <a:rPr lang="en-US" dirty="0" smtClean="0"/>
+              <a:rPr lang="en-US" dirty="0"/>
               <a:t>Fifth level</a:t>
             </a:r>
             <a:endParaRPr lang="en-GB" dirty="0"/>
@@ -1723,35 +1727,35 @@
           <a:p>
             <a:pPr lvl="0"/>
             <a:r>
-              <a:rPr lang="en-US" smtClean="0"/>
+              <a:rPr lang="en-US"/>
               <a:t>Click to edit Master text styles</a:t>
             </a:r>
           </a:p>
           <a:p>
             <a:pPr lvl="1"/>
             <a:r>
-              <a:rPr lang="en-US" smtClean="0"/>
+              <a:rPr lang="en-US"/>
               <a:t>Second level</a:t>
             </a:r>
           </a:p>
           <a:p>
             <a:pPr lvl="2"/>
             <a:r>
-              <a:rPr lang="en-US" smtClean="0"/>
+              <a:rPr lang="en-US"/>
               <a:t>Third level</a:t>
             </a:r>
           </a:p>
           <a:p>
             <a:pPr lvl="3"/>
             <a:r>
-              <a:rPr lang="en-US" smtClean="0"/>
+              <a:rPr lang="en-US"/>
               <a:t>Fourth level</a:t>
             </a:r>
           </a:p>
           <a:p>
             <a:pPr lvl="4"/>
             <a:r>
-              <a:rPr lang="en-US" smtClean="0"/>
+              <a:rPr lang="en-US"/>
               <a:t>Fifth level</a:t>
             </a:r>
             <a:endParaRPr lang="en-GB"/>
@@ -1780,35 +1784,35 @@
           <a:p>
             <a:pPr lvl="0"/>
             <a:r>
-              <a:rPr lang="en-US" smtClean="0"/>
+              <a:rPr lang="en-US"/>
               <a:t>Click to edit Master text styles</a:t>
             </a:r>
           </a:p>
           <a:p>
             <a:pPr lvl="1"/>
             <a:r>
-              <a:rPr lang="en-US" smtClean="0"/>
+              <a:rPr lang="en-US"/>
               <a:t>Second level</a:t>
             </a:r>
           </a:p>
           <a:p>
             <a:pPr lvl="2"/>
             <a:r>
-              <a:rPr lang="en-US" smtClean="0"/>
+              <a:rPr lang="en-US"/>
               <a:t>Third level</a:t>
             </a:r>
           </a:p>
           <a:p>
             <a:pPr lvl="3"/>
             <a:r>
-              <a:rPr lang="en-US" smtClean="0"/>
+              <a:rPr lang="en-US"/>
               <a:t>Fourth level</a:t>
             </a:r>
           </a:p>
           <a:p>
             <a:pPr lvl="4"/>
             <a:r>
-              <a:rPr lang="en-US" smtClean="0"/>
+              <a:rPr lang="en-US"/>
               <a:t>Fifth level</a:t>
             </a:r>
             <a:endParaRPr lang="en-GB"/>
@@ -1837,35 +1841,35 @@
           <a:p>
             <a:pPr lvl="0"/>
             <a:r>
-              <a:rPr lang="en-US" smtClean="0"/>
+              <a:rPr lang="en-US"/>
               <a:t>Click to edit Master text styles</a:t>
             </a:r>
           </a:p>
           <a:p>
             <a:pPr lvl="1"/>
             <a:r>
-              <a:rPr lang="en-US" smtClean="0"/>
+              <a:rPr lang="en-US"/>
               <a:t>Second level</a:t>
             </a:r>
           </a:p>
           <a:p>
             <a:pPr lvl="2"/>
             <a:r>
-              <a:rPr lang="en-US" smtClean="0"/>
+              <a:rPr lang="en-US"/>
               <a:t>Third level</a:t>
             </a:r>
           </a:p>
           <a:p>
             <a:pPr lvl="3"/>
             <a:r>
-              <a:rPr lang="en-US" smtClean="0"/>
+              <a:rPr lang="en-US"/>
               <a:t>Fourth level</a:t>
             </a:r>
           </a:p>
           <a:p>
             <a:pPr lvl="4"/>
             <a:r>
-              <a:rPr lang="en-US" smtClean="0"/>
+              <a:rPr lang="en-US"/>
               <a:t>Fifth level</a:t>
             </a:r>
             <a:endParaRPr lang="en-GB"/>
@@ -2047,7 +2051,7 @@
           <a:lstStyle/>
           <a:p>
             <a:r>
-              <a:rPr lang="en-US" dirty="0" smtClean="0"/>
+              <a:rPr lang="en-US" dirty="0"/>
               <a:t>Click to edit Master title style</a:t>
             </a:r>
             <a:endParaRPr lang="en-GB" dirty="0"/>
@@ -2071,35 +2075,35 @@
           <a:p>
             <a:pPr lvl="0"/>
             <a:r>
-              <a:rPr lang="en-US" dirty="0" smtClean="0"/>
+              <a:rPr lang="en-US" dirty="0"/>
               <a:t>Click to edit Master text styles</a:t>
             </a:r>
           </a:p>
           <a:p>
             <a:pPr lvl="1"/>
             <a:r>
-              <a:rPr lang="en-US" dirty="0" smtClean="0"/>
+              <a:rPr lang="en-US" dirty="0"/>
               <a:t>Second level</a:t>
             </a:r>
           </a:p>
           <a:p>
             <a:pPr lvl="2"/>
             <a:r>
-              <a:rPr lang="en-US" dirty="0" smtClean="0"/>
+              <a:rPr lang="en-US" dirty="0"/>
               <a:t>Third level</a:t>
             </a:r>
           </a:p>
           <a:p>
             <a:pPr lvl="3"/>
             <a:r>
-              <a:rPr lang="en-US" dirty="0" smtClean="0"/>
+              <a:rPr lang="en-US" dirty="0"/>
               <a:t>Fourth level</a:t>
             </a:r>
           </a:p>
           <a:p>
             <a:pPr lvl="4"/>
             <a:r>
-              <a:rPr lang="en-US" dirty="0" smtClean="0"/>
+              <a:rPr lang="en-US" dirty="0"/>
               <a:t>Fifth level</a:t>
             </a:r>
             <a:endParaRPr lang="en-GB" dirty="0"/>
@@ -2207,7 +2211,7 @@
           </a:lstStyle>
           <a:p>
             <a:r>
-              <a:rPr lang="en-US" dirty="0" smtClean="0"/>
+              <a:rPr lang="en-US" dirty="0"/>
               <a:t>Click to edit Master title style</a:t>
             </a:r>
             <a:endParaRPr lang="en-GB" dirty="0"/>
@@ -2273,7 +2277,7 @@
           <a:p>
             <a:pPr lvl="0"/>
             <a:r>
-              <a:rPr lang="en-US" dirty="0" smtClean="0"/>
+              <a:rPr lang="en-US" dirty="0"/>
               <a:t>Click to edit Master text styles</a:t>
             </a:r>
           </a:p>
@@ -2371,7 +2375,7 @@
           <a:lstStyle/>
           <a:p>
             <a:r>
-              <a:rPr lang="en-US" dirty="0" smtClean="0"/>
+              <a:rPr lang="en-US" dirty="0"/>
               <a:t>Click to edit Master title style</a:t>
             </a:r>
             <a:endParaRPr lang="en-GB" dirty="0"/>
@@ -2428,35 +2432,35 @@
           <a:p>
             <a:pPr lvl="0"/>
             <a:r>
-              <a:rPr lang="en-US" dirty="0" smtClean="0"/>
+              <a:rPr lang="en-US" dirty="0"/>
               <a:t>Click to edit Master text styles</a:t>
             </a:r>
           </a:p>
           <a:p>
             <a:pPr lvl="1"/>
             <a:r>
-              <a:rPr lang="en-US" dirty="0" smtClean="0"/>
+              <a:rPr lang="en-US" dirty="0"/>
               <a:t>Second level</a:t>
             </a:r>
           </a:p>
           <a:p>
             <a:pPr lvl="2"/>
             <a:r>
-              <a:rPr lang="en-US" dirty="0" smtClean="0"/>
+              <a:rPr lang="en-US" dirty="0"/>
               <a:t>Third level</a:t>
             </a:r>
           </a:p>
           <a:p>
             <a:pPr lvl="3"/>
             <a:r>
-              <a:rPr lang="en-US" dirty="0" smtClean="0"/>
+              <a:rPr lang="en-US" dirty="0"/>
               <a:t>Fourth level</a:t>
             </a:r>
           </a:p>
           <a:p>
             <a:pPr lvl="4"/>
             <a:r>
-              <a:rPr lang="en-US" dirty="0" smtClean="0"/>
+              <a:rPr lang="en-US" dirty="0"/>
               <a:t>Fifth level</a:t>
             </a:r>
             <a:endParaRPr lang="en-GB" dirty="0"/>
@@ -2513,35 +2517,35 @@
           <a:p>
             <a:pPr lvl="0"/>
             <a:r>
-              <a:rPr lang="en-US" dirty="0" smtClean="0"/>
+              <a:rPr lang="en-US" dirty="0"/>
               <a:t>Click to edit Master text styles</a:t>
             </a:r>
           </a:p>
           <a:p>
             <a:pPr lvl="1"/>
             <a:r>
-              <a:rPr lang="en-US" dirty="0" smtClean="0"/>
+              <a:rPr lang="en-US" dirty="0"/>
               <a:t>Second level</a:t>
             </a:r>
           </a:p>
           <a:p>
             <a:pPr lvl="2"/>
             <a:r>
-              <a:rPr lang="en-US" dirty="0" smtClean="0"/>
+              <a:rPr lang="en-US" dirty="0"/>
               <a:t>Third level</a:t>
             </a:r>
           </a:p>
           <a:p>
             <a:pPr lvl="3"/>
             <a:r>
-              <a:rPr lang="en-US" dirty="0" smtClean="0"/>
+              <a:rPr lang="en-US" dirty="0"/>
               <a:t>Fourth level</a:t>
             </a:r>
           </a:p>
           <a:p>
             <a:pPr lvl="4"/>
             <a:r>
-              <a:rPr lang="en-US" dirty="0" smtClean="0"/>
+              <a:rPr lang="en-US" dirty="0"/>
               <a:t>Fifth level</a:t>
             </a:r>
             <a:endParaRPr lang="en-GB" dirty="0"/>
@@ -2644,7 +2648,7 @@
           </a:lstStyle>
           <a:p>
             <a:r>
-              <a:rPr lang="en-US" dirty="0" smtClean="0"/>
+              <a:rPr lang="en-US" dirty="0"/>
               <a:t>Click to edit Master title style</a:t>
             </a:r>
             <a:endParaRPr lang="en-GB" dirty="0"/>
@@ -2710,7 +2714,7 @@
           <a:p>
             <a:pPr lvl="0"/>
             <a:r>
-              <a:rPr lang="en-US" dirty="0" smtClean="0"/>
+              <a:rPr lang="en-US" dirty="0"/>
               <a:t>Click to edit Master text styles</a:t>
             </a:r>
           </a:p>
@@ -2766,35 +2770,35 @@
           <a:p>
             <a:pPr lvl="0"/>
             <a:r>
-              <a:rPr lang="en-US" dirty="0" smtClean="0"/>
+              <a:rPr lang="en-US" dirty="0"/>
               <a:t>Click to edit Master text styles</a:t>
             </a:r>
           </a:p>
           <a:p>
             <a:pPr lvl="1"/>
             <a:r>
-              <a:rPr lang="en-US" dirty="0" smtClean="0"/>
+              <a:rPr lang="en-US" dirty="0"/>
               <a:t>Second level</a:t>
             </a:r>
           </a:p>
           <a:p>
             <a:pPr lvl="2"/>
             <a:r>
-              <a:rPr lang="en-US" dirty="0" smtClean="0"/>
+              <a:rPr lang="en-US" dirty="0"/>
               <a:t>Third level</a:t>
             </a:r>
           </a:p>
           <a:p>
             <a:pPr lvl="3"/>
             <a:r>
-              <a:rPr lang="en-US" dirty="0" smtClean="0"/>
+              <a:rPr lang="en-US" dirty="0"/>
               <a:t>Fourth level</a:t>
             </a:r>
           </a:p>
           <a:p>
             <a:pPr lvl="4"/>
             <a:r>
-              <a:rPr lang="en-US" dirty="0" smtClean="0"/>
+              <a:rPr lang="en-US" dirty="0"/>
               <a:t>Fifth level</a:t>
             </a:r>
             <a:endParaRPr lang="en-GB" dirty="0"/>
@@ -2860,7 +2864,7 @@
           <a:p>
             <a:pPr lvl="0"/>
             <a:r>
-              <a:rPr lang="en-US" dirty="0" smtClean="0"/>
+              <a:rPr lang="en-US" dirty="0"/>
               <a:t>Click to edit Master text styles</a:t>
             </a:r>
           </a:p>
@@ -2916,35 +2920,35 @@
           <a:p>
             <a:pPr lvl="0"/>
             <a:r>
-              <a:rPr lang="en-US" dirty="0" smtClean="0"/>
+              <a:rPr lang="en-US" dirty="0"/>
               <a:t>Click to edit Master text styles</a:t>
             </a:r>
           </a:p>
           <a:p>
             <a:pPr lvl="1"/>
             <a:r>
-              <a:rPr lang="en-US" dirty="0" smtClean="0"/>
+              <a:rPr lang="en-US" dirty="0"/>
               <a:t>Second level</a:t>
             </a:r>
           </a:p>
           <a:p>
             <a:pPr lvl="2"/>
             <a:r>
-              <a:rPr lang="en-US" dirty="0" smtClean="0"/>
+              <a:rPr lang="en-US" dirty="0"/>
               <a:t>Third level</a:t>
             </a:r>
           </a:p>
           <a:p>
             <a:pPr lvl="3"/>
             <a:r>
-              <a:rPr lang="en-US" dirty="0" smtClean="0"/>
+              <a:rPr lang="en-US" dirty="0"/>
               <a:t>Fourth level</a:t>
             </a:r>
           </a:p>
           <a:p>
             <a:pPr lvl="4"/>
             <a:r>
-              <a:rPr lang="en-US" dirty="0" smtClean="0"/>
+              <a:rPr lang="en-US" dirty="0"/>
               <a:t>Fifth level</a:t>
             </a:r>
             <a:endParaRPr lang="en-GB" dirty="0"/>
@@ -3043,7 +3047,7 @@
           <a:lstStyle/>
           <a:p>
             <a:r>
-              <a:rPr lang="en-US" dirty="0" smtClean="0"/>
+              <a:rPr lang="en-US" dirty="0"/>
               <a:t>Click to edit Master title style</a:t>
             </a:r>
             <a:endParaRPr lang="en-GB" dirty="0"/>
@@ -3227,7 +3231,7 @@
           </a:lstStyle>
           <a:p>
             <a:r>
-              <a:rPr lang="en-US" dirty="0" smtClean="0"/>
+              <a:rPr lang="en-US" dirty="0"/>
               <a:t>Click to edit Master title style</a:t>
             </a:r>
             <a:endParaRPr lang="en-GB" dirty="0"/>
@@ -3284,35 +3288,35 @@
           <a:p>
             <a:pPr lvl="0"/>
             <a:r>
-              <a:rPr lang="en-US" dirty="0" smtClean="0"/>
+              <a:rPr lang="en-US" dirty="0"/>
               <a:t>Click to edit Master text styles</a:t>
             </a:r>
           </a:p>
           <a:p>
             <a:pPr lvl="1"/>
             <a:r>
-              <a:rPr lang="en-US" dirty="0" smtClean="0"/>
+              <a:rPr lang="en-US" dirty="0"/>
               <a:t>Second level</a:t>
             </a:r>
           </a:p>
           <a:p>
             <a:pPr lvl="2"/>
             <a:r>
-              <a:rPr lang="en-US" dirty="0" smtClean="0"/>
+              <a:rPr lang="en-US" dirty="0"/>
               <a:t>Third level</a:t>
             </a:r>
           </a:p>
           <a:p>
             <a:pPr lvl="3"/>
             <a:r>
-              <a:rPr lang="en-US" dirty="0" smtClean="0"/>
+              <a:rPr lang="en-US" dirty="0"/>
               <a:t>Fourth level</a:t>
             </a:r>
           </a:p>
           <a:p>
             <a:pPr lvl="4"/>
             <a:r>
-              <a:rPr lang="en-US" dirty="0" smtClean="0"/>
+              <a:rPr lang="en-US" dirty="0"/>
               <a:t>Fifth level</a:t>
             </a:r>
             <a:endParaRPr lang="en-GB" dirty="0"/>
@@ -3381,21 +3385,21 @@
           <a:p>
             <a:pPr lvl="0"/>
             <a:r>
-              <a:rPr lang="en-US" dirty="0" smtClean="0"/>
+              <a:rPr lang="en-US" dirty="0"/>
               <a:t>Click to edit Master text styles</a:t>
             </a:r>
           </a:p>
           <a:p>
             <a:pPr lvl="1"/>
             <a:r>
-              <a:rPr lang="en-US" dirty="0" smtClean="0"/>
+              <a:rPr lang="en-US" dirty="0"/>
               <a:t>Second level</a:t>
             </a:r>
           </a:p>
           <a:p>
             <a:pPr lvl="2"/>
             <a:r>
-              <a:rPr lang="en-US" dirty="0" smtClean="0"/>
+              <a:rPr lang="en-US" dirty="0"/>
               <a:t>Third level</a:t>
             </a:r>
           </a:p>
@@ -3502,7 +3506,7 @@
           </a:lstStyle>
           <a:p>
             <a:r>
-              <a:rPr lang="en-US" dirty="0" smtClean="0"/>
+              <a:rPr lang="en-US" dirty="0"/>
               <a:t>Click to edit Master title style</a:t>
             </a:r>
             <a:endParaRPr lang="en-GB" dirty="0"/>
@@ -3568,10 +3572,10 @@
           <a:p>
             <a:pPr lvl="0"/>
             <a:r>
-              <a:rPr lang="en-US" noProof="0" dirty="0" smtClean="0"/>
+              <a:rPr lang="en-US" noProof="0" dirty="0"/>
               <a:t>Click icon to add picture</a:t>
             </a:r>
-            <a:endParaRPr lang="en-GB" noProof="0" dirty="0" smtClean="0"/>
+            <a:endParaRPr lang="en-GB" noProof="0" dirty="0"/>
           </a:p>
         </p:txBody>
       </p:sp>
@@ -3637,17 +3641,17 @@
           <a:p>
             <a:pPr lvl="0"/>
             <a:r>
-              <a:rPr lang="en-US" dirty="0" smtClean="0"/>
+              <a:rPr lang="en-US" dirty="0"/>
               <a:t>Click to edit Master text styles</a:t>
             </a:r>
           </a:p>
           <a:p>
             <a:pPr lvl="1"/>
-            <a:endParaRPr lang="en-US" dirty="0" smtClean="0"/>
+            <a:endParaRPr lang="en-US" dirty="0"/>
           </a:p>
           <a:p>
             <a:pPr lvl="2"/>
-            <a:endParaRPr lang="en-US" dirty="0" smtClean="0"/>
+            <a:endParaRPr lang="en-US" dirty="0"/>
           </a:p>
         </p:txBody>
       </p:sp>
@@ -3787,7 +3791,7 @@
           <a:p>
             <a:pPr lvl="0"/>
             <a:r>
-              <a:rPr lang="en-GB" dirty="0" smtClean="0"/>
+              <a:rPr lang="en-GB" dirty="0"/>
               <a:t>Click to edit Master title style</a:t>
             </a:r>
           </a:p>
@@ -3845,35 +3849,35 @@
           <a:p>
             <a:pPr lvl="0"/>
             <a:r>
-              <a:rPr lang="en-GB" dirty="0" smtClean="0"/>
+              <a:rPr lang="en-GB" dirty="0"/>
               <a:t>Click to edit Master text styles</a:t>
             </a:r>
           </a:p>
           <a:p>
             <a:pPr lvl="1"/>
             <a:r>
-              <a:rPr lang="en-GB" dirty="0" smtClean="0"/>
+              <a:rPr lang="en-GB" dirty="0"/>
               <a:t>Second level</a:t>
             </a:r>
           </a:p>
           <a:p>
             <a:pPr lvl="2"/>
             <a:r>
-              <a:rPr lang="en-GB" dirty="0" smtClean="0"/>
+              <a:rPr lang="en-GB" dirty="0"/>
               <a:t>Third level</a:t>
             </a:r>
           </a:p>
           <a:p>
             <a:pPr lvl="3"/>
             <a:r>
-              <a:rPr lang="en-GB" dirty="0" smtClean="0"/>
+              <a:rPr lang="en-GB" dirty="0"/>
               <a:t>Forth level</a:t>
             </a:r>
           </a:p>
           <a:p>
             <a:pPr lvl="4"/>
             <a:r>
-              <a:rPr lang="en-GB" dirty="0" smtClean="0"/>
+              <a:rPr lang="en-GB" dirty="0"/>
               <a:t>Fifth level</a:t>
             </a:r>
           </a:p>
@@ -4508,18 +4512,9 @@
           <a:p>
             <a:pPr algn="l"/>
             <a:r>
-              <a:rPr lang="en-AU" dirty="0" smtClean="0"/>
-              <a:t>Time </a:t>
-            </a:r>
-            <a:r>
               <a:rPr lang="en-AU" dirty="0"/>
-              <a:t>management and </a:t>
-            </a:r>
-            <a:r>
-              <a:rPr lang="en-AU" dirty="0" smtClean="0"/>
-              <a:t>project planning</a:t>
-            </a:r>
-            <a:endParaRPr lang="en-AU" dirty="0"/>
+              <a:t>Time management and project planning</a:t>
+            </a:r>
           </a:p>
         </p:txBody>
       </p:sp>
@@ -4539,19 +4534,19 @@
           <a:lstStyle/>
           <a:p>
             <a:pPr algn="r"/>
-            <a:endParaRPr lang="en-AU" sz="2000" dirty="0" smtClean="0"/>
+            <a:endParaRPr lang="en-AU" sz="2000" dirty="0"/>
           </a:p>
           <a:p>
             <a:pPr algn="r"/>
             <a:r>
-              <a:rPr lang="en-AU" sz="2000" dirty="0" smtClean="0"/>
+              <a:rPr lang="en-AU" sz="2000" dirty="0"/>
               <a:t>Rob Moore</a:t>
             </a:r>
           </a:p>
           <a:p>
             <a:pPr algn="r"/>
             <a:r>
-              <a:rPr lang="en-AU" sz="2000" dirty="0" smtClean="0"/>
+              <a:rPr lang="en-AU" sz="2000" dirty="0"/>
               <a:t>Principal Consultant, Readify</a:t>
             </a:r>
           </a:p>
@@ -4565,11 +4560,11 @@
           <a:p>
             <a:pPr algn="r"/>
             <a:r>
-              <a:rPr lang="en-AU" sz="2000" dirty="0" smtClean="0"/>
+              <a:rPr lang="en-AU" sz="2000" dirty="0"/>
               <a:t>@</a:t>
             </a:r>
             <a:r>
-              <a:rPr lang="en-AU" sz="2000" dirty="0" err="1" smtClean="0"/>
+              <a:rPr lang="en-AU" sz="2000" dirty="0" err="1"/>
               <a:t>robdmoore</a:t>
             </a:r>
             <a:endParaRPr lang="en-AU" sz="2000" dirty="0"/>
@@ -4615,13 +4610,6 @@
   <p:clrMapOvr>
     <a:masterClrMapping/>
   </p:clrMapOvr>
-  <p:timing>
-    <p:tnLst>
-      <p:par>
-        <p:cTn id="1" dur="indefinite" restart="never" nodeType="tmRoot"/>
-      </p:par>
-    </p:tnLst>
-  </p:timing>
 </p:sld>
 </file>
 
@@ -4658,79 +4646,69 @@
           <a:lstStyle/>
           <a:p>
             <a:r>
-              <a:rPr lang="en-AU" dirty="0" smtClean="0"/>
+              <a:rPr lang="en-AU" dirty="0"/>
               <a:t>Execute</a:t>
             </a:r>
+          </a:p>
+        </p:txBody>
+      </p:sp>
+      <p:sp>
+        <p:nvSpPr>
+          <p:cNvPr id="3" name="Content Placeholder 2"/>
+          <p:cNvSpPr>
+            <a:spLocks noGrp="1"/>
+          </p:cNvSpPr>
+          <p:nvPr>
+            <p:ph idx="1"/>
+          </p:nvPr>
+        </p:nvSpPr>
+        <p:spPr/>
+        <p:txBody>
+          <a:bodyPr/>
+          <a:lstStyle/>
+          <a:p>
+            <a:r>
+              <a:rPr lang="en-AU" dirty="0"/>
+              <a:t>Plan each week</a:t>
+            </a:r>
+          </a:p>
+          <a:p>
+            <a:pPr lvl="1"/>
+            <a:r>
+              <a:rPr lang="en-AU" dirty="0"/>
+              <a:t>Consider non-negotiable things</a:t>
+            </a:r>
+          </a:p>
+          <a:p>
+            <a:pPr lvl="1"/>
+            <a:r>
+              <a:rPr lang="en-AU" dirty="0"/>
+              <a:t>Consider what tasks are due soon</a:t>
+            </a:r>
+          </a:p>
+          <a:p>
+            <a:pPr lvl="1"/>
+            <a:r>
+              <a:rPr lang="en-AU" dirty="0"/>
+              <a:t>Consider how much time is needed for them</a:t>
+            </a:r>
+          </a:p>
+          <a:p>
+            <a:r>
+              <a:rPr lang="en-AU" dirty="0"/>
+              <a:t>Each day review the activities you planned to refresh your memory</a:t>
+            </a:r>
+          </a:p>
+          <a:p>
+            <a:r>
+              <a:rPr lang="en-US" dirty="0"/>
+              <a:t>Keep revisiting the goals you are trying to achieve; make sure activity is </a:t>
+            </a:r>
+            <a:r>
+              <a:rPr lang="en-US" dirty="0" err="1"/>
+              <a:t>focussed</a:t>
+            </a:r>
             <a:endParaRPr lang="en-AU" dirty="0"/>
-          </a:p>
-        </p:txBody>
-      </p:sp>
-      <p:sp>
-        <p:nvSpPr>
-          <p:cNvPr id="3" name="Content Placeholder 2"/>
-          <p:cNvSpPr>
-            <a:spLocks noGrp="1"/>
-          </p:cNvSpPr>
-          <p:nvPr>
-            <p:ph idx="1"/>
-          </p:nvPr>
-        </p:nvSpPr>
-        <p:spPr/>
-        <p:txBody>
-          <a:bodyPr/>
-          <a:lstStyle/>
-          <a:p>
-            <a:r>
-              <a:rPr lang="en-AU" dirty="0" smtClean="0"/>
-              <a:t>Plan each week</a:t>
-            </a:r>
-          </a:p>
-          <a:p>
-            <a:pPr lvl="1"/>
-            <a:r>
-              <a:rPr lang="en-AU" dirty="0"/>
-              <a:t>Consider non-negotiable </a:t>
-            </a:r>
-            <a:r>
-              <a:rPr lang="en-AU" dirty="0" smtClean="0"/>
-              <a:t>things</a:t>
-            </a:r>
-          </a:p>
-          <a:p>
-            <a:pPr lvl="1"/>
-            <a:r>
-              <a:rPr lang="en-AU" dirty="0" smtClean="0"/>
-              <a:t>Consider what tasks are due soon</a:t>
-            </a:r>
-            <a:endParaRPr lang="en-AU" dirty="0"/>
-          </a:p>
-          <a:p>
-            <a:pPr lvl="1"/>
-            <a:r>
-              <a:rPr lang="en-AU" dirty="0" smtClean="0"/>
-              <a:t>Consider how much time is needed for them</a:t>
-            </a:r>
-          </a:p>
-          <a:p>
-            <a:r>
-              <a:rPr lang="en-AU" dirty="0" smtClean="0"/>
-              <a:t>Each day review the activities you planned to refresh your </a:t>
-            </a:r>
-            <a:r>
-              <a:rPr lang="en-AU" dirty="0" smtClean="0"/>
-              <a:t>memory</a:t>
-            </a:r>
-          </a:p>
-          <a:p>
-            <a:r>
-              <a:rPr lang="en-US" dirty="0" smtClean="0"/>
-              <a:t>Keep revisiting the goals you are trying to achieve; make sure activity is </a:t>
-            </a:r>
-            <a:r>
-              <a:rPr lang="en-US" dirty="0" err="1" smtClean="0"/>
-              <a:t>focussed</a:t>
-            </a:r>
-            <a:endParaRPr lang="en-AU" dirty="0" smtClean="0"/>
           </a:p>
         </p:txBody>
       </p:sp>
@@ -4773,13 +4751,6 @@
   <p:clrMapOvr>
     <a:masterClrMapping/>
   </p:clrMapOvr>
-  <p:timing>
-    <p:tnLst>
-      <p:par>
-        <p:cTn id="1" dur="indefinite" restart="never" nodeType="tmRoot"/>
-      </p:par>
-    </p:tnLst>
-  </p:timing>
 </p:sld>
 </file>
 
@@ -4816,10 +4787,9 @@
           <a:lstStyle/>
           <a:p>
             <a:r>
-              <a:rPr lang="en-AU" dirty="0" smtClean="0"/>
+              <a:rPr lang="en-AU" dirty="0"/>
               <a:t>Evaluate</a:t>
             </a:r>
-            <a:endParaRPr lang="en-AU" dirty="0"/>
           </a:p>
         </p:txBody>
       </p:sp>
@@ -4839,49 +4809,40 @@
           <a:lstStyle/>
           <a:p>
             <a:r>
-              <a:rPr lang="en-AU" i="1" dirty="0" smtClean="0"/>
+              <a:rPr lang="en-AU" i="1" dirty="0"/>
               <a:t>Regularly</a:t>
             </a:r>
             <a:r>
-              <a:rPr lang="en-AU" dirty="0" smtClean="0"/>
+              <a:rPr lang="en-AU" dirty="0"/>
               <a:t> evaluate your progress</a:t>
             </a:r>
           </a:p>
           <a:p>
             <a:r>
-              <a:rPr lang="en-AU" dirty="0" smtClean="0"/>
-              <a:t>Consider </a:t>
-            </a:r>
-            <a:r>
               <a:rPr lang="en-AU" dirty="0"/>
-              <a:t>planned vs </a:t>
-            </a:r>
-            <a:r>
-              <a:rPr lang="en-AU" dirty="0" smtClean="0"/>
-              <a:t>actual work</a:t>
+              <a:t>Consider planned vs actual work</a:t>
             </a:r>
           </a:p>
           <a:p>
             <a:pPr lvl="1"/>
             <a:r>
-              <a:rPr lang="en-AU" dirty="0" smtClean="0"/>
+              <a:rPr lang="en-AU" dirty="0"/>
               <a:t>Things never go to plan – expect it</a:t>
             </a:r>
           </a:p>
           <a:p>
             <a:pPr lvl="1"/>
             <a:r>
-              <a:rPr lang="en-AU" dirty="0" smtClean="0"/>
+              <a:rPr lang="en-AU" dirty="0"/>
               <a:t>Consider what new things you have learnt</a:t>
             </a:r>
           </a:p>
           <a:p>
             <a:pPr lvl="1"/>
             <a:r>
-              <a:rPr lang="en-AU" dirty="0" smtClean="0"/>
+              <a:rPr lang="en-AU" dirty="0"/>
               <a:t>Loop back for another planning cycle</a:t>
             </a:r>
-            <a:endParaRPr lang="en-AU" dirty="0"/>
           </a:p>
           <a:p>
             <a:r>
@@ -4891,18 +4852,9 @@
           </a:p>
           <a:p>
             <a:r>
-              <a:rPr lang="en-AU" dirty="0" smtClean="0"/>
-              <a:t>Be retrospective </a:t>
-            </a:r>
-            <a:r>
               <a:rPr lang="en-AU" dirty="0"/>
-              <a:t>– continuously </a:t>
-            </a:r>
-            <a:r>
-              <a:rPr lang="en-AU" dirty="0" smtClean="0"/>
-              <a:t>improve</a:t>
-            </a:r>
-            <a:endParaRPr lang="en-AU" dirty="0"/>
+              <a:t>Be retrospective – continuously improve</a:t>
+            </a:r>
           </a:p>
         </p:txBody>
       </p:sp>
@@ -4945,13 +4897,6 @@
   <p:clrMapOvr>
     <a:masterClrMapping/>
   </p:clrMapOvr>
-  <p:timing>
-    <p:tnLst>
-      <p:par>
-        <p:cTn id="1" dur="indefinite" restart="never" nodeType="tmRoot"/>
-      </p:par>
-    </p:tnLst>
-  </p:timing>
 </p:sld>
 </file>
 
@@ -4988,10 +4933,9 @@
           <a:lstStyle/>
           <a:p>
             <a:r>
-              <a:rPr lang="en-AU" dirty="0" smtClean="0"/>
+              <a:rPr lang="en-AU" dirty="0"/>
               <a:t>Continuous loop</a:t>
             </a:r>
-            <a:endParaRPr lang="en-AU" dirty="0"/>
           </a:p>
         </p:txBody>
       </p:sp>
@@ -5015,7 +4959,7 @@
               <a:buAutoNum type="arabicPeriod"/>
             </a:pPr>
             <a:r>
-              <a:rPr lang="en-AU" sz="4000" dirty="0" smtClean="0"/>
+              <a:rPr lang="en-AU" sz="4000" dirty="0"/>
               <a:t>Understand</a:t>
             </a:r>
           </a:p>
@@ -5025,7 +4969,7 @@
               <a:buAutoNum type="arabicPeriod"/>
             </a:pPr>
             <a:r>
-              <a:rPr lang="en-AU" sz="4000" dirty="0" smtClean="0"/>
+              <a:rPr lang="en-AU" sz="4000" dirty="0"/>
               <a:t>Prioritise</a:t>
             </a:r>
           </a:p>
@@ -5035,7 +4979,7 @@
               <a:buAutoNum type="arabicPeriod"/>
             </a:pPr>
             <a:r>
-              <a:rPr lang="en-AU" sz="4000" dirty="0" smtClean="0"/>
+              <a:rPr lang="en-AU" sz="4000" dirty="0"/>
               <a:t>Plan</a:t>
             </a:r>
           </a:p>
@@ -5045,7 +4989,7 @@
               <a:buAutoNum type="arabicPeriod"/>
             </a:pPr>
             <a:r>
-              <a:rPr lang="en-AU" sz="4000" dirty="0" smtClean="0"/>
+              <a:rPr lang="en-AU" sz="4000" dirty="0"/>
               <a:t>Execute</a:t>
             </a:r>
           </a:p>
@@ -5055,10 +4999,9 @@
               <a:buAutoNum type="arabicPeriod"/>
             </a:pPr>
             <a:r>
-              <a:rPr lang="en-AU" sz="4000" dirty="0" smtClean="0"/>
+              <a:rPr lang="en-AU" sz="4000" dirty="0"/>
               <a:t>Evaluate</a:t>
             </a:r>
-            <a:endParaRPr lang="en-AU" sz="4000" dirty="0"/>
           </a:p>
         </p:txBody>
       </p:sp>
@@ -5145,13 +5088,6 @@
   <p:clrMapOvr>
     <a:masterClrMapping/>
   </p:clrMapOvr>
-  <p:timing>
-    <p:tnLst>
-      <p:par>
-        <p:cTn id="1" dur="indefinite" restart="never" nodeType="tmRoot"/>
-      </p:par>
-    </p:tnLst>
-  </p:timing>
 </p:sld>
 </file>
 
@@ -5188,10 +5124,9 @@
           <a:lstStyle/>
           <a:p>
             <a:r>
-              <a:rPr lang="en-AU" dirty="0" smtClean="0"/>
+              <a:rPr lang="en-AU" dirty="0"/>
               <a:t>Understand: Example</a:t>
             </a:r>
-            <a:endParaRPr lang="en-AU" dirty="0"/>
           </a:p>
         </p:txBody>
       </p:sp>
@@ -5214,60 +5149,60 @@
               <a:buNone/>
             </a:pPr>
             <a:r>
-              <a:rPr lang="en-AU" sz="2400" dirty="0" smtClean="0"/>
+              <a:rPr lang="en-AU" sz="2400" dirty="0"/>
               <a:t>Project: organise a networking event</a:t>
             </a:r>
           </a:p>
           <a:p>
             <a:r>
-              <a:rPr lang="en-AU" sz="2400" dirty="0" smtClean="0"/>
+              <a:rPr lang="en-AU" sz="2400" dirty="0"/>
               <a:t>Goal: Run event with 50 people from 2 universities</a:t>
             </a:r>
           </a:p>
           <a:p>
             <a:r>
-              <a:rPr lang="en-AU" sz="2400" dirty="0" smtClean="0"/>
+              <a:rPr lang="en-AU" sz="2400" dirty="0"/>
               <a:t>High-level tasks:</a:t>
             </a:r>
           </a:p>
           <a:p>
             <a:pPr lvl="1"/>
             <a:r>
-              <a:rPr lang="en-AU" sz="2000" dirty="0" smtClean="0"/>
+              <a:rPr lang="en-AU" sz="2000" dirty="0"/>
               <a:t>Organise a venue, get people to register, organise food and drinks, secure keynote speaker, etc.</a:t>
             </a:r>
           </a:p>
           <a:p>
             <a:r>
-              <a:rPr lang="en-AU" sz="2400" dirty="0" smtClean="0"/>
+              <a:rPr lang="en-AU" sz="2400" dirty="0"/>
               <a:t>Deadlines:</a:t>
             </a:r>
           </a:p>
           <a:p>
             <a:pPr lvl="1"/>
             <a:r>
-              <a:rPr lang="en-AU" sz="2000" dirty="0" smtClean="0"/>
+              <a:rPr lang="en-AU" sz="2000" dirty="0"/>
               <a:t>Event will be at date (X), Venue needs to be booked (X-4 weeks), people can register by (X-3 weeks), etc.</a:t>
             </a:r>
           </a:p>
           <a:p>
             <a:r>
-              <a:rPr lang="en-AU" sz="2400" dirty="0" smtClean="0"/>
+              <a:rPr lang="en-AU" sz="2400" dirty="0"/>
               <a:t>Breakdown: get people to register:</a:t>
             </a:r>
           </a:p>
           <a:p>
             <a:pPr lvl="1"/>
             <a:r>
-              <a:rPr lang="en-AU" sz="2000" dirty="0" smtClean="0"/>
+              <a:rPr lang="en-AU" sz="2000" dirty="0"/>
               <a:t>Create poster (dependency: secure keynote speaker?), Put up posters, advertise on </a:t>
             </a:r>
             <a:r>
-              <a:rPr lang="en-AU" sz="2000" dirty="0" err="1" smtClean="0"/>
+              <a:rPr lang="en-AU" sz="2000" dirty="0" err="1"/>
               <a:t>facebook</a:t>
             </a:r>
             <a:r>
-              <a:rPr lang="en-AU" sz="2000" dirty="0" smtClean="0"/>
+              <a:rPr lang="en-AU" sz="2000" dirty="0"/>
               <a:t>, create registration page, etc.</a:t>
             </a:r>
           </a:p>
@@ -5316,13 +5251,6 @@
   <p:clrMapOvr>
     <a:masterClrMapping/>
   </p:clrMapOvr>
-  <p:timing>
-    <p:tnLst>
-      <p:par>
-        <p:cTn id="1" dur="indefinite" restart="never" nodeType="tmRoot"/>
-      </p:par>
-    </p:tnLst>
-  </p:timing>
 </p:sld>
 </file>
 
@@ -5359,10 +5287,9 @@
           <a:lstStyle/>
           <a:p>
             <a:r>
-              <a:rPr lang="en-AU" dirty="0" smtClean="0"/>
+              <a:rPr lang="en-AU" dirty="0"/>
               <a:t>Prioritise: Example</a:t>
             </a:r>
-            <a:endParaRPr lang="en-AU" dirty="0"/>
           </a:p>
         </p:txBody>
       </p:sp>
@@ -5385,7 +5312,7 @@
               <a:buNone/>
             </a:pPr>
             <a:r>
-              <a:rPr lang="en-AU" sz="2800" dirty="0" smtClean="0"/>
+              <a:rPr lang="en-AU" sz="2800" dirty="0"/>
               <a:t>High level prioritisation</a:t>
             </a:r>
           </a:p>
@@ -5395,7 +5322,7 @@
               <a:buAutoNum type="arabicPeriod"/>
             </a:pPr>
             <a:r>
-              <a:rPr lang="en-AU" sz="2800" dirty="0" smtClean="0"/>
+              <a:rPr lang="en-AU" sz="2800" dirty="0"/>
               <a:t>Secure keynote speaker (X-6)</a:t>
             </a:r>
           </a:p>
@@ -5405,16 +5332,8 @@
               <a:buAutoNum type="arabicPeriod"/>
             </a:pPr>
             <a:r>
-              <a:rPr lang="en-AU" sz="2800" dirty="0" smtClean="0"/>
-              <a:t>Create reg. page / create poster </a:t>
-            </a:r>
-            <a:r>
               <a:rPr lang="en-AU" sz="2800" dirty="0"/>
-              <a:t>(</a:t>
-            </a:r>
-            <a:r>
-              <a:rPr lang="en-AU" sz="2800" dirty="0" smtClean="0"/>
-              <a:t>X-5)</a:t>
+              <a:t>Create reg. page / create poster (X-5)</a:t>
             </a:r>
           </a:p>
           <a:p>
@@ -5423,10 +5342,9 @@
               <a:buAutoNum type="arabicPeriod"/>
             </a:pPr>
             <a:r>
-              <a:rPr lang="en-AU" sz="2800" dirty="0" smtClean="0"/>
+              <a:rPr lang="en-AU" sz="2800" dirty="0"/>
               <a:t>Organise venue (X-4)</a:t>
             </a:r>
-            <a:endParaRPr lang="en-AU" sz="2800" dirty="0"/>
           </a:p>
           <a:p>
             <a:pPr marL="514350" indent="-514350">
@@ -5434,7 +5352,7 @@
               <a:buAutoNum type="arabicPeriod"/>
             </a:pPr>
             <a:r>
-              <a:rPr lang="en-AU" sz="2800" dirty="0" smtClean="0"/>
+              <a:rPr lang="en-AU" sz="2800" dirty="0"/>
               <a:t>Put up posters / create fb page (X-3)</a:t>
             </a:r>
           </a:p>
@@ -5444,7 +5362,7 @@
               <a:buAutoNum type="arabicPeriod"/>
             </a:pPr>
             <a:r>
-              <a:rPr lang="en-AU" sz="2800" dirty="0" smtClean="0"/>
+              <a:rPr lang="en-AU" sz="2800" dirty="0"/>
               <a:t>Organise catering (X-1)</a:t>
             </a:r>
           </a:p>
@@ -5454,7 +5372,7 @@
               <a:buAutoNum type="arabicPeriod"/>
             </a:pPr>
             <a:r>
-              <a:rPr lang="en-AU" sz="2800" dirty="0" smtClean="0"/>
+              <a:rPr lang="en-AU" sz="2800" dirty="0"/>
               <a:t>etc.</a:t>
             </a:r>
           </a:p>
@@ -5463,7 +5381,7 @@
               <a:buFont typeface="+mj-lt"/>
               <a:buAutoNum type="arabicPeriod"/>
             </a:pPr>
-            <a:endParaRPr lang="en-AU" sz="2800" dirty="0" smtClean="0"/>
+            <a:endParaRPr lang="en-AU" sz="2800" dirty="0"/>
           </a:p>
         </p:txBody>
       </p:sp>
@@ -5506,13 +5424,6 @@
   <p:clrMapOvr>
     <a:masterClrMapping/>
   </p:clrMapOvr>
-  <p:timing>
-    <p:tnLst>
-      <p:par>
-        <p:cTn id="1" dur="indefinite" restart="never" nodeType="tmRoot"/>
-      </p:par>
-    </p:tnLst>
-  </p:timing>
 </p:sld>
 </file>
 
@@ -5549,10 +5460,9 @@
           <a:lstStyle/>
           <a:p>
             <a:r>
-              <a:rPr lang="en-AU" dirty="0" smtClean="0"/>
+              <a:rPr lang="en-AU" dirty="0"/>
               <a:t>Plan: Example</a:t>
             </a:r>
-            <a:endParaRPr lang="en-AU" dirty="0"/>
           </a:p>
         </p:txBody>
       </p:sp>
@@ -5580,129 +5490,96 @@
               <a:buNone/>
             </a:pPr>
             <a:r>
-              <a:rPr lang="en-AU" sz="2000" dirty="0" smtClean="0"/>
+              <a:rPr lang="en-AU" sz="2000" dirty="0"/>
               <a:t>High-level task: Secure keynote speaker</a:t>
             </a:r>
           </a:p>
           <a:p>
             <a:r>
-              <a:rPr lang="en-AU" sz="2000" dirty="0" smtClean="0"/>
+              <a:rPr lang="en-AU" sz="2000" dirty="0"/>
               <a:t>(X-8) Joe and Sally – 1 hour meeting</a:t>
             </a:r>
           </a:p>
           <a:p>
             <a:pPr lvl="1"/>
             <a:r>
-              <a:rPr lang="en-AU" sz="1800" dirty="0" smtClean="0"/>
+              <a:rPr lang="en-AU" sz="1800" dirty="0"/>
               <a:t>Decide on list of potential keynote speakers</a:t>
             </a:r>
           </a:p>
           <a:p>
             <a:r>
-              <a:rPr lang="en-AU" sz="2000" dirty="0" smtClean="0"/>
+              <a:rPr lang="en-AU" sz="2000" dirty="0"/>
               <a:t>(X-8/7) Sally and John – 2 hours each ad hoc</a:t>
             </a:r>
           </a:p>
           <a:p>
             <a:pPr lvl="1"/>
             <a:r>
-              <a:rPr lang="en-AU" sz="1800" dirty="0" smtClean="0"/>
+              <a:rPr lang="en-AU" sz="1800" dirty="0"/>
               <a:t>Contact the keynote speakers to see if they are available</a:t>
             </a:r>
           </a:p>
           <a:p>
             <a:r>
-              <a:rPr lang="en-AU" sz="2000" dirty="0" smtClean="0"/>
+              <a:rPr lang="en-AU" sz="2000" dirty="0"/>
               <a:t>(X-6) Joe and Sally – 1 hour meeting</a:t>
             </a:r>
           </a:p>
           <a:p>
             <a:pPr lvl="1"/>
             <a:r>
-              <a:rPr lang="en-AU" sz="1800" dirty="0" smtClean="0"/>
+              <a:rPr lang="en-AU" sz="1800" dirty="0"/>
               <a:t>Decide which speaker to run</a:t>
             </a:r>
           </a:p>
           <a:p>
             <a:pPr lvl="1"/>
             <a:r>
-              <a:rPr lang="en-AU" sz="1800" dirty="0" smtClean="0"/>
+              <a:rPr lang="en-AU" sz="1800" dirty="0"/>
               <a:t>Confirm with the speaker</a:t>
             </a:r>
           </a:p>
           <a:p>
             <a:r>
-              <a:rPr lang="en-AU" sz="2000" dirty="0" smtClean="0"/>
+              <a:rPr lang="en-AU" sz="2000" dirty="0"/>
               <a:t>Items to plan later:</a:t>
             </a:r>
           </a:p>
           <a:p>
             <a:pPr lvl="1"/>
             <a:r>
-              <a:rPr lang="en-AU" sz="1800" dirty="0" smtClean="0"/>
-              <a:t>get bio from speaker (</a:t>
-            </a:r>
-            <a:r>
-              <a:rPr lang="en-AU" sz="1800" dirty="0" smtClean="0"/>
-              <a:t>X-4?)</a:t>
-            </a:r>
-            <a:endParaRPr lang="en-AU" sz="1800" dirty="0" smtClean="0"/>
+              <a:rPr lang="en-AU" sz="1800" dirty="0"/>
+              <a:t>get bio from speaker (X-4?)</a:t>
+            </a:r>
           </a:p>
           <a:p>
             <a:pPr lvl="1"/>
             <a:r>
-              <a:rPr lang="en-AU" sz="1800" dirty="0" smtClean="0"/>
-              <a:t>get slides from speaker (</a:t>
-            </a:r>
-            <a:r>
-              <a:rPr lang="en-AU" sz="1800" dirty="0" smtClean="0"/>
-              <a:t>X-2?)</a:t>
-            </a:r>
-            <a:endParaRPr lang="en-AU" sz="1800" dirty="0" smtClean="0"/>
+              <a:rPr lang="en-AU" sz="1800" dirty="0"/>
+              <a:t>get slides from speaker (X-2?)</a:t>
+            </a:r>
           </a:p>
           <a:p>
             <a:pPr lvl="1"/>
             <a:r>
-              <a:rPr lang="en-AU" sz="1800" dirty="0" smtClean="0"/>
-              <a:t>add </a:t>
-            </a:r>
-            <a:r>
               <a:rPr lang="en-AU" sz="1800" dirty="0"/>
-              <a:t>introduction to </a:t>
-            </a:r>
-            <a:r>
-              <a:rPr lang="en-AU" sz="1800" dirty="0" smtClean="0"/>
-              <a:t>slides and confirm with MC (</a:t>
-            </a:r>
-            <a:r>
-              <a:rPr lang="en-AU" sz="1800" dirty="0" smtClean="0"/>
-              <a:t>X-1?)</a:t>
-            </a:r>
-            <a:endParaRPr lang="en-AU" sz="1800" dirty="0"/>
+              <a:t>add introduction to slides and confirm with MC (X-1?)</a:t>
+            </a:r>
           </a:p>
           <a:p>
             <a:pPr lvl="1"/>
             <a:r>
-              <a:rPr lang="en-AU" sz="1800" dirty="0" smtClean="0"/>
-              <a:t>confirm with speaker (</a:t>
-            </a:r>
-            <a:r>
-              <a:rPr lang="en-AU" sz="1800" dirty="0" smtClean="0"/>
-              <a:t>X-1?)</a:t>
-            </a:r>
-            <a:endParaRPr lang="en-AU" sz="1800" dirty="0" smtClean="0"/>
+              <a:rPr lang="en-AU" sz="1800" dirty="0"/>
+              <a:t>confirm with speaker (X-1?)</a:t>
+            </a:r>
           </a:p>
           <a:p>
             <a:pPr lvl="1"/>
             <a:r>
-              <a:rPr lang="en-AU" sz="1800" dirty="0" smtClean="0"/>
-              <a:t>send thankyou note and bottle of wine (</a:t>
-            </a:r>
-            <a:r>
-              <a:rPr lang="en-AU" sz="1800" dirty="0" smtClean="0"/>
-              <a:t>X+1?)</a:t>
-            </a:r>
-            <a:endParaRPr lang="en-AU" sz="1800" dirty="0"/>
+              <a:rPr lang="en-AU" sz="1800" dirty="0"/>
+              <a:t>send thankyou note and bottle of wine (X+1?)</a:t>
+            </a:r>
           </a:p>
         </p:txBody>
       </p:sp>
@@ -5745,13 +5622,6 @@
   <p:clrMapOvr>
     <a:masterClrMapping/>
   </p:clrMapOvr>
-  <p:timing>
-    <p:tnLst>
-      <p:par>
-        <p:cTn id="1" dur="indefinite" restart="never" nodeType="tmRoot"/>
-      </p:par>
-    </p:tnLst>
-  </p:timing>
 </p:sld>
 </file>
 
@@ -5788,10 +5658,9 @@
           <a:lstStyle/>
           <a:p>
             <a:r>
-              <a:rPr lang="en-AU" dirty="0" smtClean="0"/>
+              <a:rPr lang="en-AU" dirty="0"/>
               <a:t>Useful tips/techniques</a:t>
             </a:r>
-            <a:endParaRPr lang="en-AU" dirty="0"/>
           </a:p>
         </p:txBody>
       </p:sp>
@@ -5834,13 +5703,6 @@
   <p:clrMapOvr>
     <a:masterClrMapping/>
   </p:clrMapOvr>
-  <p:timing>
-    <p:tnLst>
-      <p:par>
-        <p:cTn id="1" dur="indefinite" restart="never" nodeType="tmRoot"/>
-      </p:par>
-    </p:tnLst>
-  </p:timing>
 </p:sld>
 </file>
 
@@ -5877,11 +5739,11 @@
           <a:lstStyle/>
           <a:p>
             <a:r>
-              <a:rPr lang="en-US" dirty="0" smtClean="0"/>
+              <a:rPr lang="en-US" dirty="0"/>
               <a:t>Effective </a:t>
             </a:r>
             <a:r>
-              <a:rPr lang="en-US" dirty="0" err="1" smtClean="0"/>
+              <a:rPr lang="en-US" dirty="0" err="1"/>
               <a:t>behaviours</a:t>
             </a:r>
             <a:endParaRPr lang="en-AU" dirty="0"/>
@@ -5911,28 +5773,23 @@
           </a:p>
           <a:p>
             <a:r>
-              <a:rPr lang="en-US" dirty="0" smtClean="0"/>
+              <a:rPr lang="en-US" dirty="0"/>
               <a:t>Break down complexity</a:t>
             </a:r>
           </a:p>
           <a:p>
             <a:r>
-              <a:rPr lang="en-US" dirty="0" err="1" smtClean="0"/>
+              <a:rPr lang="en-US" dirty="0" err="1"/>
               <a:t>Visualise</a:t>
             </a:r>
             <a:r>
-              <a:rPr lang="en-US" dirty="0" smtClean="0"/>
-              <a:t> </a:t>
-            </a:r>
-            <a:r>
               <a:rPr lang="en-US" dirty="0"/>
-              <a:t>work in progress</a:t>
-            </a:r>
-            <a:endParaRPr lang="en-US" dirty="0" smtClean="0"/>
-          </a:p>
-          <a:p>
-            <a:r>
-              <a:rPr lang="en-US" dirty="0" smtClean="0"/>
+              <a:t> work in progress</a:t>
+            </a:r>
+          </a:p>
+          <a:p>
+            <a:r>
+              <a:rPr lang="en-US" dirty="0"/>
               <a:t>Pragmatically detail-oriented</a:t>
             </a:r>
           </a:p>
@@ -6013,10 +5870,9 @@
           <a:lstStyle/>
           <a:p>
             <a:r>
-              <a:rPr lang="en-AU" dirty="0" smtClean="0"/>
-              <a:t>Sustainable pace</a:t>
-            </a:r>
-            <a:endParaRPr lang="en-AU" dirty="0"/>
+              <a:rPr lang="en-AU" dirty="0"/>
+              <a:t>Timeboxing</a:t>
+            </a:r>
           </a:p>
         </p:txBody>
       </p:sp>
@@ -6036,47 +5892,21 @@
           <a:lstStyle/>
           <a:p>
             <a:r>
-              <a:rPr lang="en-AU" dirty="0" smtClean="0"/>
-              <a:t>Consistently sacrificing sleep and weekends </a:t>
-            </a:r>
-            <a:r>
-              <a:rPr lang="en-AU" sz="4400" dirty="0" smtClean="0"/>
-              <a:t>isn’t sustainable</a:t>
-            </a:r>
-            <a:endParaRPr lang="en-AU" dirty="0" smtClean="0"/>
-          </a:p>
-          <a:p>
-            <a:r>
-              <a:rPr lang="en-AU" dirty="0" smtClean="0"/>
-              <a:t>The quality and efficiency of your work drops and you </a:t>
-            </a:r>
-            <a:r>
-              <a:rPr lang="en-AU" sz="4400" dirty="0" smtClean="0"/>
-              <a:t>get less done</a:t>
-            </a:r>
-            <a:endParaRPr lang="en-AU" dirty="0" smtClean="0"/>
-          </a:p>
-          <a:p>
-            <a:endParaRPr lang="en-AU" dirty="0" smtClean="0"/>
-          </a:p>
-          <a:p>
-            <a:r>
-              <a:rPr lang="en-AU" dirty="0" smtClean="0"/>
-              <a:t>Get </a:t>
-            </a:r>
-            <a:r>
-              <a:rPr lang="en-AU" b="1" dirty="0" smtClean="0"/>
-              <a:t>help</a:t>
-            </a:r>
-            <a:r>
-              <a:rPr lang="en-AU" sz="1800" dirty="0" smtClean="0"/>
-              <a:t> </a:t>
-            </a:r>
-            <a:r>
-              <a:rPr lang="en-AU" dirty="0" smtClean="0"/>
-              <a:t>if you need an unsustainable pace to get everything done!</a:t>
-            </a:r>
-            <a:endParaRPr lang="en-AU" dirty="0"/>
+              <a:rPr lang="en-AU" dirty="0"/>
+              <a:t>Set aside an appropriate amount of time to complete something in based on it’s importance or how much time you can spare</a:t>
+            </a:r>
+          </a:p>
+          <a:p>
+            <a:r>
+              <a:rPr lang="en-AU" dirty="0"/>
+              <a:t>Cut yourself off if you go over the timebox or re-evaluate if you need more time (and can spare it)</a:t>
+            </a:r>
+          </a:p>
+          <a:p>
+            <a:r>
+              <a:rPr lang="en-AU" dirty="0"/>
+              <a:t>Work backwards from constraints and deadlines</a:t>
+            </a:r>
           </a:p>
         </p:txBody>
       </p:sp>
@@ -6112,7 +5942,7 @@
     </p:spTree>
     <p:extLst>
       <p:ext uri="{BB962C8B-B14F-4D97-AF65-F5344CB8AC3E}">
-        <p14:creationId xmlns:p14="http://schemas.microsoft.com/office/powerpoint/2010/main" val="2636639351"/>
+        <p14:creationId xmlns:p14="http://schemas.microsoft.com/office/powerpoint/2010/main" val="4038967736"/>
       </p:ext>
     </p:extLst>
   </p:cSld>
@@ -6155,10 +5985,16 @@
           <a:lstStyle/>
           <a:p>
             <a:r>
-              <a:rPr lang="en-AU" dirty="0" smtClean="0"/>
-              <a:t>Task visualisation</a:t>
-            </a:r>
-            <a:endParaRPr lang="en-AU" dirty="0"/>
+              <a:rPr lang="en-AU" dirty="0"/>
+              <a:t>Communicate at high level;</a:t>
+            </a:r>
+            <a:br>
+              <a:rPr lang="en-AU" dirty="0"/>
+            </a:br>
+            <a:r>
+              <a:rPr lang="en-AU" dirty="0"/>
+              <a:t>plan and act in detail</a:t>
+            </a:r>
           </a:p>
         </p:txBody>
       </p:sp>
@@ -6178,71 +6014,15 @@
           <a:lstStyle/>
           <a:p>
             <a:r>
-              <a:rPr lang="en-AU" dirty="0" smtClean="0"/>
-              <a:t>Visualising your prioritised </a:t>
-            </a:r>
-            <a:r>
-              <a:rPr lang="en-AU" dirty="0" err="1" smtClean="0"/>
-              <a:t>todo</a:t>
-            </a:r>
-            <a:r>
-              <a:rPr lang="en-AU" dirty="0" smtClean="0"/>
-              <a:t> list helps you </a:t>
-            </a:r>
-            <a:r>
-              <a:rPr lang="en-AU" sz="4800" dirty="0" smtClean="0"/>
-              <a:t>focus</a:t>
-            </a:r>
-            <a:endParaRPr lang="en-AU" dirty="0" smtClean="0"/>
-          </a:p>
-          <a:p>
-            <a:r>
-              <a:rPr lang="en-AU" dirty="0" smtClean="0"/>
-              <a:t>It </a:t>
-            </a:r>
-            <a:r>
-              <a:rPr lang="en-AU" dirty="0" smtClean="0"/>
-              <a:t>helps you and your team be more </a:t>
-            </a:r>
-            <a:r>
-              <a:rPr lang="en-AU" sz="4800" dirty="0" smtClean="0"/>
-              <a:t>efficient</a:t>
-            </a:r>
-            <a:r>
-              <a:rPr lang="en-AU" dirty="0" smtClean="0"/>
-              <a:t> and helps </a:t>
-            </a:r>
-            <a:r>
-              <a:rPr lang="en-AU" dirty="0" smtClean="0"/>
-              <a:t>context </a:t>
-            </a:r>
-            <a:r>
-              <a:rPr lang="en-AU" dirty="0" smtClean="0"/>
-              <a:t>switching</a:t>
-            </a:r>
-          </a:p>
-          <a:p>
-            <a:endParaRPr lang="en-AU" dirty="0" smtClean="0"/>
-          </a:p>
-          <a:p>
-            <a:pPr marL="0" indent="0">
-              <a:buNone/>
-            </a:pPr>
-            <a:r>
-              <a:rPr lang="en-AU" sz="2800" dirty="0" smtClean="0"/>
-              <a:t>					</a:t>
-            </a:r>
-            <a:endParaRPr lang="en-AU" sz="2800" dirty="0" smtClean="0"/>
-          </a:p>
-          <a:p>
-            <a:pPr marL="0" indent="0">
-              <a:buNone/>
-            </a:pPr>
-            <a:r>
-              <a:rPr lang="en-AU" sz="2800" dirty="0" smtClean="0"/>
-              <a:t>trello.com</a:t>
-            </a:r>
-            <a:endParaRPr lang="en-AU" sz="2800" dirty="0"/>
+              <a:rPr lang="en-AU" dirty="0"/>
+              <a:t>Roll-up details to a high level when communicating with others so everyone doesn’t need to be across everything</a:t>
+            </a:r>
+          </a:p>
+          <a:p>
+            <a:r>
+              <a:rPr lang="en-AU" dirty="0"/>
+              <a:t>Allows you to see at a glance where progress is at – less chance of getting lost in detail</a:t>
+            </a:r>
           </a:p>
         </p:txBody>
       </p:sp>
@@ -6270,6 +6050,607 @@
                 <a:defRPr/>
               </a:pPr>
               <a:t>19</a:t>
+            </a:fld>
+            <a:endParaRPr lang="en-GB" dirty="0"/>
+          </a:p>
+        </p:txBody>
+      </p:sp>
+    </p:spTree>
+    <p:extLst>
+      <p:ext uri="{BB962C8B-B14F-4D97-AF65-F5344CB8AC3E}">
+        <p14:creationId xmlns:p14="http://schemas.microsoft.com/office/powerpoint/2010/main" val="2958990898"/>
+      </p:ext>
+    </p:extLst>
+  </p:cSld>
+  <p:clrMapOvr>
+    <a:masterClrMapping/>
+  </p:clrMapOvr>
+</p:sld>
+</file>
+
+<file path=ppt/slides/slide2.xml><?xml version="1.0" encoding="utf-8"?>
+<p:sld xmlns:a="http://schemas.openxmlformats.org/drawingml/2006/main" xmlns:r="http://schemas.openxmlformats.org/officeDocument/2006/relationships" xmlns:p="http://schemas.openxmlformats.org/presentationml/2006/main">
+  <p:cSld>
+    <p:spTree>
+      <p:nvGrpSpPr>
+        <p:cNvPr id="1" name=""/>
+        <p:cNvGrpSpPr/>
+        <p:nvPr/>
+      </p:nvGrpSpPr>
+      <p:grpSpPr>
+        <a:xfrm>
+          <a:off x="0" y="0"/>
+          <a:ext cx="0" cy="0"/>
+          <a:chOff x="0" y="0"/>
+          <a:chExt cx="0" cy="0"/>
+        </a:xfrm>
+      </p:grpSpPr>
+      <p:sp>
+        <p:nvSpPr>
+          <p:cNvPr id="2" name="Title 1"/>
+          <p:cNvSpPr>
+            <a:spLocks noGrp="1"/>
+          </p:cNvSpPr>
+          <p:nvPr>
+            <p:ph type="title"/>
+          </p:nvPr>
+        </p:nvSpPr>
+        <p:spPr/>
+        <p:txBody>
+          <a:bodyPr/>
+          <a:lstStyle/>
+          <a:p>
+            <a:r>
+              <a:rPr lang="en-GB" dirty="0"/>
+              <a:t>Why is it important?</a:t>
+            </a:r>
+          </a:p>
+        </p:txBody>
+      </p:sp>
+      <p:sp>
+        <p:nvSpPr>
+          <p:cNvPr id="3" name="Content Placeholder 2"/>
+          <p:cNvSpPr>
+            <a:spLocks noGrp="1"/>
+          </p:cNvSpPr>
+          <p:nvPr>
+            <p:ph idx="1"/>
+          </p:nvPr>
+        </p:nvSpPr>
+        <p:spPr>
+          <a:xfrm>
+            <a:off x="457200" y="1340768"/>
+            <a:ext cx="8229600" cy="3810000"/>
+          </a:xfrm>
+        </p:spPr>
+        <p:txBody>
+          <a:bodyPr/>
+          <a:lstStyle/>
+          <a:p>
+            <a:r>
+              <a:rPr lang="en-GB" sz="2800" dirty="0"/>
+              <a:t>Do you ever feel </a:t>
+            </a:r>
+            <a:r>
+              <a:rPr lang="en-GB" sz="4400" dirty="0"/>
+              <a:t>overwhelmed</a:t>
+            </a:r>
+            <a:r>
+              <a:rPr lang="en-GB" sz="2800" dirty="0"/>
+              <a:t> with:</a:t>
+            </a:r>
+          </a:p>
+          <a:p>
+            <a:pPr lvl="1"/>
+            <a:r>
+              <a:rPr lang="en-GB" sz="2400" dirty="0" err="1"/>
+              <a:t>Uni</a:t>
+            </a:r>
+            <a:r>
+              <a:rPr lang="en-GB" sz="2400" dirty="0"/>
+              <a:t> classes</a:t>
+            </a:r>
+          </a:p>
+          <a:p>
+            <a:pPr lvl="1"/>
+            <a:r>
+              <a:rPr lang="en-GB" sz="2400" dirty="0" err="1"/>
+              <a:t>Uni</a:t>
+            </a:r>
+            <a:r>
+              <a:rPr lang="en-GB" sz="2400" dirty="0"/>
+              <a:t> assignments and tests</a:t>
+            </a:r>
+          </a:p>
+          <a:p>
+            <a:pPr lvl="1"/>
+            <a:r>
+              <a:rPr lang="en-GB" sz="2400" dirty="0"/>
+              <a:t>Work (multiple jobs?)</a:t>
+            </a:r>
+          </a:p>
+          <a:p>
+            <a:pPr lvl="1"/>
+            <a:r>
+              <a:rPr lang="en-GB" sz="2400" b="1" dirty="0"/>
+              <a:t>Extracurricular activities</a:t>
+            </a:r>
+          </a:p>
+          <a:p>
+            <a:pPr lvl="1"/>
+            <a:r>
+              <a:rPr lang="en-GB" sz="2400" dirty="0"/>
+              <a:t>Maintaining relationships (friends, family, lovers)</a:t>
+            </a:r>
+          </a:p>
+          <a:p>
+            <a:pPr lvl="1"/>
+            <a:r>
+              <a:rPr lang="en-GB" sz="2400" dirty="0"/>
+              <a:t>Housework</a:t>
+            </a:r>
+          </a:p>
+          <a:p>
+            <a:pPr lvl="1"/>
+            <a:r>
+              <a:rPr lang="en-GB" sz="2400" dirty="0"/>
+              <a:t>Leisure, quiet time, exercising, reading, etc.)</a:t>
+            </a:r>
+          </a:p>
+          <a:p>
+            <a:r>
+              <a:rPr lang="en-GB" sz="2800" dirty="0"/>
+              <a:t>Do you have </a:t>
+            </a:r>
+            <a:r>
+              <a:rPr lang="en-GB" sz="2800" i="1" dirty="0"/>
+              <a:t>competing</a:t>
+            </a:r>
+            <a:r>
+              <a:rPr lang="en-GB" sz="2800" dirty="0"/>
+              <a:t> </a:t>
+            </a:r>
+            <a:r>
+              <a:rPr lang="en-GB" sz="4400" dirty="0"/>
+              <a:t>deadlines</a:t>
+            </a:r>
+            <a:r>
+              <a:rPr lang="en-GB" sz="2800" dirty="0"/>
+              <a:t>?</a:t>
+            </a:r>
+          </a:p>
+        </p:txBody>
+      </p:sp>
+      <p:sp>
+        <p:nvSpPr>
+          <p:cNvPr id="4" name="Slide Number Placeholder 3"/>
+          <p:cNvSpPr>
+            <a:spLocks noGrp="1"/>
+          </p:cNvSpPr>
+          <p:nvPr>
+            <p:ph type="sldNum" sz="quarter" idx="4"/>
+          </p:nvPr>
+        </p:nvSpPr>
+        <p:spPr/>
+        <p:txBody>
+          <a:bodyPr/>
+          <a:lstStyle/>
+          <a:p>
+            <a:pPr>
+              <a:defRPr/>
+            </a:pPr>
+            <a:fld id="{92185B65-240A-465E-998D-9B43C073AEB9}" type="slidenum">
+              <a:rPr lang="en-GB" smtClean="0"/>
+              <a:pPr>
+                <a:defRPr/>
+              </a:pPr>
+              <a:t>2</a:t>
+            </a:fld>
+            <a:endParaRPr lang="en-GB" dirty="0"/>
+          </a:p>
+        </p:txBody>
+      </p:sp>
+    </p:spTree>
+    <p:extLst>
+      <p:ext uri="{BB962C8B-B14F-4D97-AF65-F5344CB8AC3E}">
+        <p14:creationId xmlns:p14="http://schemas.microsoft.com/office/powerpoint/2010/main" val="1137752938"/>
+      </p:ext>
+    </p:extLst>
+  </p:cSld>
+  <p:clrMapOvr>
+    <a:masterClrMapping/>
+  </p:clrMapOvr>
+</p:sld>
+</file>
+
+<file path=ppt/slides/slide20.xml><?xml version="1.0" encoding="utf-8"?>
+<p:sld xmlns:a="http://schemas.openxmlformats.org/drawingml/2006/main" xmlns:r="http://schemas.openxmlformats.org/officeDocument/2006/relationships" xmlns:p="http://schemas.openxmlformats.org/presentationml/2006/main">
+  <p:cSld>
+    <p:spTree>
+      <p:nvGrpSpPr>
+        <p:cNvPr id="1" name=""/>
+        <p:cNvGrpSpPr/>
+        <p:nvPr/>
+      </p:nvGrpSpPr>
+      <p:grpSpPr>
+        <a:xfrm>
+          <a:off x="0" y="0"/>
+          <a:ext cx="0" cy="0"/>
+          <a:chOff x="0" y="0"/>
+          <a:chExt cx="0" cy="0"/>
+        </a:xfrm>
+      </p:grpSpPr>
+      <p:sp>
+        <p:nvSpPr>
+          <p:cNvPr id="2" name="Title 1"/>
+          <p:cNvSpPr>
+            <a:spLocks noGrp="1"/>
+          </p:cNvSpPr>
+          <p:nvPr>
+            <p:ph type="title"/>
+          </p:nvPr>
+        </p:nvSpPr>
+        <p:spPr/>
+        <p:txBody>
+          <a:bodyPr/>
+          <a:lstStyle/>
+          <a:p>
+            <a:r>
+              <a:rPr lang="en-AU" dirty="0"/>
+              <a:t>Set expectations</a:t>
+            </a:r>
+          </a:p>
+        </p:txBody>
+      </p:sp>
+      <p:sp>
+        <p:nvSpPr>
+          <p:cNvPr id="3" name="Content Placeholder 2"/>
+          <p:cNvSpPr>
+            <a:spLocks noGrp="1"/>
+          </p:cNvSpPr>
+          <p:nvPr>
+            <p:ph idx="1"/>
+          </p:nvPr>
+        </p:nvSpPr>
+        <p:spPr/>
+        <p:txBody>
+          <a:bodyPr/>
+          <a:lstStyle/>
+          <a:p>
+            <a:r>
+              <a:rPr lang="en-AU" dirty="0"/>
+              <a:t>Set minimum expectations of everyone</a:t>
+            </a:r>
+          </a:p>
+          <a:p>
+            <a:r>
+              <a:rPr lang="en-AU" dirty="0"/>
+              <a:t>Create a communication plan</a:t>
+            </a:r>
+          </a:p>
+          <a:p>
+            <a:r>
+              <a:rPr lang="en-AU" dirty="0"/>
+              <a:t>Specify what happens when someone can’t make a commitment</a:t>
+            </a:r>
+          </a:p>
+        </p:txBody>
+      </p:sp>
+      <p:sp>
+        <p:nvSpPr>
+          <p:cNvPr id="4" name="Slide Number Placeholder 3"/>
+          <p:cNvSpPr>
+            <a:spLocks noGrp="1"/>
+          </p:cNvSpPr>
+          <p:nvPr>
+            <p:ph type="sldNum" sz="quarter" idx="4"/>
+          </p:nvPr>
+        </p:nvSpPr>
+        <p:spPr/>
+        <p:txBody>
+          <a:bodyPr/>
+          <a:lstStyle/>
+          <a:p>
+            <a:pPr>
+              <a:defRPr/>
+            </a:pPr>
+            <a:fld id="{92185B65-240A-465E-998D-9B43C073AEB9}" type="slidenum">
+              <a:rPr lang="en-GB" smtClean="0"/>
+              <a:pPr>
+                <a:defRPr/>
+              </a:pPr>
+              <a:t>20</a:t>
+            </a:fld>
+            <a:endParaRPr lang="en-GB" dirty="0"/>
+          </a:p>
+        </p:txBody>
+      </p:sp>
+    </p:spTree>
+    <p:extLst>
+      <p:ext uri="{BB962C8B-B14F-4D97-AF65-F5344CB8AC3E}">
+        <p14:creationId xmlns:p14="http://schemas.microsoft.com/office/powerpoint/2010/main" val="4264165088"/>
+      </p:ext>
+    </p:extLst>
+  </p:cSld>
+  <p:clrMapOvr>
+    <a:masterClrMapping/>
+  </p:clrMapOvr>
+</p:sld>
+</file>
+
+<file path=ppt/slides/slide21.xml><?xml version="1.0" encoding="utf-8"?>
+<p:sld xmlns:a="http://schemas.openxmlformats.org/drawingml/2006/main" xmlns:r="http://schemas.openxmlformats.org/officeDocument/2006/relationships" xmlns:p="http://schemas.openxmlformats.org/presentationml/2006/main">
+  <p:cSld>
+    <p:spTree>
+      <p:nvGrpSpPr>
+        <p:cNvPr id="1" name=""/>
+        <p:cNvGrpSpPr/>
+        <p:nvPr/>
+      </p:nvGrpSpPr>
+      <p:grpSpPr>
+        <a:xfrm>
+          <a:off x="0" y="0"/>
+          <a:ext cx="0" cy="0"/>
+          <a:chOff x="0" y="0"/>
+          <a:chExt cx="0" cy="0"/>
+        </a:xfrm>
+      </p:grpSpPr>
+      <p:sp>
+        <p:nvSpPr>
+          <p:cNvPr id="2" name="Title 1"/>
+          <p:cNvSpPr>
+            <a:spLocks noGrp="1"/>
+          </p:cNvSpPr>
+          <p:nvPr>
+            <p:ph type="title"/>
+          </p:nvPr>
+        </p:nvSpPr>
+        <p:spPr/>
+        <p:txBody>
+          <a:bodyPr/>
+          <a:lstStyle/>
+          <a:p>
+            <a:r>
+              <a:rPr lang="en-AU" dirty="0"/>
+              <a:t>Sustainable pace</a:t>
+            </a:r>
+          </a:p>
+        </p:txBody>
+      </p:sp>
+      <p:sp>
+        <p:nvSpPr>
+          <p:cNvPr id="3" name="Content Placeholder 2"/>
+          <p:cNvSpPr>
+            <a:spLocks noGrp="1"/>
+          </p:cNvSpPr>
+          <p:nvPr>
+            <p:ph idx="1"/>
+          </p:nvPr>
+        </p:nvSpPr>
+        <p:spPr/>
+        <p:txBody>
+          <a:bodyPr/>
+          <a:lstStyle/>
+          <a:p>
+            <a:r>
+              <a:rPr lang="en-AU" dirty="0"/>
+              <a:t>Consistently sacrificing sleep and weekends </a:t>
+            </a:r>
+            <a:r>
+              <a:rPr lang="en-AU" sz="4400" dirty="0"/>
+              <a:t>isn’t sustainable</a:t>
+            </a:r>
+            <a:endParaRPr lang="en-AU" dirty="0"/>
+          </a:p>
+          <a:p>
+            <a:r>
+              <a:rPr lang="en-AU" dirty="0"/>
+              <a:t>The quality and efficiency of your work drops and you </a:t>
+            </a:r>
+            <a:r>
+              <a:rPr lang="en-AU" sz="4400" dirty="0"/>
+              <a:t>get less done</a:t>
+            </a:r>
+            <a:endParaRPr lang="en-AU" dirty="0"/>
+          </a:p>
+          <a:p>
+            <a:endParaRPr lang="en-AU" dirty="0"/>
+          </a:p>
+          <a:p>
+            <a:r>
+              <a:rPr lang="en-AU" dirty="0"/>
+              <a:t>Get </a:t>
+            </a:r>
+            <a:r>
+              <a:rPr lang="en-AU" b="1" dirty="0"/>
+              <a:t>help</a:t>
+            </a:r>
+            <a:r>
+              <a:rPr lang="en-AU" sz="1800" dirty="0"/>
+              <a:t> </a:t>
+            </a:r>
+            <a:r>
+              <a:rPr lang="en-AU" dirty="0"/>
+              <a:t>if you need an unsustainable pace to get everything done!</a:t>
+            </a:r>
+          </a:p>
+        </p:txBody>
+      </p:sp>
+      <p:sp>
+        <p:nvSpPr>
+          <p:cNvPr id="4" name="Slide Number Placeholder 3"/>
+          <p:cNvSpPr>
+            <a:spLocks noGrp="1"/>
+          </p:cNvSpPr>
+          <p:nvPr>
+            <p:ph type="sldNum" sz="quarter" idx="4"/>
+          </p:nvPr>
+        </p:nvSpPr>
+        <p:spPr/>
+        <p:txBody>
+          <a:bodyPr/>
+          <a:lstStyle/>
+          <a:p>
+            <a:pPr>
+              <a:defRPr/>
+            </a:pPr>
+            <a:fld id="{92185B65-240A-465E-998D-9B43C073AEB9}" type="slidenum">
+              <a:rPr lang="en-GB" smtClean="0"/>
+              <a:pPr>
+                <a:defRPr/>
+              </a:pPr>
+              <a:t>21</a:t>
+            </a:fld>
+            <a:endParaRPr lang="en-GB" dirty="0"/>
+          </a:p>
+        </p:txBody>
+      </p:sp>
+    </p:spTree>
+    <p:extLst>
+      <p:ext uri="{BB962C8B-B14F-4D97-AF65-F5344CB8AC3E}">
+        <p14:creationId xmlns:p14="http://schemas.microsoft.com/office/powerpoint/2010/main" val="2636639351"/>
+      </p:ext>
+    </p:extLst>
+  </p:cSld>
+  <p:clrMapOvr>
+    <a:masterClrMapping/>
+  </p:clrMapOvr>
+</p:sld>
+</file>
+
+<file path=ppt/slides/slide22.xml><?xml version="1.0" encoding="utf-8"?>
+<p:sld xmlns:a="http://schemas.openxmlformats.org/drawingml/2006/main" xmlns:r="http://schemas.openxmlformats.org/officeDocument/2006/relationships" xmlns:p="http://schemas.openxmlformats.org/presentationml/2006/main">
+  <p:cSld>
+    <p:spTree>
+      <p:nvGrpSpPr>
+        <p:cNvPr id="1" name=""/>
+        <p:cNvGrpSpPr/>
+        <p:nvPr/>
+      </p:nvGrpSpPr>
+      <p:grpSpPr>
+        <a:xfrm>
+          <a:off x="0" y="0"/>
+          <a:ext cx="0" cy="0"/>
+          <a:chOff x="0" y="0"/>
+          <a:chExt cx="0" cy="0"/>
+        </a:xfrm>
+      </p:grpSpPr>
+      <p:sp>
+        <p:nvSpPr>
+          <p:cNvPr id="2" name="Title 1"/>
+          <p:cNvSpPr>
+            <a:spLocks noGrp="1"/>
+          </p:cNvSpPr>
+          <p:nvPr>
+            <p:ph type="title"/>
+          </p:nvPr>
+        </p:nvSpPr>
+        <p:spPr/>
+        <p:txBody>
+          <a:bodyPr/>
+          <a:lstStyle/>
+          <a:p>
+            <a:r>
+              <a:rPr lang="en-AU" dirty="0"/>
+              <a:t>Task visualisation</a:t>
+            </a:r>
+          </a:p>
+        </p:txBody>
+      </p:sp>
+      <p:sp>
+        <p:nvSpPr>
+          <p:cNvPr id="3" name="Content Placeholder 2"/>
+          <p:cNvSpPr>
+            <a:spLocks noGrp="1"/>
+          </p:cNvSpPr>
+          <p:nvPr>
+            <p:ph idx="1"/>
+          </p:nvPr>
+        </p:nvSpPr>
+        <p:spPr/>
+        <p:txBody>
+          <a:bodyPr/>
+          <a:lstStyle/>
+          <a:p>
+            <a:r>
+              <a:rPr lang="en-AU" dirty="0"/>
+              <a:t>Visualising your prioritised </a:t>
+            </a:r>
+            <a:r>
+              <a:rPr lang="en-AU" dirty="0" err="1"/>
+              <a:t>todo</a:t>
+            </a:r>
+            <a:r>
+              <a:rPr lang="en-AU" dirty="0"/>
+              <a:t> list helps you </a:t>
+            </a:r>
+            <a:r>
+              <a:rPr lang="en-AU" sz="4800" dirty="0"/>
+              <a:t>focus</a:t>
+            </a:r>
+            <a:endParaRPr lang="en-AU" dirty="0"/>
+          </a:p>
+          <a:p>
+            <a:r>
+              <a:rPr lang="en-AU" dirty="0"/>
+              <a:t>It helps you and your team be more </a:t>
+            </a:r>
+            <a:r>
+              <a:rPr lang="en-AU" sz="4800" dirty="0"/>
+              <a:t>efficient</a:t>
+            </a:r>
+            <a:r>
+              <a:rPr lang="en-AU" dirty="0"/>
+              <a:t> and helps context switching</a:t>
+            </a:r>
+          </a:p>
+          <a:p>
+            <a:endParaRPr lang="en-AU" dirty="0"/>
+          </a:p>
+          <a:p>
+            <a:pPr marL="0" indent="0">
+              <a:buNone/>
+            </a:pPr>
+            <a:r>
+              <a:rPr lang="en-AU" sz="2800" dirty="0"/>
+              <a:t>					</a:t>
+            </a:r>
+          </a:p>
+          <a:p>
+            <a:pPr marL="0" indent="0">
+              <a:buNone/>
+            </a:pPr>
+            <a:r>
+              <a:rPr lang="en-AU" sz="2800" dirty="0"/>
+              <a:t>trello.com</a:t>
+            </a:r>
+          </a:p>
+        </p:txBody>
+      </p:sp>
+      <p:sp>
+        <p:nvSpPr>
+          <p:cNvPr id="4" name="Slide Number Placeholder 3"/>
+          <p:cNvSpPr>
+            <a:spLocks noGrp="1"/>
+          </p:cNvSpPr>
+          <p:nvPr>
+            <p:ph type="sldNum" sz="quarter" idx="4"/>
+          </p:nvPr>
+        </p:nvSpPr>
+        <p:spPr/>
+        <p:txBody>
+          <a:bodyPr/>
+          <a:lstStyle/>
+          <a:p>
+            <a:pPr>
+              <a:defRPr/>
+            </a:pPr>
+            <a:fld id="{92185B65-240A-465E-998D-9B43C073AEB9}" type="slidenum">
+              <a:rPr lang="en-GB" smtClean="0"/>
+              <a:pPr>
+                <a:defRPr/>
+              </a:pPr>
+              <a:t>22</a:t>
             </a:fld>
             <a:endParaRPr lang="en-GB" dirty="0"/>
           </a:p>
@@ -6329,7 +6710,7 @@
 </p:sld>
 </file>
 
-<file path=ppt/slides/slide2.xml><?xml version="1.0" encoding="utf-8"?>
+<file path=ppt/slides/slide23.xml><?xml version="1.0" encoding="utf-8"?>
 <p:sld xmlns:a="http://schemas.openxmlformats.org/drawingml/2006/main" xmlns:r="http://schemas.openxmlformats.org/officeDocument/2006/relationships" xmlns:p="http://schemas.openxmlformats.org/presentationml/2006/main">
   <p:cSld>
     <p:spTree>
@@ -6362,10 +6743,18 @@
           <a:lstStyle/>
           <a:p>
             <a:r>
-              <a:rPr lang="en-GB" dirty="0" smtClean="0"/>
-              <a:t>Why is it important?</a:t>
-            </a:r>
-            <a:endParaRPr lang="en-GB" dirty="0"/>
+              <a:rPr lang="en-AU" dirty="0" err="1"/>
+              <a:t>Pomodoro</a:t>
+            </a:r>
+            <a:r>
+              <a:rPr lang="en-AU" dirty="0"/>
+              <a:t> / </a:t>
+            </a:r>
+            <a:r>
+              <a:rPr lang="en-AU" dirty="0" err="1"/>
+              <a:t>Timeboxing</a:t>
+            </a:r>
+            <a:endParaRPr lang="en-AU" dirty="0"/>
           </a:p>
         </p:txBody>
       </p:sp>
@@ -6379,107 +6768,60 @@
             <p:ph idx="1"/>
           </p:nvPr>
         </p:nvSpPr>
-        <p:spPr>
-          <a:xfrm>
-            <a:off x="457200" y="1340768"/>
-            <a:ext cx="8229600" cy="3810000"/>
-          </a:xfrm>
-        </p:spPr>
-        <p:txBody>
-          <a:bodyPr/>
-          <a:lstStyle/>
-          <a:p>
-            <a:r>
-              <a:rPr lang="en-GB" sz="2800" dirty="0" smtClean="0"/>
-              <a:t>Do you ever feel </a:t>
-            </a:r>
-            <a:r>
-              <a:rPr lang="en-GB" sz="4400" dirty="0" smtClean="0"/>
-              <a:t>overwhelmed</a:t>
-            </a:r>
-            <a:r>
-              <a:rPr lang="en-GB" sz="2800" dirty="0" smtClean="0"/>
-              <a:t> with:</a:t>
-            </a:r>
-          </a:p>
-          <a:p>
-            <a:pPr lvl="1"/>
-            <a:r>
-              <a:rPr lang="en-GB" sz="2400" dirty="0" err="1" smtClean="0"/>
-              <a:t>Uni</a:t>
-            </a:r>
-            <a:r>
-              <a:rPr lang="en-GB" sz="2400" dirty="0" smtClean="0"/>
-              <a:t> classes</a:t>
-            </a:r>
-          </a:p>
-          <a:p>
-            <a:pPr lvl="1"/>
-            <a:r>
-              <a:rPr lang="en-GB" sz="2400" dirty="0" err="1" smtClean="0"/>
-              <a:t>Uni</a:t>
-            </a:r>
-            <a:r>
-              <a:rPr lang="en-GB" sz="2400" dirty="0" smtClean="0"/>
-              <a:t> assignments and tests</a:t>
-            </a:r>
-          </a:p>
-          <a:p>
-            <a:pPr lvl="1"/>
-            <a:r>
-              <a:rPr lang="en-GB" sz="2400" dirty="0" smtClean="0"/>
-              <a:t>Work (multiple jobs?)</a:t>
-            </a:r>
-          </a:p>
-          <a:p>
-            <a:pPr lvl="1"/>
-            <a:r>
-              <a:rPr lang="en-GB" sz="2400" b="1" dirty="0" smtClean="0"/>
-              <a:t>Extracurricular activities</a:t>
-            </a:r>
-          </a:p>
-          <a:p>
-            <a:pPr lvl="1"/>
-            <a:r>
-              <a:rPr lang="en-GB" sz="2400" dirty="0" smtClean="0"/>
-              <a:t>Maintaining relationships (friends, family, lovers)</a:t>
-            </a:r>
-          </a:p>
-          <a:p>
-            <a:pPr lvl="1"/>
-            <a:r>
-              <a:rPr lang="en-GB" sz="2400" dirty="0" smtClean="0"/>
-              <a:t>Housework</a:t>
-            </a:r>
-          </a:p>
-          <a:p>
-            <a:pPr lvl="1"/>
-            <a:r>
-              <a:rPr lang="en-GB" sz="2400" dirty="0" smtClean="0"/>
-              <a:t>Leisure, quiet time, exercising, reading, etc.)</a:t>
-            </a:r>
-          </a:p>
-          <a:p>
-            <a:r>
-              <a:rPr lang="en-GB" sz="2800" dirty="0" smtClean="0"/>
-              <a:t>Do you have </a:t>
-            </a:r>
-            <a:r>
-              <a:rPr lang="en-GB" sz="2800" i="1" dirty="0" smtClean="0"/>
-              <a:t>competing</a:t>
-            </a:r>
-            <a:r>
-              <a:rPr lang="en-GB" sz="2800" dirty="0" smtClean="0"/>
-              <a:t> </a:t>
-            </a:r>
-            <a:r>
-              <a:rPr lang="en-GB" sz="4400" dirty="0" smtClean="0"/>
-              <a:t>deadlines</a:t>
-            </a:r>
-            <a:r>
-              <a:rPr lang="en-GB" sz="2800" dirty="0" smtClean="0"/>
-              <a:t>?</a:t>
-            </a:r>
+        <p:spPr/>
+        <p:txBody>
+          <a:bodyPr/>
+          <a:lstStyle/>
+          <a:p>
+            <a:r>
+              <a:rPr lang="en-AU" dirty="0"/>
+              <a:t>Procrastination is damaging to efficiency</a:t>
+            </a:r>
+          </a:p>
+          <a:p>
+            <a:r>
+              <a:rPr lang="en-AU" dirty="0"/>
+              <a:t>Ensure focus by setting aside a specific amount of time</a:t>
+            </a:r>
+          </a:p>
+          <a:p>
+            <a:r>
+              <a:rPr lang="en-AU" dirty="0"/>
+              <a:t>Take a small break after that time and reflect on what you did</a:t>
+            </a:r>
+          </a:p>
+          <a:p>
+            <a:endParaRPr lang="en-AU" dirty="0"/>
+          </a:p>
+          <a:p>
+            <a:pPr marL="0" indent="0">
+              <a:buNone/>
+            </a:pPr>
+            <a:r>
+              <a:rPr lang="en-AU" sz="2800" dirty="0"/>
+              <a:t>				pomodorotechnique.com</a:t>
+            </a:r>
+          </a:p>
+          <a:p>
+            <a:pPr marL="0" indent="0">
+              <a:buNone/>
+            </a:pPr>
+            <a:r>
+              <a:rPr lang="en-AU" sz="2800" dirty="0"/>
+              <a:t>			</a:t>
+            </a:r>
+            <a:r>
+              <a:rPr lang="en-AU" sz="2400" dirty="0"/>
+              <a:t>	workawesome.com/productivity/</a:t>
+            </a:r>
+            <a:r>
+              <a:rPr lang="en-AU" sz="2400" dirty="0" err="1"/>
+              <a:t>timeboxing</a:t>
+            </a:r>
+            <a:endParaRPr lang="en-AU" dirty="0"/>
+          </a:p>
+          <a:p>
+            <a:endParaRPr lang="en-AU" dirty="0"/>
           </a:p>
         </p:txBody>
       </p:sp>
@@ -6506,171 +6848,7 @@
               <a:pPr>
                 <a:defRPr/>
               </a:pPr>
-              <a:t>2</a:t>
-            </a:fld>
-            <a:endParaRPr lang="en-GB" dirty="0"/>
-          </a:p>
-        </p:txBody>
-      </p:sp>
-    </p:spTree>
-    <p:extLst>
-      <p:ext uri="{BB962C8B-B14F-4D97-AF65-F5344CB8AC3E}">
-        <p14:creationId xmlns:p14="http://schemas.microsoft.com/office/powerpoint/2010/main" val="1137752938"/>
-      </p:ext>
-    </p:extLst>
-  </p:cSld>
-  <p:clrMapOvr>
-    <a:masterClrMapping/>
-  </p:clrMapOvr>
-  <p:timing>
-    <p:tnLst>
-      <p:par>
-        <p:cTn id="1" dur="indefinite" restart="never" nodeType="tmRoot"/>
-      </p:par>
-    </p:tnLst>
-  </p:timing>
-</p:sld>
-</file>
-
-<file path=ppt/slides/slide20.xml><?xml version="1.0" encoding="utf-8"?>
-<p:sld xmlns:a="http://schemas.openxmlformats.org/drawingml/2006/main" xmlns:r="http://schemas.openxmlformats.org/officeDocument/2006/relationships" xmlns:p="http://schemas.openxmlformats.org/presentationml/2006/main">
-  <p:cSld>
-    <p:spTree>
-      <p:nvGrpSpPr>
-        <p:cNvPr id="1" name=""/>
-        <p:cNvGrpSpPr/>
-        <p:nvPr/>
-      </p:nvGrpSpPr>
-      <p:grpSpPr>
-        <a:xfrm>
-          <a:off x="0" y="0"/>
-          <a:ext cx="0" cy="0"/>
-          <a:chOff x="0" y="0"/>
-          <a:chExt cx="0" cy="0"/>
-        </a:xfrm>
-      </p:grpSpPr>
-      <p:sp>
-        <p:nvSpPr>
-          <p:cNvPr id="2" name="Title 1"/>
-          <p:cNvSpPr>
-            <a:spLocks noGrp="1"/>
-          </p:cNvSpPr>
-          <p:nvPr>
-            <p:ph type="title"/>
-          </p:nvPr>
-        </p:nvSpPr>
-        <p:spPr/>
-        <p:txBody>
-          <a:bodyPr/>
-          <a:lstStyle/>
-          <a:p>
-            <a:r>
-              <a:rPr lang="en-AU" dirty="0" err="1" smtClean="0"/>
-              <a:t>Pomodoro</a:t>
-            </a:r>
-            <a:r>
-              <a:rPr lang="en-AU" dirty="0" smtClean="0"/>
-              <a:t> / </a:t>
-            </a:r>
-            <a:r>
-              <a:rPr lang="en-AU" dirty="0" err="1" smtClean="0"/>
-              <a:t>Timeboxing</a:t>
-            </a:r>
-            <a:endParaRPr lang="en-AU" dirty="0"/>
-          </a:p>
-        </p:txBody>
-      </p:sp>
-      <p:sp>
-        <p:nvSpPr>
-          <p:cNvPr id="3" name="Content Placeholder 2"/>
-          <p:cNvSpPr>
-            <a:spLocks noGrp="1"/>
-          </p:cNvSpPr>
-          <p:nvPr>
-            <p:ph idx="1"/>
-          </p:nvPr>
-        </p:nvSpPr>
-        <p:spPr/>
-        <p:txBody>
-          <a:bodyPr/>
-          <a:lstStyle/>
-          <a:p>
-            <a:r>
-              <a:rPr lang="en-AU" dirty="0" smtClean="0"/>
-              <a:t>Procrastination is damaging to efficiency</a:t>
-            </a:r>
-          </a:p>
-          <a:p>
-            <a:r>
-              <a:rPr lang="en-AU" dirty="0" smtClean="0"/>
-              <a:t>Ensure focus by setting aside a specific amount of time</a:t>
-            </a:r>
-          </a:p>
-          <a:p>
-            <a:r>
-              <a:rPr lang="en-AU" dirty="0" smtClean="0"/>
-              <a:t>Take a small break after that time and reflect on what you did</a:t>
-            </a:r>
-          </a:p>
-          <a:p>
-            <a:endParaRPr lang="en-AU" dirty="0" smtClean="0"/>
-          </a:p>
-          <a:p>
-            <a:pPr marL="0" indent="0">
-              <a:buNone/>
-            </a:pPr>
-            <a:r>
-              <a:rPr lang="en-AU" sz="2800" dirty="0" smtClean="0"/>
-              <a:t>				pomodorotechnique.com</a:t>
-            </a:r>
-          </a:p>
-          <a:p>
-            <a:pPr marL="0" indent="0">
-              <a:buNone/>
-            </a:pPr>
-            <a:r>
-              <a:rPr lang="en-AU" sz="2800" dirty="0" smtClean="0"/>
-              <a:t>			</a:t>
-            </a:r>
-            <a:r>
-              <a:rPr lang="en-AU" sz="2400" dirty="0" smtClean="0"/>
-              <a:t>	workawesome.com/productivity/</a:t>
-            </a:r>
-            <a:r>
-              <a:rPr lang="en-AU" sz="2400" dirty="0" err="1" smtClean="0"/>
-              <a:t>timeboxing</a:t>
-            </a:r>
-            <a:endParaRPr lang="en-AU" dirty="0" smtClean="0"/>
-          </a:p>
-          <a:p>
-            <a:endParaRPr lang="en-AU" dirty="0"/>
-          </a:p>
-        </p:txBody>
-      </p:sp>
-      <p:sp>
-        <p:nvSpPr>
-          <p:cNvPr id="4" name="Slide Number Placeholder 3"/>
-          <p:cNvSpPr>
-            <a:spLocks noGrp="1"/>
-          </p:cNvSpPr>
-          <p:nvPr>
-            <p:ph type="sldNum" sz="quarter" idx="4"/>
-          </p:nvPr>
-        </p:nvSpPr>
-        <p:spPr/>
-        <p:txBody>
-          <a:bodyPr/>
-          <a:lstStyle/>
-          <a:p>
-            <a:pPr>
-              <a:defRPr/>
-            </a:pPr>
-            <a:fld id="{92185B65-240A-465E-998D-9B43C073AEB9}" type="slidenum">
-              <a:rPr lang="en-GB" smtClean="0"/>
-              <a:pPr>
-                <a:defRPr/>
-              </a:pPr>
-              <a:t>20</a:t>
+              <a:t>23</a:t>
             </a:fld>
             <a:endParaRPr lang="en-GB" dirty="0"/>
           </a:p>
@@ -6730,7 +6908,7 @@
 </p:sld>
 </file>
 
-<file path=ppt/slides/slide21.xml><?xml version="1.0" encoding="utf-8"?>
+<file path=ppt/slides/slide24.xml><?xml version="1.0" encoding="utf-8"?>
 <p:sld xmlns:a="http://schemas.openxmlformats.org/drawingml/2006/main" xmlns:r="http://schemas.openxmlformats.org/officeDocument/2006/relationships" xmlns:p="http://schemas.openxmlformats.org/presentationml/2006/main">
   <p:cSld>
     <p:spTree>
@@ -6763,65 +6941,15 @@
           <a:lstStyle/>
           <a:p>
             <a:r>
-              <a:rPr lang="en-AU" dirty="0" smtClean="0"/>
-              <a:t>Thankyou</a:t>
-            </a:r>
-            <a:endParaRPr lang="en-AU" dirty="0"/>
-          </a:p>
-        </p:txBody>
-      </p:sp>
-      <p:sp>
-        <p:nvSpPr>
-          <p:cNvPr id="3" name="Text Placeholder 2"/>
-          <p:cNvSpPr>
-            <a:spLocks noGrp="1"/>
-          </p:cNvSpPr>
-          <p:nvPr>
-            <p:ph type="body" idx="1"/>
-          </p:nvPr>
-        </p:nvSpPr>
-        <p:spPr/>
-        <p:txBody>
-          <a:bodyPr/>
-          <a:lstStyle/>
-          <a:p>
-            <a:pPr algn="r"/>
-            <a:r>
-              <a:rPr lang="en-AU" dirty="0" smtClean="0"/>
-              <a:t>Rob Moore</a:t>
-            </a:r>
-          </a:p>
-          <a:p>
-            <a:pPr algn="r"/>
-            <a:r>
-              <a:rPr lang="en-AU" dirty="0" smtClean="0"/>
-              <a:t>Principal Consultant, Readify</a:t>
-            </a:r>
-          </a:p>
-          <a:p>
-            <a:pPr algn="r"/>
-            <a:r>
-              <a:rPr lang="en-AU" dirty="0" smtClean="0"/>
-              <a:t>rob.moore@readify.net</a:t>
-            </a:r>
-          </a:p>
-          <a:p>
-            <a:pPr algn="r"/>
-            <a:r>
-              <a:rPr lang="en-AU" dirty="0" smtClean="0"/>
-              <a:t>@</a:t>
-            </a:r>
-            <a:r>
-              <a:rPr lang="en-AU" dirty="0" err="1" smtClean="0"/>
-              <a:t>robdmoore</a:t>
-            </a:r>
-            <a:endParaRPr lang="en-AU" dirty="0"/>
-          </a:p>
-        </p:txBody>
-      </p:sp>
-      <p:sp>
-        <p:nvSpPr>
-          <p:cNvPr id="4" name="Slide Number Placeholder 3"/>
+              <a:rPr lang="en-AU" dirty="0"/>
+              <a:t>Real-world example</a:t>
+            </a:r>
+          </a:p>
+        </p:txBody>
+      </p:sp>
+      <p:sp>
+        <p:nvSpPr>
+          <p:cNvPr id="3" name="Slide Number Placeholder 2"/>
           <p:cNvSpPr>
             <a:spLocks noGrp="1"/>
           </p:cNvSpPr>
@@ -6842,7 +6970,167 @@
               <a:pPr>
                 <a:defRPr/>
               </a:pPr>
-              <a:t>21</a:t>
+              <a:t>24</a:t>
+            </a:fld>
+            <a:endParaRPr lang="en-GB" dirty="0"/>
+          </a:p>
+        </p:txBody>
+      </p:sp>
+      <p:pic>
+        <p:nvPicPr>
+          <p:cNvPr id="5" name="Picture 4"/>
+          <p:cNvPicPr>
+            <a:picLocks noChangeAspect="1"/>
+          </p:cNvPicPr>
+          <p:nvPr/>
+        </p:nvPicPr>
+        <p:blipFill>
+          <a:blip r:embed="rId2">
+            <a:extLst>
+              <a:ext uri="{28A0092B-C50C-407E-A947-70E740481C1C}">
+                <a14:useLocalDpi xmlns:a14="http://schemas.microsoft.com/office/drawing/2010/main" val="0"/>
+              </a:ext>
+            </a:extLst>
+          </a:blip>
+          <a:stretch>
+            <a:fillRect/>
+          </a:stretch>
+        </p:blipFill>
+        <p:spPr>
+          <a:xfrm>
+            <a:off x="2295139" y="2244849"/>
+            <a:ext cx="4553721" cy="2368301"/>
+          </a:xfrm>
+          <a:prstGeom prst="rect">
+            <a:avLst/>
+          </a:prstGeom>
+        </p:spPr>
+      </p:pic>
+    </p:spTree>
+    <p:extLst>
+      <p:ext uri="{BB962C8B-B14F-4D97-AF65-F5344CB8AC3E}">
+        <p14:creationId xmlns:p14="http://schemas.microsoft.com/office/powerpoint/2010/main" val="2423574083"/>
+      </p:ext>
+    </p:extLst>
+  </p:cSld>
+  <p:clrMapOvr>
+    <a:masterClrMapping/>
+  </p:clrMapOvr>
+</p:sld>
+</file>
+
+<file path=ppt/slides/slide25.xml><?xml version="1.0" encoding="utf-8"?>
+<p:sld xmlns:a="http://schemas.openxmlformats.org/drawingml/2006/main" xmlns:r="http://schemas.openxmlformats.org/officeDocument/2006/relationships" xmlns:p="http://schemas.openxmlformats.org/presentationml/2006/main">
+  <p:cSld>
+    <p:spTree>
+      <p:nvGrpSpPr>
+        <p:cNvPr id="1" name=""/>
+        <p:cNvGrpSpPr/>
+        <p:nvPr/>
+      </p:nvGrpSpPr>
+      <p:grpSpPr>
+        <a:xfrm>
+          <a:off x="0" y="0"/>
+          <a:ext cx="0" cy="0"/>
+          <a:chOff x="0" y="0"/>
+          <a:chExt cx="0" cy="0"/>
+        </a:xfrm>
+      </p:grpSpPr>
+      <p:sp>
+        <p:nvSpPr>
+          <p:cNvPr id="2" name="Title 1"/>
+          <p:cNvSpPr>
+            <a:spLocks noGrp="1"/>
+          </p:cNvSpPr>
+          <p:nvPr>
+            <p:ph type="title"/>
+          </p:nvPr>
+        </p:nvSpPr>
+        <p:spPr/>
+        <p:txBody>
+          <a:bodyPr/>
+          <a:lstStyle/>
+          <a:p>
+            <a:r>
+              <a:rPr lang="en-AU" dirty="0"/>
+              <a:t>Thankyou</a:t>
+            </a:r>
+          </a:p>
+        </p:txBody>
+      </p:sp>
+      <p:sp>
+        <p:nvSpPr>
+          <p:cNvPr id="3" name="Text Placeholder 2"/>
+          <p:cNvSpPr>
+            <a:spLocks noGrp="1"/>
+          </p:cNvSpPr>
+          <p:nvPr>
+            <p:ph type="body" idx="1"/>
+          </p:nvPr>
+        </p:nvSpPr>
+        <p:spPr/>
+        <p:txBody>
+          <a:bodyPr/>
+          <a:lstStyle/>
+          <a:p>
+            <a:pPr algn="r"/>
+            <a:r>
+              <a:rPr lang="en-AU" dirty="0"/>
+              <a:t>Rob Moore</a:t>
+            </a:r>
+          </a:p>
+          <a:p>
+            <a:pPr algn="r"/>
+            <a:r>
+              <a:rPr lang="en-AU" dirty="0"/>
+              <a:t>Principal Consultant, Readify</a:t>
+            </a:r>
+          </a:p>
+          <a:p>
+            <a:pPr algn="r"/>
+            <a:r>
+              <a:rPr lang="en-AU" dirty="0"/>
+              <a:t>rob.moore@readify.net</a:t>
+            </a:r>
+          </a:p>
+          <a:p>
+            <a:pPr algn="r"/>
+            <a:r>
+              <a:rPr lang="en-AU" dirty="0"/>
+              <a:t>@</a:t>
+            </a:r>
+            <a:r>
+              <a:rPr lang="en-AU" dirty="0" err="1"/>
+              <a:t>robdmoore</a:t>
+            </a:r>
+            <a:endParaRPr lang="en-AU" dirty="0"/>
+          </a:p>
+        </p:txBody>
+      </p:sp>
+      <p:sp>
+        <p:nvSpPr>
+          <p:cNvPr id="4" name="Slide Number Placeholder 3"/>
+          <p:cNvSpPr>
+            <a:spLocks noGrp="1"/>
+          </p:cNvSpPr>
+          <p:nvPr>
+            <p:ph type="sldNum" sz="quarter" idx="4"/>
+          </p:nvPr>
+        </p:nvSpPr>
+        <p:spPr/>
+        <p:txBody>
+          <a:bodyPr/>
+          <a:lstStyle/>
+          <a:p>
+            <a:pPr>
+              <a:defRPr/>
+            </a:pPr>
+            <a:fld id="{92185B65-240A-465E-998D-9B43C073AEB9}" type="slidenum">
+              <a:rPr lang="en-GB" smtClean="0"/>
+              <a:pPr>
+                <a:defRPr/>
+              </a:pPr>
+              <a:t>25</a:t>
             </a:fld>
             <a:endParaRPr lang="en-GB" dirty="0"/>
           </a:p>
@@ -6858,13 +7146,6 @@
   <p:clrMapOvr>
     <a:masterClrMapping/>
   </p:clrMapOvr>
-  <p:timing>
-    <p:tnLst>
-      <p:par>
-        <p:cTn id="1" dur="indefinite" restart="never" nodeType="tmRoot"/>
-      </p:par>
-    </p:tnLst>
-  </p:timing>
 </p:sld>
 </file>
 
@@ -6924,42 +7205,42 @@
           <a:lstStyle/>
           <a:p>
             <a:r>
-              <a:rPr lang="en-AU" dirty="0" smtClean="0"/>
+              <a:rPr lang="en-AU" dirty="0"/>
               <a:t>You need these skills in the </a:t>
             </a:r>
             <a:r>
-              <a:rPr lang="en-AU" sz="4400" dirty="0" smtClean="0"/>
+              <a:rPr lang="en-AU" sz="4400" dirty="0"/>
               <a:t>workforce</a:t>
             </a:r>
-            <a:endParaRPr lang="en-AU" dirty="0" smtClean="0"/>
-          </a:p>
-          <a:p>
-            <a:endParaRPr lang="en-AU" dirty="0" smtClean="0"/>
-          </a:p>
-          <a:p>
-            <a:r>
-              <a:rPr lang="en-AU" dirty="0" smtClean="0"/>
+            <a:endParaRPr lang="en-AU" dirty="0"/>
+          </a:p>
+          <a:p>
+            <a:endParaRPr lang="en-AU" dirty="0"/>
+          </a:p>
+          <a:p>
+            <a:r>
+              <a:rPr lang="en-AU" dirty="0"/>
               <a:t>These skills are </a:t>
             </a:r>
             <a:r>
-              <a:rPr lang="en-AU" b="1" dirty="0" smtClean="0"/>
+              <a:rPr lang="en-AU" b="1" dirty="0"/>
               <a:t>important</a:t>
             </a:r>
             <a:r>
-              <a:rPr lang="en-AU" dirty="0" smtClean="0"/>
+              <a:rPr lang="en-AU" dirty="0"/>
               <a:t> to get right</a:t>
             </a:r>
           </a:p>
           <a:p>
-            <a:endParaRPr lang="en-AU" dirty="0" smtClean="0"/>
-          </a:p>
-          <a:p>
-            <a:r>
-              <a:rPr lang="en-AU" dirty="0" smtClean="0"/>
+            <a:endParaRPr lang="en-AU" dirty="0"/>
+          </a:p>
+          <a:p>
+            <a:r>
+              <a:rPr lang="en-AU" dirty="0"/>
               <a:t>They help ensure you have a </a:t>
             </a:r>
             <a:r>
-              <a:rPr lang="en-AU" sz="4800" dirty="0" smtClean="0"/>
+              <a:rPr lang="en-AU" sz="4800" dirty="0"/>
               <a:t>work-life balance</a:t>
             </a:r>
           </a:p>
@@ -7004,13 +7285,6 @@
   <p:clrMapOvr>
     <a:masterClrMapping/>
   </p:clrMapOvr>
-  <p:timing>
-    <p:tnLst>
-      <p:par>
-        <p:cTn id="1" dur="indefinite" restart="never" nodeType="tmRoot"/>
-      </p:par>
-    </p:tnLst>
-  </p:timing>
 </p:sld>
 </file>
 
@@ -7047,10 +7321,9 @@
           <a:lstStyle/>
           <a:p>
             <a:r>
-              <a:rPr lang="en-AU" dirty="0" smtClean="0"/>
+              <a:rPr lang="en-AU" dirty="0"/>
               <a:t>How can I plan a project and manage my time effectively?</a:t>
             </a:r>
-            <a:endParaRPr lang="en-AU" dirty="0"/>
           </a:p>
         </p:txBody>
       </p:sp>
@@ -7093,13 +7366,6 @@
   <p:clrMapOvr>
     <a:masterClrMapping/>
   </p:clrMapOvr>
-  <p:timing>
-    <p:tnLst>
-      <p:par>
-        <p:cTn id="1" dur="indefinite" restart="never" nodeType="tmRoot"/>
-      </p:par>
-    </p:tnLst>
-  </p:timing>
 </p:sld>
 </file>
 
@@ -7136,10 +7402,9 @@
           <a:lstStyle/>
           <a:p>
             <a:r>
-              <a:rPr lang="en-AU" dirty="0" smtClean="0"/>
+              <a:rPr lang="en-AU" dirty="0"/>
               <a:t>Golden Triangle</a:t>
             </a:r>
-            <a:endParaRPr lang="en-AU" dirty="0"/>
           </a:p>
         </p:txBody>
       </p:sp>
@@ -7223,13 +7488,6 @@
   <p:clrMapOvr>
     <a:masterClrMapping/>
   </p:clrMapOvr>
-  <p:timing>
-    <p:tnLst>
-      <p:par>
-        <p:cTn id="1" dur="indefinite" restart="never" nodeType="tmRoot"/>
-      </p:par>
-    </p:tnLst>
-  </p:timing>
 </p:sld>
 </file>
 
@@ -7266,10 +7524,9 @@
           <a:lstStyle/>
           <a:p>
             <a:r>
-              <a:rPr lang="en-AU" dirty="0" smtClean="0"/>
+              <a:rPr lang="en-AU" dirty="0"/>
               <a:t>Continuous loop</a:t>
             </a:r>
-            <a:endParaRPr lang="en-AU" dirty="0"/>
           </a:p>
         </p:txBody>
       </p:sp>
@@ -7293,7 +7550,7 @@
               <a:buAutoNum type="arabicPeriod"/>
             </a:pPr>
             <a:r>
-              <a:rPr lang="en-AU" sz="4000" dirty="0" smtClean="0"/>
+              <a:rPr lang="en-AU" sz="4000" dirty="0"/>
               <a:t>Understand</a:t>
             </a:r>
           </a:p>
@@ -7303,7 +7560,7 @@
               <a:buAutoNum type="arabicPeriod"/>
             </a:pPr>
             <a:r>
-              <a:rPr lang="en-AU" sz="4000" dirty="0" smtClean="0"/>
+              <a:rPr lang="en-AU" sz="4000" dirty="0"/>
               <a:t>Prioritise</a:t>
             </a:r>
           </a:p>
@@ -7313,7 +7570,7 @@
               <a:buAutoNum type="arabicPeriod"/>
             </a:pPr>
             <a:r>
-              <a:rPr lang="en-AU" sz="4000" dirty="0" smtClean="0"/>
+              <a:rPr lang="en-AU" sz="4000" dirty="0"/>
               <a:t>Plan</a:t>
             </a:r>
           </a:p>
@@ -7323,7 +7580,7 @@
               <a:buAutoNum type="arabicPeriod"/>
             </a:pPr>
             <a:r>
-              <a:rPr lang="en-AU" sz="4000" dirty="0" smtClean="0"/>
+              <a:rPr lang="en-AU" sz="4000" dirty="0"/>
               <a:t>Execute</a:t>
             </a:r>
           </a:p>
@@ -7333,10 +7590,9 @@
               <a:buAutoNum type="arabicPeriod"/>
             </a:pPr>
             <a:r>
-              <a:rPr lang="en-AU" sz="4000" dirty="0" smtClean="0"/>
+              <a:rPr lang="en-AU" sz="4000" dirty="0"/>
               <a:t>Evaluate</a:t>
             </a:r>
-            <a:endParaRPr lang="en-AU" sz="4000" dirty="0"/>
           </a:p>
         </p:txBody>
       </p:sp>
@@ -7423,13 +7679,6 @@
   <p:clrMapOvr>
     <a:masterClrMapping/>
   </p:clrMapOvr>
-  <p:timing>
-    <p:tnLst>
-      <p:par>
-        <p:cTn id="1" dur="indefinite" restart="never" nodeType="tmRoot"/>
-      </p:par>
-    </p:tnLst>
-  </p:timing>
 </p:sld>
 </file>
 
@@ -7466,60 +7715,54 @@
           <a:lstStyle/>
           <a:p>
             <a:r>
-              <a:rPr lang="en-AU" dirty="0" smtClean="0"/>
+              <a:rPr lang="en-AU" dirty="0"/>
               <a:t>Understand</a:t>
             </a:r>
+          </a:p>
+        </p:txBody>
+      </p:sp>
+      <p:sp>
+        <p:nvSpPr>
+          <p:cNvPr id="3" name="Content Placeholder 2"/>
+          <p:cNvSpPr>
+            <a:spLocks noGrp="1"/>
+          </p:cNvSpPr>
+          <p:nvPr>
+            <p:ph idx="1"/>
+          </p:nvPr>
+        </p:nvSpPr>
+        <p:spPr/>
+        <p:txBody>
+          <a:bodyPr/>
+          <a:lstStyle/>
+          <a:p>
+            <a:r>
+              <a:rPr lang="en-AU" dirty="0"/>
+              <a:t>What are the goal(s)?</a:t>
+            </a:r>
+          </a:p>
+          <a:p>
+            <a:r>
+              <a:rPr lang="en-AU" dirty="0"/>
+              <a:t>Identify high level tasks</a:t>
+            </a:r>
+          </a:p>
+          <a:p>
+            <a:r>
+              <a:rPr lang="en-AU" dirty="0"/>
+              <a:t>What are the deadline(s)?</a:t>
+            </a:r>
+          </a:p>
+          <a:p>
+            <a:r>
+              <a:rPr lang="en-AU" dirty="0"/>
+              <a:t>Breakdown tasks to be </a:t>
+            </a:r>
+            <a:r>
+              <a:rPr lang="en-AU" dirty="0" err="1"/>
+              <a:t>prioritisable</a:t>
+            </a:r>
             <a:endParaRPr lang="en-AU" dirty="0"/>
-          </a:p>
-        </p:txBody>
-      </p:sp>
-      <p:sp>
-        <p:nvSpPr>
-          <p:cNvPr id="3" name="Content Placeholder 2"/>
-          <p:cNvSpPr>
-            <a:spLocks noGrp="1"/>
-          </p:cNvSpPr>
-          <p:nvPr>
-            <p:ph idx="1"/>
-          </p:nvPr>
-        </p:nvSpPr>
-        <p:spPr/>
-        <p:txBody>
-          <a:bodyPr/>
-          <a:lstStyle/>
-          <a:p>
-            <a:r>
-              <a:rPr lang="en-AU" dirty="0" smtClean="0"/>
-              <a:t>What are the goal(s</a:t>
-            </a:r>
-            <a:r>
-              <a:rPr lang="en-AU" dirty="0" smtClean="0"/>
-              <a:t>)?</a:t>
-            </a:r>
-            <a:endParaRPr lang="en-AU" dirty="0" smtClean="0"/>
-          </a:p>
-          <a:p>
-            <a:r>
-              <a:rPr lang="en-AU" dirty="0" smtClean="0"/>
-              <a:t>Identify high level tasks</a:t>
-            </a:r>
-          </a:p>
-          <a:p>
-            <a:r>
-              <a:rPr lang="en-AU" dirty="0" smtClean="0"/>
-              <a:t>What are the deadline(s)?</a:t>
-            </a:r>
-          </a:p>
-          <a:p>
-            <a:r>
-              <a:rPr lang="en-AU" dirty="0" smtClean="0"/>
-              <a:t>Breakdown tasks to be </a:t>
-            </a:r>
-            <a:r>
-              <a:rPr lang="en-AU" dirty="0" err="1" smtClean="0"/>
-              <a:t>prioritisable</a:t>
-            </a:r>
-            <a:endParaRPr lang="en-AU" dirty="0" smtClean="0"/>
           </a:p>
         </p:txBody>
       </p:sp>
@@ -7562,13 +7805,6 @@
   <p:clrMapOvr>
     <a:masterClrMapping/>
   </p:clrMapOvr>
-  <p:timing>
-    <p:tnLst>
-      <p:par>
-        <p:cTn id="1" dur="indefinite" restart="never" nodeType="tmRoot"/>
-      </p:par>
-    </p:tnLst>
-  </p:timing>
 </p:sld>
 </file>
 
@@ -7605,10 +7841,9 @@
           <a:lstStyle/>
           <a:p>
             <a:r>
-              <a:rPr lang="en-AU" dirty="0" smtClean="0"/>
+              <a:rPr lang="en-AU" dirty="0"/>
               <a:t>Prioritise</a:t>
             </a:r>
-            <a:endParaRPr lang="en-AU" dirty="0"/>
           </a:p>
         </p:txBody>
       </p:sp>
@@ -7628,59 +7863,58 @@
           <a:lstStyle/>
           <a:p>
             <a:r>
-              <a:rPr lang="en-AU" dirty="0" smtClean="0"/>
+              <a:rPr lang="en-AU" dirty="0"/>
               <a:t>Within and across activities in your life</a:t>
             </a:r>
           </a:p>
           <a:p>
             <a:r>
-              <a:rPr lang="en-AU" dirty="0" smtClean="0"/>
+              <a:rPr lang="en-AU" dirty="0"/>
               <a:t>Prioritisation is the </a:t>
             </a:r>
             <a:r>
-              <a:rPr lang="en-AU" b="1" dirty="0" smtClean="0"/>
+              <a:rPr lang="en-AU" b="1" dirty="0"/>
               <a:t>key</a:t>
             </a:r>
             <a:r>
-              <a:rPr lang="en-AU" dirty="0" smtClean="0"/>
+              <a:rPr lang="en-AU" dirty="0"/>
               <a:t> to </a:t>
             </a:r>
             <a:r>
-              <a:rPr lang="en-AU" sz="5400" dirty="0" smtClean="0"/>
+              <a:rPr lang="en-AU" sz="5400" dirty="0"/>
               <a:t>avoiding</a:t>
             </a:r>
             <a:r>
-              <a:rPr lang="en-AU" dirty="0" smtClean="0"/>
+              <a:rPr lang="en-AU" dirty="0"/>
               <a:t> context switching overhead</a:t>
             </a:r>
           </a:p>
           <a:p>
             <a:r>
-              <a:rPr lang="en-AU" dirty="0" smtClean="0"/>
+              <a:rPr lang="en-AU" dirty="0"/>
               <a:t>Decide what to prioritise on:</a:t>
             </a:r>
           </a:p>
           <a:p>
             <a:pPr lvl="1"/>
             <a:r>
-              <a:rPr lang="en-AU" dirty="0" smtClean="0"/>
+              <a:rPr lang="en-AU" dirty="0"/>
               <a:t>Deadline?</a:t>
             </a:r>
           </a:p>
           <a:p>
             <a:pPr lvl="1"/>
             <a:r>
-              <a:rPr lang="en-AU" dirty="0" smtClean="0"/>
+              <a:rPr lang="en-AU" dirty="0"/>
               <a:t>Importance?</a:t>
             </a:r>
           </a:p>
           <a:p>
             <a:pPr lvl="1"/>
             <a:r>
-              <a:rPr lang="en-AU" dirty="0" smtClean="0"/>
+              <a:rPr lang="en-AU" dirty="0"/>
               <a:t>Complexity?</a:t>
             </a:r>
-            <a:endParaRPr lang="en-AU" dirty="0"/>
           </a:p>
         </p:txBody>
       </p:sp>
@@ -7723,13 +7957,6 @@
   <p:clrMapOvr>
     <a:masterClrMapping/>
   </p:clrMapOvr>
-  <p:timing>
-    <p:tnLst>
-      <p:par>
-        <p:cTn id="1" dur="indefinite" restart="never" nodeType="tmRoot"/>
-      </p:par>
-    </p:tnLst>
-  </p:timing>
 </p:sld>
 </file>
 
@@ -7766,10 +7993,9 @@
           <a:lstStyle/>
           <a:p>
             <a:r>
-              <a:rPr lang="en-AU" dirty="0" smtClean="0"/>
+              <a:rPr lang="en-AU" dirty="0"/>
               <a:t>Plan</a:t>
             </a:r>
-            <a:endParaRPr lang="en-AU" dirty="0"/>
           </a:p>
         </p:txBody>
       </p:sp>
@@ -7789,52 +8015,48 @@
           <a:lstStyle/>
           <a:p>
             <a:r>
-              <a:rPr lang="en-AU" dirty="0" smtClean="0"/>
+              <a:rPr lang="en-AU" dirty="0"/>
               <a:t>Estimate tasks:</a:t>
             </a:r>
           </a:p>
           <a:p>
             <a:pPr lvl="1"/>
             <a:r>
-              <a:rPr lang="en-AU" dirty="0" smtClean="0"/>
+              <a:rPr lang="en-AU" dirty="0"/>
               <a:t>May affect the priority – that’s OK</a:t>
             </a:r>
           </a:p>
           <a:p>
             <a:pPr lvl="1"/>
             <a:r>
-              <a:rPr lang="en-AU" dirty="0" smtClean="0"/>
-              <a:t>Ensure clear </a:t>
-            </a:r>
-            <a:r>
               <a:rPr lang="en-AU" dirty="0"/>
-              <a:t>scope</a:t>
-            </a:r>
-          </a:p>
-          <a:p>
-            <a:r>
-              <a:rPr lang="en-AU" dirty="0" smtClean="0"/>
+              <a:t>Ensure clear scope</a:t>
+            </a:r>
+          </a:p>
+          <a:p>
+            <a:r>
+              <a:rPr lang="en-AU" dirty="0"/>
               <a:t>Schedule and assign tasks; consider:</a:t>
             </a:r>
           </a:p>
           <a:p>
             <a:pPr lvl="1"/>
             <a:r>
-              <a:rPr lang="en-AU" dirty="0" smtClean="0"/>
+              <a:rPr lang="en-AU" dirty="0"/>
               <a:t>Dependencies</a:t>
             </a:r>
           </a:p>
           <a:p>
             <a:pPr lvl="1"/>
             <a:r>
-              <a:rPr lang="en-AU" dirty="0" smtClean="0"/>
+              <a:rPr lang="en-AU" dirty="0"/>
               <a:t>Deadlines and estimates</a:t>
             </a:r>
           </a:p>
           <a:p>
             <a:pPr lvl="1"/>
             <a:r>
-              <a:rPr lang="en-AU" dirty="0" smtClean="0"/>
+              <a:rPr lang="en-AU" dirty="0"/>
               <a:t>Skillsets</a:t>
             </a:r>
           </a:p>
@@ -7842,13 +8064,8 @@
             <a:pPr marL="457200" lvl="1"/>
             <a:r>
               <a:rPr lang="en-AU" sz="3200" dirty="0"/>
-              <a:t>Remember: things </a:t>
-            </a:r>
-            <a:r>
-              <a:rPr lang="en-AU" sz="3200" dirty="0" smtClean="0"/>
-              <a:t>change</a:t>
-            </a:r>
-            <a:endParaRPr lang="en-AU" sz="3200" dirty="0"/>
+              <a:t>Remember: things change</a:t>
+            </a:r>
           </a:p>
         </p:txBody>
       </p:sp>
@@ -7891,13 +8108,6 @@
   <p:clrMapOvr>
     <a:masterClrMapping/>
   </p:clrMapOvr>
-  <p:timing>
-    <p:tnLst>
-      <p:par>
-        <p:cTn id="1" dur="indefinite" restart="never" nodeType="tmRoot"/>
-      </p:par>
-    </p:tnLst>
-  </p:timing>
 </p:sld>
 </file>
 

--- a/TimeManagementAndProjectPlanning.pptx
+++ b/TimeManagementAndProjectPlanning.pptx
@@ -5,10 +5,10 @@
     <p:sldMasterId id="2147483649" r:id="rId1"/>
   </p:sldMasterIdLst>
   <p:notesMasterIdLst>
-    <p:notesMasterId r:id="rId27"/>
+    <p:notesMasterId r:id="rId28"/>
   </p:notesMasterIdLst>
   <p:handoutMasterIdLst>
-    <p:handoutMasterId r:id="rId28"/>
+    <p:handoutMasterId r:id="rId29"/>
   </p:handoutMasterIdLst>
   <p:sldIdLst>
     <p:sldId id="258" r:id="rId2"/>
@@ -35,7 +35,8 @@
     <p:sldId id="268" r:id="rId23"/>
     <p:sldId id="262" r:id="rId24"/>
     <p:sldId id="284" r:id="rId25"/>
-    <p:sldId id="278" r:id="rId26"/>
+    <p:sldId id="285" r:id="rId26"/>
+    <p:sldId id="278" r:id="rId27"/>
   </p:sldIdLst>
   <p:sldSz cx="9144000" cy="6858000" type="screen4x3"/>
   <p:notesSz cx="6735763" cy="9866313"/>
@@ -4513,7 +4514,7 @@
             <a:pPr algn="l"/>
             <a:r>
               <a:rPr lang="en-AU" dirty="0"/>
-              <a:t>Time management and project planning</a:t>
+              <a:t>Time management and project planning/management</a:t>
             </a:r>
           </a:p>
         </p:txBody>
@@ -7038,7 +7039,13 @@
       </p:grpSpPr>
       <p:sp>
         <p:nvSpPr>
-          <p:cNvPr id="2" name="Title 1"/>
+          <p:cNvPr id="2" name="Title 1">
+            <a:extLst>
+              <a:ext uri="{FF2B5EF4-FFF2-40B4-BE49-F238E27FC236}">
+                <a16:creationId xmlns:a16="http://schemas.microsoft.com/office/drawing/2014/main" id="{11B1390B-97AD-4CE5-985C-253FF2F8CAB9}"/>
+              </a:ext>
+            </a:extLst>
+          </p:cNvPr>
           <p:cNvSpPr>
             <a:spLocks noGrp="1"/>
           </p:cNvSpPr>
@@ -7053,19 +7060,25 @@
           <a:p>
             <a:r>
               <a:rPr lang="en-AU" dirty="0"/>
-              <a:t>Thankyou</a:t>
-            </a:r>
-          </a:p>
-        </p:txBody>
-      </p:sp>
-      <p:sp>
-        <p:nvSpPr>
-          <p:cNvPr id="3" name="Text Placeholder 2"/>
-          <p:cNvSpPr>
-            <a:spLocks noGrp="1"/>
-          </p:cNvSpPr>
-          <p:nvPr>
-            <p:ph type="body" idx="1"/>
+              <a:t>Good project manager attributes</a:t>
+            </a:r>
+          </a:p>
+        </p:txBody>
+      </p:sp>
+      <p:sp>
+        <p:nvSpPr>
+          <p:cNvPr id="3" name="Content Placeholder 2">
+            <a:extLst>
+              <a:ext uri="{FF2B5EF4-FFF2-40B4-BE49-F238E27FC236}">
+                <a16:creationId xmlns:a16="http://schemas.microsoft.com/office/drawing/2014/main" id="{D68CAABD-56A9-47D1-BB5B-55E6BAB02978}"/>
+              </a:ext>
+            </a:extLst>
+          </p:cNvPr>
+          <p:cNvSpPr>
+            <a:spLocks noGrp="1"/>
+          </p:cNvSpPr>
+          <p:nvPr>
+            <p:ph idx="1"/>
           </p:nvPr>
         </p:nvSpPr>
         <p:spPr/>
@@ -7073,43 +7086,59 @@
           <a:bodyPr/>
           <a:lstStyle/>
           <a:p>
-            <a:pPr algn="r"/>
-            <a:r>
-              <a:rPr lang="en-AU" dirty="0"/>
-              <a:t>Rob Moore</a:t>
-            </a:r>
-          </a:p>
-          <a:p>
-            <a:pPr algn="r"/>
-            <a:r>
-              <a:rPr lang="en-AU" dirty="0"/>
-              <a:t>Principal Consultant, Readify</a:t>
-            </a:r>
-          </a:p>
-          <a:p>
-            <a:pPr algn="r"/>
-            <a:r>
-              <a:rPr lang="en-AU" dirty="0"/>
-              <a:t>rob.moore@readify.net</a:t>
-            </a:r>
-          </a:p>
-          <a:p>
-            <a:pPr algn="r"/>
-            <a:r>
-              <a:rPr lang="en-AU" dirty="0"/>
-              <a:t>@</a:t>
-            </a:r>
-            <a:r>
-              <a:rPr lang="en-AU" dirty="0" err="1"/>
-              <a:t>robdmoore</a:t>
-            </a:r>
-            <a:endParaRPr lang="en-AU" dirty="0"/>
-          </a:p>
-        </p:txBody>
-      </p:sp>
-      <p:sp>
-        <p:nvSpPr>
-          <p:cNvPr id="4" name="Slide Number Placeholder 3"/>
+            <a:r>
+              <a:rPr lang="en-AU" sz="2800" dirty="0"/>
+              <a:t>Follow intent rather than letter of the plan </a:t>
+            </a:r>
+          </a:p>
+          <a:p>
+            <a:r>
+              <a:rPr lang="en-AU" sz="2800" dirty="0"/>
+              <a:t>Servant leader</a:t>
+            </a:r>
+          </a:p>
+          <a:p>
+            <a:pPr lvl="1"/>
+            <a:r>
+              <a:rPr lang="en-AU" sz="2400" dirty="0"/>
+              <a:t>Strike a good balance between being engaged / supportive and micromanaging</a:t>
+            </a:r>
+          </a:p>
+          <a:p>
+            <a:r>
+              <a:rPr lang="en-AU" sz="2800" dirty="0"/>
+              <a:t>Set expectations early and often</a:t>
+            </a:r>
+          </a:p>
+          <a:p>
+            <a:r>
+              <a:rPr lang="en-AU" sz="2800" dirty="0"/>
+              <a:t>Minimise governance overhead</a:t>
+            </a:r>
+          </a:p>
+          <a:p>
+            <a:r>
+              <a:rPr lang="en-AU" sz="2800" dirty="0"/>
+              <a:t>Start small and inspect and adapt</a:t>
+            </a:r>
+          </a:p>
+          <a:p>
+            <a:r>
+              <a:rPr lang="en-AU" sz="2800" dirty="0"/>
+              <a:t>Create an autonomy, mastery, purpose environment</a:t>
+            </a:r>
+          </a:p>
+        </p:txBody>
+      </p:sp>
+      <p:sp>
+        <p:nvSpPr>
+          <p:cNvPr id="4" name="Slide Number Placeholder 3">
+            <a:extLst>
+              <a:ext uri="{FF2B5EF4-FFF2-40B4-BE49-F238E27FC236}">
+                <a16:creationId xmlns:a16="http://schemas.microsoft.com/office/drawing/2014/main" id="{CC4E112A-F18F-4AEE-9467-CB4923079CF8}"/>
+              </a:ext>
+            </a:extLst>
+          </p:cNvPr>
           <p:cNvSpPr>
             <a:spLocks noGrp="1"/>
           </p:cNvSpPr>
@@ -7131,6 +7160,136 @@
                 <a:defRPr/>
               </a:pPr>
               <a:t>25</a:t>
+            </a:fld>
+            <a:endParaRPr lang="en-GB" dirty="0"/>
+          </a:p>
+        </p:txBody>
+      </p:sp>
+    </p:spTree>
+    <p:extLst>
+      <p:ext uri="{BB962C8B-B14F-4D97-AF65-F5344CB8AC3E}">
+        <p14:creationId xmlns:p14="http://schemas.microsoft.com/office/powerpoint/2010/main" val="1695978594"/>
+      </p:ext>
+    </p:extLst>
+  </p:cSld>
+  <p:clrMapOvr>
+    <a:masterClrMapping/>
+  </p:clrMapOvr>
+</p:sld>
+</file>
+
+<file path=ppt/slides/slide26.xml><?xml version="1.0" encoding="utf-8"?>
+<p:sld xmlns:a="http://schemas.openxmlformats.org/drawingml/2006/main" xmlns:r="http://schemas.openxmlformats.org/officeDocument/2006/relationships" xmlns:p="http://schemas.openxmlformats.org/presentationml/2006/main">
+  <p:cSld>
+    <p:spTree>
+      <p:nvGrpSpPr>
+        <p:cNvPr id="1" name=""/>
+        <p:cNvGrpSpPr/>
+        <p:nvPr/>
+      </p:nvGrpSpPr>
+      <p:grpSpPr>
+        <a:xfrm>
+          <a:off x="0" y="0"/>
+          <a:ext cx="0" cy="0"/>
+          <a:chOff x="0" y="0"/>
+          <a:chExt cx="0" cy="0"/>
+        </a:xfrm>
+      </p:grpSpPr>
+      <p:sp>
+        <p:nvSpPr>
+          <p:cNvPr id="2" name="Title 1"/>
+          <p:cNvSpPr>
+            <a:spLocks noGrp="1"/>
+          </p:cNvSpPr>
+          <p:nvPr>
+            <p:ph type="title"/>
+          </p:nvPr>
+        </p:nvSpPr>
+        <p:spPr/>
+        <p:txBody>
+          <a:bodyPr/>
+          <a:lstStyle/>
+          <a:p>
+            <a:r>
+              <a:rPr lang="en-AU" dirty="0"/>
+              <a:t>Thankyou</a:t>
+            </a:r>
+          </a:p>
+        </p:txBody>
+      </p:sp>
+      <p:sp>
+        <p:nvSpPr>
+          <p:cNvPr id="3" name="Text Placeholder 2"/>
+          <p:cNvSpPr>
+            <a:spLocks noGrp="1"/>
+          </p:cNvSpPr>
+          <p:nvPr>
+            <p:ph type="body" idx="1"/>
+          </p:nvPr>
+        </p:nvSpPr>
+        <p:spPr/>
+        <p:txBody>
+          <a:bodyPr/>
+          <a:lstStyle/>
+          <a:p>
+            <a:pPr algn="r"/>
+            <a:r>
+              <a:rPr lang="en-AU" dirty="0"/>
+              <a:t>Rob Moore</a:t>
+            </a:r>
+          </a:p>
+          <a:p>
+            <a:pPr algn="r"/>
+            <a:r>
+              <a:rPr lang="en-AU" dirty="0"/>
+              <a:t>Principal Consultant, Readify</a:t>
+            </a:r>
+          </a:p>
+          <a:p>
+            <a:pPr algn="r"/>
+            <a:r>
+              <a:rPr lang="en-AU" dirty="0"/>
+              <a:t>rob.moore@readify.net</a:t>
+            </a:r>
+          </a:p>
+          <a:p>
+            <a:pPr algn="r"/>
+            <a:r>
+              <a:rPr lang="en-AU" dirty="0"/>
+              <a:t>@</a:t>
+            </a:r>
+            <a:r>
+              <a:rPr lang="en-AU" dirty="0" err="1"/>
+              <a:t>robdmoore</a:t>
+            </a:r>
+            <a:endParaRPr lang="en-AU" dirty="0"/>
+          </a:p>
+        </p:txBody>
+      </p:sp>
+      <p:sp>
+        <p:nvSpPr>
+          <p:cNvPr id="4" name="Slide Number Placeholder 3"/>
+          <p:cNvSpPr>
+            <a:spLocks noGrp="1"/>
+          </p:cNvSpPr>
+          <p:nvPr>
+            <p:ph type="sldNum" sz="quarter" idx="4"/>
+          </p:nvPr>
+        </p:nvSpPr>
+        <p:spPr/>
+        <p:txBody>
+          <a:bodyPr/>
+          <a:lstStyle/>
+          <a:p>
+            <a:pPr>
+              <a:defRPr/>
+            </a:pPr>
+            <a:fld id="{92185B65-240A-465E-998D-9B43C073AEB9}" type="slidenum">
+              <a:rPr lang="en-GB" smtClean="0"/>
+              <a:pPr>
+                <a:defRPr/>
+              </a:pPr>
+              <a:t>26</a:t>
             </a:fld>
             <a:endParaRPr lang="en-GB" dirty="0"/>
           </a:p>
